--- a/Star-Voting.pptx
+++ b/Star-Voting.pptx
@@ -18,6 +18,8 @@
     <p:sldId id="264" r:id="rId13"/>
     <p:sldId id="265" r:id="rId14"/>
     <p:sldId id="266" r:id="rId15"/>
+    <p:sldId id="267" r:id="rId16"/>
+    <p:sldId id="268" r:id="rId17"/>
   </p:sldIdLst>
   <p:sldSz cx="12192000" cy="6858000"/>
   <p:notesSz cx="7559675" cy="10691812"/>
@@ -65,7 +67,7 @@
       </p:grpSpPr>
       <p:sp>
         <p:nvSpPr>
-          <p:cNvPr id="32" name="PlaceHolder 1"/>
+          <p:cNvPr id="29" name="PlaceHolder 1"/>
           <p:cNvSpPr>
             <a:spLocks noGrp="1"/>
           </p:cNvSpPr>
@@ -75,8 +77,8 @@
         </p:nvSpPr>
         <p:spPr>
           <a:xfrm>
-            <a:off x="1097280" y="286560"/>
-            <a:ext cx="10058040" cy="1450440"/>
+            <a:off x="609480" y="273600"/>
+            <a:ext cx="10972440" cy="1144800"/>
           </a:xfrm>
           <a:prstGeom prst="rect">
             <a:avLst/>
@@ -85,18 +87,16 @@
         <p:txBody>
           <a:bodyPr lIns="0" rIns="0" tIns="0" bIns="0" anchor="ctr"/>
           <a:p>
-            <a:endParaRPr b="0" lang="en-US" sz="1800" spc="-1" strike="noStrike">
-              <a:solidFill>
-                <a:srgbClr val="000000"/>
-              </a:solidFill>
-              <a:latin typeface="Calibri"/>
-            </a:endParaRPr>
-          </a:p>
-        </p:txBody>
-      </p:sp>
-      <p:sp>
-        <p:nvSpPr>
-          <p:cNvPr id="33" name="PlaceHolder 2"/>
+            <a:pPr algn="ctr"/>
+            <a:endParaRPr b="0" lang="de-DE" sz="4400" spc="-1" strike="noStrike">
+              <a:latin typeface="Arial"/>
+            </a:endParaRPr>
+          </a:p>
+        </p:txBody>
+      </p:sp>
+      <p:sp>
+        <p:nvSpPr>
+          <p:cNvPr id="30" name="PlaceHolder 2"/>
           <p:cNvSpPr>
             <a:spLocks noGrp="1"/>
           </p:cNvSpPr>
@@ -106,8 +106,8 @@
         </p:nvSpPr>
         <p:spPr>
           <a:xfrm>
-            <a:off x="1097280" y="1845720"/>
-            <a:ext cx="10058040" cy="1918800"/>
+            <a:off x="609480" y="1604520"/>
+            <a:ext cx="10972440" cy="1896840"/>
           </a:xfrm>
           <a:prstGeom prst="rect">
             <a:avLst/>
@@ -118,18 +118,15 @@
             <a:normAutofit/>
           </a:bodyPr>
           <a:p>
-            <a:endParaRPr b="0" lang="en-US" sz="2000" spc="-1" strike="noStrike">
-              <a:solidFill>
-                <a:srgbClr val="404040"/>
-              </a:solidFill>
-              <a:latin typeface="Calibri"/>
-            </a:endParaRPr>
-          </a:p>
-        </p:txBody>
-      </p:sp>
-      <p:sp>
-        <p:nvSpPr>
-          <p:cNvPr id="34" name="PlaceHolder 3"/>
+            <a:endParaRPr b="0" lang="de-DE" sz="3200" spc="-1" strike="noStrike">
+              <a:latin typeface="Arial"/>
+            </a:endParaRPr>
+          </a:p>
+        </p:txBody>
+      </p:sp>
+      <p:sp>
+        <p:nvSpPr>
+          <p:cNvPr id="31" name="PlaceHolder 3"/>
           <p:cNvSpPr>
             <a:spLocks noGrp="1"/>
           </p:cNvSpPr>
@@ -139,8 +136,8 @@
         </p:nvSpPr>
         <p:spPr>
           <a:xfrm>
-            <a:off x="1097280" y="3947040"/>
-            <a:ext cx="10058040" cy="1918800"/>
+            <a:off x="609480" y="3682080"/>
+            <a:ext cx="10972440" cy="1896840"/>
           </a:xfrm>
           <a:prstGeom prst="rect">
             <a:avLst/>
@@ -151,11 +148,8 @@
             <a:normAutofit/>
           </a:bodyPr>
           <a:p>
-            <a:endParaRPr b="0" lang="en-US" sz="2000" spc="-1" strike="noStrike">
-              <a:solidFill>
-                <a:srgbClr val="404040"/>
-              </a:solidFill>
-              <a:latin typeface="Calibri"/>
+            <a:endParaRPr b="0" lang="de-DE" sz="3200" spc="-1" strike="noStrike">
+              <a:latin typeface="Arial"/>
             </a:endParaRPr>
           </a:p>
         </p:txBody>
@@ -184,7 +178,7 @@
       </p:grpSpPr>
       <p:sp>
         <p:nvSpPr>
-          <p:cNvPr id="35" name="PlaceHolder 1"/>
+          <p:cNvPr id="32" name="PlaceHolder 1"/>
           <p:cNvSpPr>
             <a:spLocks noGrp="1"/>
           </p:cNvSpPr>
@@ -194,8 +188,8 @@
         </p:nvSpPr>
         <p:spPr>
           <a:xfrm>
-            <a:off x="1097280" y="286560"/>
-            <a:ext cx="10058040" cy="1450440"/>
+            <a:off x="609480" y="273600"/>
+            <a:ext cx="10972440" cy="1144800"/>
           </a:xfrm>
           <a:prstGeom prst="rect">
             <a:avLst/>
@@ -204,18 +198,16 @@
         <p:txBody>
           <a:bodyPr lIns="0" rIns="0" tIns="0" bIns="0" anchor="ctr"/>
           <a:p>
-            <a:endParaRPr b="0" lang="en-US" sz="1800" spc="-1" strike="noStrike">
-              <a:solidFill>
-                <a:srgbClr val="000000"/>
-              </a:solidFill>
-              <a:latin typeface="Calibri"/>
-            </a:endParaRPr>
-          </a:p>
-        </p:txBody>
-      </p:sp>
-      <p:sp>
-        <p:nvSpPr>
-          <p:cNvPr id="36" name="PlaceHolder 2"/>
+            <a:pPr algn="ctr"/>
+            <a:endParaRPr b="0" lang="de-DE" sz="4400" spc="-1" strike="noStrike">
+              <a:latin typeface="Arial"/>
+            </a:endParaRPr>
+          </a:p>
+        </p:txBody>
+      </p:sp>
+      <p:sp>
+        <p:nvSpPr>
+          <p:cNvPr id="33" name="PlaceHolder 2"/>
           <p:cNvSpPr>
             <a:spLocks noGrp="1"/>
           </p:cNvSpPr>
@@ -225,8 +217,8 @@
         </p:nvSpPr>
         <p:spPr>
           <a:xfrm>
-            <a:off x="1097280" y="1845720"/>
-            <a:ext cx="4908240" cy="1918800"/>
+            <a:off x="609480" y="1604520"/>
+            <a:ext cx="5354280" cy="1896840"/>
           </a:xfrm>
           <a:prstGeom prst="rect">
             <a:avLst/>
@@ -237,18 +229,15 @@
             <a:normAutofit/>
           </a:bodyPr>
           <a:p>
-            <a:endParaRPr b="0" lang="en-US" sz="2000" spc="-1" strike="noStrike">
-              <a:solidFill>
-                <a:srgbClr val="404040"/>
-              </a:solidFill>
-              <a:latin typeface="Calibri"/>
-            </a:endParaRPr>
-          </a:p>
-        </p:txBody>
-      </p:sp>
-      <p:sp>
-        <p:nvSpPr>
-          <p:cNvPr id="37" name="PlaceHolder 3"/>
+            <a:endParaRPr b="0" lang="de-DE" sz="3200" spc="-1" strike="noStrike">
+              <a:latin typeface="Arial"/>
+            </a:endParaRPr>
+          </a:p>
+        </p:txBody>
+      </p:sp>
+      <p:sp>
+        <p:nvSpPr>
+          <p:cNvPr id="34" name="PlaceHolder 3"/>
           <p:cNvSpPr>
             <a:spLocks noGrp="1"/>
           </p:cNvSpPr>
@@ -258,8 +247,8 @@
         </p:nvSpPr>
         <p:spPr>
           <a:xfrm>
-            <a:off x="6251400" y="1845720"/>
-            <a:ext cx="4908240" cy="1918800"/>
+            <a:off x="6231960" y="1604520"/>
+            <a:ext cx="5354280" cy="1896840"/>
           </a:xfrm>
           <a:prstGeom prst="rect">
             <a:avLst/>
@@ -270,18 +259,15 @@
             <a:normAutofit/>
           </a:bodyPr>
           <a:p>
-            <a:endParaRPr b="0" lang="en-US" sz="2000" spc="-1" strike="noStrike">
-              <a:solidFill>
-                <a:srgbClr val="404040"/>
-              </a:solidFill>
-              <a:latin typeface="Calibri"/>
-            </a:endParaRPr>
-          </a:p>
-        </p:txBody>
-      </p:sp>
-      <p:sp>
-        <p:nvSpPr>
-          <p:cNvPr id="38" name="PlaceHolder 4"/>
+            <a:endParaRPr b="0" lang="de-DE" sz="3200" spc="-1" strike="noStrike">
+              <a:latin typeface="Arial"/>
+            </a:endParaRPr>
+          </a:p>
+        </p:txBody>
+      </p:sp>
+      <p:sp>
+        <p:nvSpPr>
+          <p:cNvPr id="35" name="PlaceHolder 4"/>
           <p:cNvSpPr>
             <a:spLocks noGrp="1"/>
           </p:cNvSpPr>
@@ -291,8 +277,8 @@
         </p:nvSpPr>
         <p:spPr>
           <a:xfrm>
-            <a:off x="1097280" y="3947040"/>
-            <a:ext cx="4908240" cy="1918800"/>
+            <a:off x="609480" y="3682080"/>
+            <a:ext cx="5354280" cy="1896840"/>
           </a:xfrm>
           <a:prstGeom prst="rect">
             <a:avLst/>
@@ -303,18 +289,15 @@
             <a:normAutofit/>
           </a:bodyPr>
           <a:p>
-            <a:endParaRPr b="0" lang="en-US" sz="2000" spc="-1" strike="noStrike">
-              <a:solidFill>
-                <a:srgbClr val="404040"/>
-              </a:solidFill>
-              <a:latin typeface="Calibri"/>
-            </a:endParaRPr>
-          </a:p>
-        </p:txBody>
-      </p:sp>
-      <p:sp>
-        <p:nvSpPr>
-          <p:cNvPr id="39" name="PlaceHolder 5"/>
+            <a:endParaRPr b="0" lang="de-DE" sz="3200" spc="-1" strike="noStrike">
+              <a:latin typeface="Arial"/>
+            </a:endParaRPr>
+          </a:p>
+        </p:txBody>
+      </p:sp>
+      <p:sp>
+        <p:nvSpPr>
+          <p:cNvPr id="36" name="PlaceHolder 5"/>
           <p:cNvSpPr>
             <a:spLocks noGrp="1"/>
           </p:cNvSpPr>
@@ -324,8 +307,8 @@
         </p:nvSpPr>
         <p:spPr>
           <a:xfrm>
-            <a:off x="6251400" y="3947040"/>
-            <a:ext cx="4908240" cy="1918800"/>
+            <a:off x="6231960" y="3682080"/>
+            <a:ext cx="5354280" cy="1896840"/>
           </a:xfrm>
           <a:prstGeom prst="rect">
             <a:avLst/>
@@ -336,11 +319,8 @@
             <a:normAutofit/>
           </a:bodyPr>
           <a:p>
-            <a:endParaRPr b="0" lang="en-US" sz="2000" spc="-1" strike="noStrike">
-              <a:solidFill>
-                <a:srgbClr val="404040"/>
-              </a:solidFill>
-              <a:latin typeface="Calibri"/>
+            <a:endParaRPr b="0" lang="de-DE" sz="3200" spc="-1" strike="noStrike">
+              <a:latin typeface="Arial"/>
             </a:endParaRPr>
           </a:p>
         </p:txBody>
@@ -369,7 +349,7 @@
       </p:grpSpPr>
       <p:sp>
         <p:nvSpPr>
-          <p:cNvPr id="40" name="PlaceHolder 1"/>
+          <p:cNvPr id="37" name="PlaceHolder 1"/>
           <p:cNvSpPr>
             <a:spLocks noGrp="1"/>
           </p:cNvSpPr>
@@ -379,8 +359,8 @@
         </p:nvSpPr>
         <p:spPr>
           <a:xfrm>
-            <a:off x="1097280" y="286560"/>
-            <a:ext cx="10058040" cy="1450440"/>
+            <a:off x="609480" y="273600"/>
+            <a:ext cx="10972440" cy="1144800"/>
           </a:xfrm>
           <a:prstGeom prst="rect">
             <a:avLst/>
@@ -389,18 +369,16 @@
         <p:txBody>
           <a:bodyPr lIns="0" rIns="0" tIns="0" bIns="0" anchor="ctr"/>
           <a:p>
-            <a:endParaRPr b="0" lang="en-US" sz="1800" spc="-1" strike="noStrike">
-              <a:solidFill>
-                <a:srgbClr val="000000"/>
-              </a:solidFill>
-              <a:latin typeface="Calibri"/>
-            </a:endParaRPr>
-          </a:p>
-        </p:txBody>
-      </p:sp>
-      <p:sp>
-        <p:nvSpPr>
-          <p:cNvPr id="41" name="PlaceHolder 2"/>
+            <a:pPr algn="ctr"/>
+            <a:endParaRPr b="0" lang="de-DE" sz="4400" spc="-1" strike="noStrike">
+              <a:latin typeface="Arial"/>
+            </a:endParaRPr>
+          </a:p>
+        </p:txBody>
+      </p:sp>
+      <p:sp>
+        <p:nvSpPr>
+          <p:cNvPr id="38" name="PlaceHolder 2"/>
           <p:cNvSpPr>
             <a:spLocks noGrp="1"/>
           </p:cNvSpPr>
@@ -410,8 +388,8 @@
         </p:nvSpPr>
         <p:spPr>
           <a:xfrm>
-            <a:off x="1097280" y="1845720"/>
-            <a:ext cx="3238560" cy="1918800"/>
+            <a:off x="609480" y="1604520"/>
+            <a:ext cx="3533040" cy="1896840"/>
           </a:xfrm>
           <a:prstGeom prst="rect">
             <a:avLst/>
@@ -422,18 +400,15 @@
             <a:normAutofit/>
           </a:bodyPr>
           <a:p>
-            <a:endParaRPr b="0" lang="en-US" sz="2000" spc="-1" strike="noStrike">
-              <a:solidFill>
-                <a:srgbClr val="404040"/>
-              </a:solidFill>
-              <a:latin typeface="Calibri"/>
-            </a:endParaRPr>
-          </a:p>
-        </p:txBody>
-      </p:sp>
-      <p:sp>
-        <p:nvSpPr>
-          <p:cNvPr id="42" name="PlaceHolder 3"/>
+            <a:endParaRPr b="0" lang="de-DE" sz="3200" spc="-1" strike="noStrike">
+              <a:latin typeface="Arial"/>
+            </a:endParaRPr>
+          </a:p>
+        </p:txBody>
+      </p:sp>
+      <p:sp>
+        <p:nvSpPr>
+          <p:cNvPr id="39" name="PlaceHolder 3"/>
           <p:cNvSpPr>
             <a:spLocks noGrp="1"/>
           </p:cNvSpPr>
@@ -443,8 +418,8 @@
         </p:nvSpPr>
         <p:spPr>
           <a:xfrm>
-            <a:off x="4498200" y="1845720"/>
-            <a:ext cx="3238560" cy="1918800"/>
+            <a:off x="4319640" y="1604520"/>
+            <a:ext cx="3533040" cy="1896840"/>
           </a:xfrm>
           <a:prstGeom prst="rect">
             <a:avLst/>
@@ -455,18 +430,15 @@
             <a:normAutofit/>
           </a:bodyPr>
           <a:p>
-            <a:endParaRPr b="0" lang="en-US" sz="2000" spc="-1" strike="noStrike">
-              <a:solidFill>
-                <a:srgbClr val="404040"/>
-              </a:solidFill>
-              <a:latin typeface="Calibri"/>
-            </a:endParaRPr>
-          </a:p>
-        </p:txBody>
-      </p:sp>
-      <p:sp>
-        <p:nvSpPr>
-          <p:cNvPr id="43" name="PlaceHolder 4"/>
+            <a:endParaRPr b="0" lang="de-DE" sz="3200" spc="-1" strike="noStrike">
+              <a:latin typeface="Arial"/>
+            </a:endParaRPr>
+          </a:p>
+        </p:txBody>
+      </p:sp>
+      <p:sp>
+        <p:nvSpPr>
+          <p:cNvPr id="40" name="PlaceHolder 4"/>
           <p:cNvSpPr>
             <a:spLocks noGrp="1"/>
           </p:cNvSpPr>
@@ -476,8 +448,8 @@
         </p:nvSpPr>
         <p:spPr>
           <a:xfrm>
-            <a:off x="7899120" y="1845720"/>
-            <a:ext cx="3238560" cy="1918800"/>
+            <a:off x="8029800" y="1604520"/>
+            <a:ext cx="3533040" cy="1896840"/>
           </a:xfrm>
           <a:prstGeom prst="rect">
             <a:avLst/>
@@ -488,18 +460,15 @@
             <a:normAutofit/>
           </a:bodyPr>
           <a:p>
-            <a:endParaRPr b="0" lang="en-US" sz="2000" spc="-1" strike="noStrike">
-              <a:solidFill>
-                <a:srgbClr val="404040"/>
-              </a:solidFill>
-              <a:latin typeface="Calibri"/>
-            </a:endParaRPr>
-          </a:p>
-        </p:txBody>
-      </p:sp>
-      <p:sp>
-        <p:nvSpPr>
-          <p:cNvPr id="44" name="PlaceHolder 5"/>
+            <a:endParaRPr b="0" lang="de-DE" sz="3200" spc="-1" strike="noStrike">
+              <a:latin typeface="Arial"/>
+            </a:endParaRPr>
+          </a:p>
+        </p:txBody>
+      </p:sp>
+      <p:sp>
+        <p:nvSpPr>
+          <p:cNvPr id="41" name="PlaceHolder 5"/>
           <p:cNvSpPr>
             <a:spLocks noGrp="1"/>
           </p:cNvSpPr>
@@ -509,8 +478,8 @@
         </p:nvSpPr>
         <p:spPr>
           <a:xfrm>
-            <a:off x="1097280" y="3947040"/>
-            <a:ext cx="3238560" cy="1918800"/>
+            <a:off x="609480" y="3682080"/>
+            <a:ext cx="3533040" cy="1896840"/>
           </a:xfrm>
           <a:prstGeom prst="rect">
             <a:avLst/>
@@ -521,18 +490,15 @@
             <a:normAutofit/>
           </a:bodyPr>
           <a:p>
-            <a:endParaRPr b="0" lang="en-US" sz="2000" spc="-1" strike="noStrike">
-              <a:solidFill>
-                <a:srgbClr val="404040"/>
-              </a:solidFill>
-              <a:latin typeface="Calibri"/>
-            </a:endParaRPr>
-          </a:p>
-        </p:txBody>
-      </p:sp>
-      <p:sp>
-        <p:nvSpPr>
-          <p:cNvPr id="45" name="PlaceHolder 6"/>
+            <a:endParaRPr b="0" lang="de-DE" sz="3200" spc="-1" strike="noStrike">
+              <a:latin typeface="Arial"/>
+            </a:endParaRPr>
+          </a:p>
+        </p:txBody>
+      </p:sp>
+      <p:sp>
+        <p:nvSpPr>
+          <p:cNvPr id="42" name="PlaceHolder 6"/>
           <p:cNvSpPr>
             <a:spLocks noGrp="1"/>
           </p:cNvSpPr>
@@ -542,8 +508,8 @@
         </p:nvSpPr>
         <p:spPr>
           <a:xfrm>
-            <a:off x="4498200" y="3947040"/>
-            <a:ext cx="3238560" cy="1918800"/>
+            <a:off x="4319640" y="3682080"/>
+            <a:ext cx="3533040" cy="1896840"/>
           </a:xfrm>
           <a:prstGeom prst="rect">
             <a:avLst/>
@@ -554,18 +520,15 @@
             <a:normAutofit/>
           </a:bodyPr>
           <a:p>
-            <a:endParaRPr b="0" lang="en-US" sz="2000" spc="-1" strike="noStrike">
-              <a:solidFill>
-                <a:srgbClr val="404040"/>
-              </a:solidFill>
-              <a:latin typeface="Calibri"/>
-            </a:endParaRPr>
-          </a:p>
-        </p:txBody>
-      </p:sp>
-      <p:sp>
-        <p:nvSpPr>
-          <p:cNvPr id="46" name="PlaceHolder 7"/>
+            <a:endParaRPr b="0" lang="de-DE" sz="3200" spc="-1" strike="noStrike">
+              <a:latin typeface="Arial"/>
+            </a:endParaRPr>
+          </a:p>
+        </p:txBody>
+      </p:sp>
+      <p:sp>
+        <p:nvSpPr>
+          <p:cNvPr id="43" name="PlaceHolder 7"/>
           <p:cNvSpPr>
             <a:spLocks noGrp="1"/>
           </p:cNvSpPr>
@@ -575,8 +538,8 @@
         </p:nvSpPr>
         <p:spPr>
           <a:xfrm>
-            <a:off x="7899120" y="3947040"/>
-            <a:ext cx="3238560" cy="1918800"/>
+            <a:off x="8029800" y="3682080"/>
+            <a:ext cx="3533040" cy="1896840"/>
           </a:xfrm>
           <a:prstGeom prst="rect">
             <a:avLst/>
@@ -587,11 +550,8 @@
             <a:normAutofit/>
           </a:bodyPr>
           <a:p>
-            <a:endParaRPr b="0" lang="en-US" sz="2000" spc="-1" strike="noStrike">
-              <a:solidFill>
-                <a:srgbClr val="404040"/>
-              </a:solidFill>
-              <a:latin typeface="Calibri"/>
+            <a:endParaRPr b="0" lang="de-DE" sz="3200" spc="-1" strike="noStrike">
+              <a:latin typeface="Arial"/>
             </a:endParaRPr>
           </a:p>
         </p:txBody>
@@ -642,7 +602,7 @@
       </p:grpSpPr>
       <p:sp>
         <p:nvSpPr>
-          <p:cNvPr id="55" name="PlaceHolder 1"/>
+          <p:cNvPr id="49" name="PlaceHolder 1"/>
           <p:cNvSpPr>
             <a:spLocks noGrp="1"/>
           </p:cNvSpPr>
@@ -652,8 +612,8 @@
         </p:nvSpPr>
         <p:spPr>
           <a:xfrm>
-            <a:off x="1097280" y="286560"/>
-            <a:ext cx="10058040" cy="1450440"/>
+            <a:off x="609480" y="273600"/>
+            <a:ext cx="10972440" cy="1144800"/>
           </a:xfrm>
           <a:prstGeom prst="rect">
             <a:avLst/>
@@ -662,18 +622,16 @@
         <p:txBody>
           <a:bodyPr lIns="0" rIns="0" tIns="0" bIns="0" anchor="ctr"/>
           <a:p>
-            <a:endParaRPr b="0" lang="en-US" sz="1800" spc="-1" strike="noStrike">
-              <a:solidFill>
-                <a:srgbClr val="000000"/>
-              </a:solidFill>
-              <a:latin typeface="Calibri"/>
-            </a:endParaRPr>
-          </a:p>
-        </p:txBody>
-      </p:sp>
-      <p:sp>
-        <p:nvSpPr>
-          <p:cNvPr id="56" name="PlaceHolder 2"/>
+            <a:pPr algn="ctr"/>
+            <a:endParaRPr b="0" lang="de-DE" sz="4400" spc="-1" strike="noStrike">
+              <a:latin typeface="Arial"/>
+            </a:endParaRPr>
+          </a:p>
+        </p:txBody>
+      </p:sp>
+      <p:sp>
+        <p:nvSpPr>
+          <p:cNvPr id="50" name="PlaceHolder 2"/>
           <p:cNvSpPr>
             <a:spLocks noGrp="1"/>
           </p:cNvSpPr>
@@ -683,8 +641,8 @@
         </p:nvSpPr>
         <p:spPr>
           <a:xfrm>
-            <a:off x="1097280" y="1845720"/>
-            <a:ext cx="10058040" cy="4023000"/>
+            <a:off x="609480" y="1604520"/>
+            <a:ext cx="10972440" cy="3977280"/>
           </a:xfrm>
           <a:prstGeom prst="rect">
             <a:avLst/>
@@ -724,7 +682,7 @@
       </p:grpSpPr>
       <p:sp>
         <p:nvSpPr>
-          <p:cNvPr id="57" name="PlaceHolder 1"/>
+          <p:cNvPr id="51" name="PlaceHolder 1"/>
           <p:cNvSpPr>
             <a:spLocks noGrp="1"/>
           </p:cNvSpPr>
@@ -734,8 +692,8 @@
         </p:nvSpPr>
         <p:spPr>
           <a:xfrm>
-            <a:off x="1097280" y="286560"/>
-            <a:ext cx="10058040" cy="1450440"/>
+            <a:off x="609480" y="273600"/>
+            <a:ext cx="10972440" cy="1144800"/>
           </a:xfrm>
           <a:prstGeom prst="rect">
             <a:avLst/>
@@ -744,18 +702,16 @@
         <p:txBody>
           <a:bodyPr lIns="0" rIns="0" tIns="0" bIns="0" anchor="ctr"/>
           <a:p>
-            <a:endParaRPr b="0" lang="en-US" sz="1800" spc="-1" strike="noStrike">
-              <a:solidFill>
-                <a:srgbClr val="000000"/>
-              </a:solidFill>
-              <a:latin typeface="Calibri"/>
-            </a:endParaRPr>
-          </a:p>
-        </p:txBody>
-      </p:sp>
-      <p:sp>
-        <p:nvSpPr>
-          <p:cNvPr id="58" name="PlaceHolder 2"/>
+            <a:pPr algn="ctr"/>
+            <a:endParaRPr b="0" lang="de-DE" sz="4400" spc="-1" strike="noStrike">
+              <a:latin typeface="Arial"/>
+            </a:endParaRPr>
+          </a:p>
+        </p:txBody>
+      </p:sp>
+      <p:sp>
+        <p:nvSpPr>
+          <p:cNvPr id="52" name="PlaceHolder 2"/>
           <p:cNvSpPr>
             <a:spLocks noGrp="1"/>
           </p:cNvSpPr>
@@ -765,8 +721,8 @@
         </p:nvSpPr>
         <p:spPr>
           <a:xfrm>
-            <a:off x="1097280" y="1845720"/>
-            <a:ext cx="10058040" cy="4023000"/>
+            <a:off x="609480" y="1604520"/>
+            <a:ext cx="10972440" cy="3977280"/>
           </a:xfrm>
           <a:prstGeom prst="rect">
             <a:avLst/>
@@ -777,11 +733,8 @@
             <a:normAutofit/>
           </a:bodyPr>
           <a:p>
-            <a:endParaRPr b="0" lang="en-US" sz="2000" spc="-1" strike="noStrike">
-              <a:solidFill>
-                <a:srgbClr val="404040"/>
-              </a:solidFill>
-              <a:latin typeface="Calibri"/>
+            <a:endParaRPr b="0" lang="de-DE" sz="3200" spc="-1" strike="noStrike">
+              <a:latin typeface="Arial"/>
             </a:endParaRPr>
           </a:p>
         </p:txBody>
@@ -810,7 +763,7 @@
       </p:grpSpPr>
       <p:sp>
         <p:nvSpPr>
-          <p:cNvPr id="59" name="PlaceHolder 1"/>
+          <p:cNvPr id="53" name="PlaceHolder 1"/>
           <p:cNvSpPr>
             <a:spLocks noGrp="1"/>
           </p:cNvSpPr>
@@ -820,8 +773,8 @@
         </p:nvSpPr>
         <p:spPr>
           <a:xfrm>
-            <a:off x="1097280" y="286560"/>
-            <a:ext cx="10058040" cy="1450440"/>
+            <a:off x="609480" y="273600"/>
+            <a:ext cx="10972440" cy="1144800"/>
           </a:xfrm>
           <a:prstGeom prst="rect">
             <a:avLst/>
@@ -830,18 +783,16 @@
         <p:txBody>
           <a:bodyPr lIns="0" rIns="0" tIns="0" bIns="0" anchor="ctr"/>
           <a:p>
-            <a:endParaRPr b="0" lang="en-US" sz="1800" spc="-1" strike="noStrike">
-              <a:solidFill>
-                <a:srgbClr val="000000"/>
-              </a:solidFill>
-              <a:latin typeface="Calibri"/>
-            </a:endParaRPr>
-          </a:p>
-        </p:txBody>
-      </p:sp>
-      <p:sp>
-        <p:nvSpPr>
-          <p:cNvPr id="60" name="PlaceHolder 2"/>
+            <a:pPr algn="ctr"/>
+            <a:endParaRPr b="0" lang="de-DE" sz="4400" spc="-1" strike="noStrike">
+              <a:latin typeface="Arial"/>
+            </a:endParaRPr>
+          </a:p>
+        </p:txBody>
+      </p:sp>
+      <p:sp>
+        <p:nvSpPr>
+          <p:cNvPr id="54" name="PlaceHolder 2"/>
           <p:cNvSpPr>
             <a:spLocks noGrp="1"/>
           </p:cNvSpPr>
@@ -851,8 +802,8 @@
         </p:nvSpPr>
         <p:spPr>
           <a:xfrm>
-            <a:off x="1097280" y="1845720"/>
-            <a:ext cx="4908240" cy="4023000"/>
+            <a:off x="609480" y="1604520"/>
+            <a:ext cx="5354280" cy="3977280"/>
           </a:xfrm>
           <a:prstGeom prst="rect">
             <a:avLst/>
@@ -863,18 +814,15 @@
             <a:normAutofit/>
           </a:bodyPr>
           <a:p>
-            <a:endParaRPr b="0" lang="en-US" sz="2000" spc="-1" strike="noStrike">
-              <a:solidFill>
-                <a:srgbClr val="404040"/>
-              </a:solidFill>
-              <a:latin typeface="Calibri"/>
-            </a:endParaRPr>
-          </a:p>
-        </p:txBody>
-      </p:sp>
-      <p:sp>
-        <p:nvSpPr>
-          <p:cNvPr id="61" name="PlaceHolder 3"/>
+            <a:endParaRPr b="0" lang="de-DE" sz="3200" spc="-1" strike="noStrike">
+              <a:latin typeface="Arial"/>
+            </a:endParaRPr>
+          </a:p>
+        </p:txBody>
+      </p:sp>
+      <p:sp>
+        <p:nvSpPr>
+          <p:cNvPr id="55" name="PlaceHolder 3"/>
           <p:cNvSpPr>
             <a:spLocks noGrp="1"/>
           </p:cNvSpPr>
@@ -884,8 +832,8 @@
         </p:nvSpPr>
         <p:spPr>
           <a:xfrm>
-            <a:off x="6251400" y="1845720"/>
-            <a:ext cx="4908240" cy="4023000"/>
+            <a:off x="6231960" y="1604520"/>
+            <a:ext cx="5354280" cy="3977280"/>
           </a:xfrm>
           <a:prstGeom prst="rect">
             <a:avLst/>
@@ -896,11 +844,8 @@
             <a:normAutofit/>
           </a:bodyPr>
           <a:p>
-            <a:endParaRPr b="0" lang="en-US" sz="2000" spc="-1" strike="noStrike">
-              <a:solidFill>
-                <a:srgbClr val="404040"/>
-              </a:solidFill>
-              <a:latin typeface="Calibri"/>
+            <a:endParaRPr b="0" lang="de-DE" sz="3200" spc="-1" strike="noStrike">
+              <a:latin typeface="Arial"/>
             </a:endParaRPr>
           </a:p>
         </p:txBody>
@@ -929,7 +874,7 @@
       </p:grpSpPr>
       <p:sp>
         <p:nvSpPr>
-          <p:cNvPr id="62" name="PlaceHolder 1"/>
+          <p:cNvPr id="56" name="PlaceHolder 1"/>
           <p:cNvSpPr>
             <a:spLocks noGrp="1"/>
           </p:cNvSpPr>
@@ -939,8 +884,8 @@
         </p:nvSpPr>
         <p:spPr>
           <a:xfrm>
-            <a:off x="1097280" y="286560"/>
-            <a:ext cx="10058040" cy="1450440"/>
+            <a:off x="609480" y="273600"/>
+            <a:ext cx="10972440" cy="1144800"/>
           </a:xfrm>
           <a:prstGeom prst="rect">
             <a:avLst/>
@@ -949,11 +894,9 @@
         <p:txBody>
           <a:bodyPr lIns="0" rIns="0" tIns="0" bIns="0" anchor="ctr"/>
           <a:p>
-            <a:endParaRPr b="0" lang="en-US" sz="1800" spc="-1" strike="noStrike">
-              <a:solidFill>
-                <a:srgbClr val="000000"/>
-              </a:solidFill>
-              <a:latin typeface="Calibri"/>
+            <a:pPr algn="ctr"/>
+            <a:endParaRPr b="0" lang="de-DE" sz="4400" spc="-1" strike="noStrike">
+              <a:latin typeface="Arial"/>
             </a:endParaRPr>
           </a:p>
         </p:txBody>
@@ -982,7 +925,7 @@
       </p:grpSpPr>
       <p:sp>
         <p:nvSpPr>
-          <p:cNvPr id="63" name="PlaceHolder 1"/>
+          <p:cNvPr id="57" name="PlaceHolder 1"/>
           <p:cNvSpPr>
             <a:spLocks noGrp="1"/>
           </p:cNvSpPr>
@@ -992,8 +935,8 @@
         </p:nvSpPr>
         <p:spPr>
           <a:xfrm>
-            <a:off x="1097280" y="286560"/>
-            <a:ext cx="10058040" cy="6724800"/>
+            <a:off x="609480" y="273600"/>
+            <a:ext cx="10972440" cy="5307840"/>
           </a:xfrm>
           <a:prstGeom prst="rect">
             <a:avLst/>
@@ -1033,7 +976,7 @@
       </p:grpSpPr>
       <p:sp>
         <p:nvSpPr>
-          <p:cNvPr id="64" name="PlaceHolder 1"/>
+          <p:cNvPr id="58" name="PlaceHolder 1"/>
           <p:cNvSpPr>
             <a:spLocks noGrp="1"/>
           </p:cNvSpPr>
@@ -1043,8 +986,8 @@
         </p:nvSpPr>
         <p:spPr>
           <a:xfrm>
-            <a:off x="1097280" y="286560"/>
-            <a:ext cx="10058040" cy="1450440"/>
+            <a:off x="609480" y="273600"/>
+            <a:ext cx="10972440" cy="1144800"/>
           </a:xfrm>
           <a:prstGeom prst="rect">
             <a:avLst/>
@@ -1053,18 +996,16 @@
         <p:txBody>
           <a:bodyPr lIns="0" rIns="0" tIns="0" bIns="0" anchor="ctr"/>
           <a:p>
-            <a:endParaRPr b="0" lang="en-US" sz="1800" spc="-1" strike="noStrike">
-              <a:solidFill>
-                <a:srgbClr val="000000"/>
-              </a:solidFill>
-              <a:latin typeface="Calibri"/>
-            </a:endParaRPr>
-          </a:p>
-        </p:txBody>
-      </p:sp>
-      <p:sp>
-        <p:nvSpPr>
-          <p:cNvPr id="65" name="PlaceHolder 2"/>
+            <a:pPr algn="ctr"/>
+            <a:endParaRPr b="0" lang="de-DE" sz="4400" spc="-1" strike="noStrike">
+              <a:latin typeface="Arial"/>
+            </a:endParaRPr>
+          </a:p>
+        </p:txBody>
+      </p:sp>
+      <p:sp>
+        <p:nvSpPr>
+          <p:cNvPr id="59" name="PlaceHolder 2"/>
           <p:cNvSpPr>
             <a:spLocks noGrp="1"/>
           </p:cNvSpPr>
@@ -1074,8 +1015,8 @@
         </p:nvSpPr>
         <p:spPr>
           <a:xfrm>
-            <a:off x="1097280" y="1845720"/>
-            <a:ext cx="4908240" cy="1918800"/>
+            <a:off x="609480" y="1604520"/>
+            <a:ext cx="5354280" cy="1896840"/>
           </a:xfrm>
           <a:prstGeom prst="rect">
             <a:avLst/>
@@ -1086,18 +1027,15 @@
             <a:normAutofit/>
           </a:bodyPr>
           <a:p>
-            <a:endParaRPr b="0" lang="en-US" sz="2000" spc="-1" strike="noStrike">
-              <a:solidFill>
-                <a:srgbClr val="404040"/>
-              </a:solidFill>
-              <a:latin typeface="Calibri"/>
-            </a:endParaRPr>
-          </a:p>
-        </p:txBody>
-      </p:sp>
-      <p:sp>
-        <p:nvSpPr>
-          <p:cNvPr id="66" name="PlaceHolder 3"/>
+            <a:endParaRPr b="0" lang="de-DE" sz="3200" spc="-1" strike="noStrike">
+              <a:latin typeface="Arial"/>
+            </a:endParaRPr>
+          </a:p>
+        </p:txBody>
+      </p:sp>
+      <p:sp>
+        <p:nvSpPr>
+          <p:cNvPr id="60" name="PlaceHolder 3"/>
           <p:cNvSpPr>
             <a:spLocks noGrp="1"/>
           </p:cNvSpPr>
@@ -1107,8 +1045,8 @@
         </p:nvSpPr>
         <p:spPr>
           <a:xfrm>
-            <a:off x="6251400" y="1845720"/>
-            <a:ext cx="4908240" cy="4023000"/>
+            <a:off x="6231960" y="1604520"/>
+            <a:ext cx="5354280" cy="3977280"/>
           </a:xfrm>
           <a:prstGeom prst="rect">
             <a:avLst/>
@@ -1119,18 +1057,15 @@
             <a:normAutofit/>
           </a:bodyPr>
           <a:p>
-            <a:endParaRPr b="0" lang="en-US" sz="2000" spc="-1" strike="noStrike">
-              <a:solidFill>
-                <a:srgbClr val="404040"/>
-              </a:solidFill>
-              <a:latin typeface="Calibri"/>
-            </a:endParaRPr>
-          </a:p>
-        </p:txBody>
-      </p:sp>
-      <p:sp>
-        <p:nvSpPr>
-          <p:cNvPr id="67" name="PlaceHolder 4"/>
+            <a:endParaRPr b="0" lang="de-DE" sz="3200" spc="-1" strike="noStrike">
+              <a:latin typeface="Arial"/>
+            </a:endParaRPr>
+          </a:p>
+        </p:txBody>
+      </p:sp>
+      <p:sp>
+        <p:nvSpPr>
+          <p:cNvPr id="61" name="PlaceHolder 4"/>
           <p:cNvSpPr>
             <a:spLocks noGrp="1"/>
           </p:cNvSpPr>
@@ -1140,8 +1075,8 @@
         </p:nvSpPr>
         <p:spPr>
           <a:xfrm>
-            <a:off x="1097280" y="3947040"/>
-            <a:ext cx="4908240" cy="1918800"/>
+            <a:off x="609480" y="3682080"/>
+            <a:ext cx="5354280" cy="1896840"/>
           </a:xfrm>
           <a:prstGeom prst="rect">
             <a:avLst/>
@@ -1152,11 +1087,8 @@
             <a:normAutofit/>
           </a:bodyPr>
           <a:p>
-            <a:endParaRPr b="0" lang="en-US" sz="2000" spc="-1" strike="noStrike">
-              <a:solidFill>
-                <a:srgbClr val="404040"/>
-              </a:solidFill>
-              <a:latin typeface="Calibri"/>
+            <a:endParaRPr b="0" lang="de-DE" sz="3200" spc="-1" strike="noStrike">
+              <a:latin typeface="Arial"/>
             </a:endParaRPr>
           </a:p>
         </p:txBody>
@@ -1185,7 +1117,7 @@
       </p:grpSpPr>
       <p:sp>
         <p:nvSpPr>
-          <p:cNvPr id="11" name="PlaceHolder 1"/>
+          <p:cNvPr id="8" name="PlaceHolder 1"/>
           <p:cNvSpPr>
             <a:spLocks noGrp="1"/>
           </p:cNvSpPr>
@@ -1195,8 +1127,8 @@
         </p:nvSpPr>
         <p:spPr>
           <a:xfrm>
-            <a:off x="1097280" y="286560"/>
-            <a:ext cx="10058040" cy="1450440"/>
+            <a:off x="609480" y="273600"/>
+            <a:ext cx="10972440" cy="1144800"/>
           </a:xfrm>
           <a:prstGeom prst="rect">
             <a:avLst/>
@@ -1205,18 +1137,16 @@
         <p:txBody>
           <a:bodyPr lIns="0" rIns="0" tIns="0" bIns="0" anchor="ctr"/>
           <a:p>
-            <a:endParaRPr b="0" lang="en-US" sz="1800" spc="-1" strike="noStrike">
-              <a:solidFill>
-                <a:srgbClr val="000000"/>
-              </a:solidFill>
-              <a:latin typeface="Calibri"/>
-            </a:endParaRPr>
-          </a:p>
-        </p:txBody>
-      </p:sp>
-      <p:sp>
-        <p:nvSpPr>
-          <p:cNvPr id="12" name="PlaceHolder 2"/>
+            <a:pPr algn="ctr"/>
+            <a:endParaRPr b="0" lang="de-DE" sz="4400" spc="-1" strike="noStrike">
+              <a:latin typeface="Arial"/>
+            </a:endParaRPr>
+          </a:p>
+        </p:txBody>
+      </p:sp>
+      <p:sp>
+        <p:nvSpPr>
+          <p:cNvPr id="9" name="PlaceHolder 2"/>
           <p:cNvSpPr>
             <a:spLocks noGrp="1"/>
           </p:cNvSpPr>
@@ -1226,8 +1156,8 @@
         </p:nvSpPr>
         <p:spPr>
           <a:xfrm>
-            <a:off x="1097280" y="1845720"/>
-            <a:ext cx="10058040" cy="4023000"/>
+            <a:off x="609480" y="1604520"/>
+            <a:ext cx="10972440" cy="3977280"/>
           </a:xfrm>
           <a:prstGeom prst="rect">
             <a:avLst/>
@@ -1267,7 +1197,7 @@
       </p:grpSpPr>
       <p:sp>
         <p:nvSpPr>
-          <p:cNvPr id="68" name="PlaceHolder 1"/>
+          <p:cNvPr id="62" name="PlaceHolder 1"/>
           <p:cNvSpPr>
             <a:spLocks noGrp="1"/>
           </p:cNvSpPr>
@@ -1277,8 +1207,8 @@
         </p:nvSpPr>
         <p:spPr>
           <a:xfrm>
-            <a:off x="1097280" y="286560"/>
-            <a:ext cx="10058040" cy="1450440"/>
+            <a:off x="609480" y="273600"/>
+            <a:ext cx="10972440" cy="1144800"/>
           </a:xfrm>
           <a:prstGeom prst="rect">
             <a:avLst/>
@@ -1287,18 +1217,16 @@
         <p:txBody>
           <a:bodyPr lIns="0" rIns="0" tIns="0" bIns="0" anchor="ctr"/>
           <a:p>
-            <a:endParaRPr b="0" lang="en-US" sz="1800" spc="-1" strike="noStrike">
-              <a:solidFill>
-                <a:srgbClr val="000000"/>
-              </a:solidFill>
-              <a:latin typeface="Calibri"/>
-            </a:endParaRPr>
-          </a:p>
-        </p:txBody>
-      </p:sp>
-      <p:sp>
-        <p:nvSpPr>
-          <p:cNvPr id="69" name="PlaceHolder 2"/>
+            <a:pPr algn="ctr"/>
+            <a:endParaRPr b="0" lang="de-DE" sz="4400" spc="-1" strike="noStrike">
+              <a:latin typeface="Arial"/>
+            </a:endParaRPr>
+          </a:p>
+        </p:txBody>
+      </p:sp>
+      <p:sp>
+        <p:nvSpPr>
+          <p:cNvPr id="63" name="PlaceHolder 2"/>
           <p:cNvSpPr>
             <a:spLocks noGrp="1"/>
           </p:cNvSpPr>
@@ -1308,8 +1236,8 @@
         </p:nvSpPr>
         <p:spPr>
           <a:xfrm>
-            <a:off x="1097280" y="1845720"/>
-            <a:ext cx="4908240" cy="4023000"/>
+            <a:off x="609480" y="1604520"/>
+            <a:ext cx="5354280" cy="3977280"/>
           </a:xfrm>
           <a:prstGeom prst="rect">
             <a:avLst/>
@@ -1320,18 +1248,15 @@
             <a:normAutofit/>
           </a:bodyPr>
           <a:p>
-            <a:endParaRPr b="0" lang="en-US" sz="2000" spc="-1" strike="noStrike">
-              <a:solidFill>
-                <a:srgbClr val="404040"/>
-              </a:solidFill>
-              <a:latin typeface="Calibri"/>
-            </a:endParaRPr>
-          </a:p>
-        </p:txBody>
-      </p:sp>
-      <p:sp>
-        <p:nvSpPr>
-          <p:cNvPr id="70" name="PlaceHolder 3"/>
+            <a:endParaRPr b="0" lang="de-DE" sz="3200" spc="-1" strike="noStrike">
+              <a:latin typeface="Arial"/>
+            </a:endParaRPr>
+          </a:p>
+        </p:txBody>
+      </p:sp>
+      <p:sp>
+        <p:nvSpPr>
+          <p:cNvPr id="64" name="PlaceHolder 3"/>
           <p:cNvSpPr>
             <a:spLocks noGrp="1"/>
           </p:cNvSpPr>
@@ -1341,8 +1266,8 @@
         </p:nvSpPr>
         <p:spPr>
           <a:xfrm>
-            <a:off x="6251400" y="1845720"/>
-            <a:ext cx="4908240" cy="1918800"/>
+            <a:off x="6231960" y="1604520"/>
+            <a:ext cx="5354280" cy="1896840"/>
           </a:xfrm>
           <a:prstGeom prst="rect">
             <a:avLst/>
@@ -1353,18 +1278,15 @@
             <a:normAutofit/>
           </a:bodyPr>
           <a:p>
-            <a:endParaRPr b="0" lang="en-US" sz="2000" spc="-1" strike="noStrike">
-              <a:solidFill>
-                <a:srgbClr val="404040"/>
-              </a:solidFill>
-              <a:latin typeface="Calibri"/>
-            </a:endParaRPr>
-          </a:p>
-        </p:txBody>
-      </p:sp>
-      <p:sp>
-        <p:nvSpPr>
-          <p:cNvPr id="71" name="PlaceHolder 4"/>
+            <a:endParaRPr b="0" lang="de-DE" sz="3200" spc="-1" strike="noStrike">
+              <a:latin typeface="Arial"/>
+            </a:endParaRPr>
+          </a:p>
+        </p:txBody>
+      </p:sp>
+      <p:sp>
+        <p:nvSpPr>
+          <p:cNvPr id="65" name="PlaceHolder 4"/>
           <p:cNvSpPr>
             <a:spLocks noGrp="1"/>
           </p:cNvSpPr>
@@ -1374,8 +1296,8 @@
         </p:nvSpPr>
         <p:spPr>
           <a:xfrm>
-            <a:off x="6251400" y="3947040"/>
-            <a:ext cx="4908240" cy="1918800"/>
+            <a:off x="6231960" y="3682080"/>
+            <a:ext cx="5354280" cy="1896840"/>
           </a:xfrm>
           <a:prstGeom prst="rect">
             <a:avLst/>
@@ -1386,11 +1308,8 @@
             <a:normAutofit/>
           </a:bodyPr>
           <a:p>
-            <a:endParaRPr b="0" lang="en-US" sz="2000" spc="-1" strike="noStrike">
-              <a:solidFill>
-                <a:srgbClr val="404040"/>
-              </a:solidFill>
-              <a:latin typeface="Calibri"/>
+            <a:endParaRPr b="0" lang="de-DE" sz="3200" spc="-1" strike="noStrike">
+              <a:latin typeface="Arial"/>
             </a:endParaRPr>
           </a:p>
         </p:txBody>
@@ -1419,7 +1338,7 @@
       </p:grpSpPr>
       <p:sp>
         <p:nvSpPr>
-          <p:cNvPr id="72" name="PlaceHolder 1"/>
+          <p:cNvPr id="66" name="PlaceHolder 1"/>
           <p:cNvSpPr>
             <a:spLocks noGrp="1"/>
           </p:cNvSpPr>
@@ -1429,8 +1348,8 @@
         </p:nvSpPr>
         <p:spPr>
           <a:xfrm>
-            <a:off x="1097280" y="286560"/>
-            <a:ext cx="10058040" cy="1450440"/>
+            <a:off x="609480" y="273600"/>
+            <a:ext cx="10972440" cy="1144800"/>
           </a:xfrm>
           <a:prstGeom prst="rect">
             <a:avLst/>
@@ -1439,18 +1358,16 @@
         <p:txBody>
           <a:bodyPr lIns="0" rIns="0" tIns="0" bIns="0" anchor="ctr"/>
           <a:p>
-            <a:endParaRPr b="0" lang="en-US" sz="1800" spc="-1" strike="noStrike">
-              <a:solidFill>
-                <a:srgbClr val="000000"/>
-              </a:solidFill>
-              <a:latin typeface="Calibri"/>
-            </a:endParaRPr>
-          </a:p>
-        </p:txBody>
-      </p:sp>
-      <p:sp>
-        <p:nvSpPr>
-          <p:cNvPr id="73" name="PlaceHolder 2"/>
+            <a:pPr algn="ctr"/>
+            <a:endParaRPr b="0" lang="de-DE" sz="4400" spc="-1" strike="noStrike">
+              <a:latin typeface="Arial"/>
+            </a:endParaRPr>
+          </a:p>
+        </p:txBody>
+      </p:sp>
+      <p:sp>
+        <p:nvSpPr>
+          <p:cNvPr id="67" name="PlaceHolder 2"/>
           <p:cNvSpPr>
             <a:spLocks noGrp="1"/>
           </p:cNvSpPr>
@@ -1460,8 +1377,8 @@
         </p:nvSpPr>
         <p:spPr>
           <a:xfrm>
-            <a:off x="1097280" y="1845720"/>
-            <a:ext cx="4908240" cy="1918800"/>
+            <a:off x="609480" y="1604520"/>
+            <a:ext cx="5354280" cy="1896840"/>
           </a:xfrm>
           <a:prstGeom prst="rect">
             <a:avLst/>
@@ -1472,18 +1389,15 @@
             <a:normAutofit/>
           </a:bodyPr>
           <a:p>
-            <a:endParaRPr b="0" lang="en-US" sz="2000" spc="-1" strike="noStrike">
-              <a:solidFill>
-                <a:srgbClr val="404040"/>
-              </a:solidFill>
-              <a:latin typeface="Calibri"/>
-            </a:endParaRPr>
-          </a:p>
-        </p:txBody>
-      </p:sp>
-      <p:sp>
-        <p:nvSpPr>
-          <p:cNvPr id="74" name="PlaceHolder 3"/>
+            <a:endParaRPr b="0" lang="de-DE" sz="3200" spc="-1" strike="noStrike">
+              <a:latin typeface="Arial"/>
+            </a:endParaRPr>
+          </a:p>
+        </p:txBody>
+      </p:sp>
+      <p:sp>
+        <p:nvSpPr>
+          <p:cNvPr id="68" name="PlaceHolder 3"/>
           <p:cNvSpPr>
             <a:spLocks noGrp="1"/>
           </p:cNvSpPr>
@@ -1493,8 +1407,8 @@
         </p:nvSpPr>
         <p:spPr>
           <a:xfrm>
-            <a:off x="6251400" y="1845720"/>
-            <a:ext cx="4908240" cy="1918800"/>
+            <a:off x="6231960" y="1604520"/>
+            <a:ext cx="5354280" cy="1896840"/>
           </a:xfrm>
           <a:prstGeom prst="rect">
             <a:avLst/>
@@ -1505,18 +1419,15 @@
             <a:normAutofit/>
           </a:bodyPr>
           <a:p>
-            <a:endParaRPr b="0" lang="en-US" sz="2000" spc="-1" strike="noStrike">
-              <a:solidFill>
-                <a:srgbClr val="404040"/>
-              </a:solidFill>
-              <a:latin typeface="Calibri"/>
-            </a:endParaRPr>
-          </a:p>
-        </p:txBody>
-      </p:sp>
-      <p:sp>
-        <p:nvSpPr>
-          <p:cNvPr id="75" name="PlaceHolder 4"/>
+            <a:endParaRPr b="0" lang="de-DE" sz="3200" spc="-1" strike="noStrike">
+              <a:latin typeface="Arial"/>
+            </a:endParaRPr>
+          </a:p>
+        </p:txBody>
+      </p:sp>
+      <p:sp>
+        <p:nvSpPr>
+          <p:cNvPr id="69" name="PlaceHolder 4"/>
           <p:cNvSpPr>
             <a:spLocks noGrp="1"/>
           </p:cNvSpPr>
@@ -1526,8 +1437,8 @@
         </p:nvSpPr>
         <p:spPr>
           <a:xfrm>
-            <a:off x="1097280" y="3947040"/>
-            <a:ext cx="10058040" cy="1918800"/>
+            <a:off x="609480" y="3682080"/>
+            <a:ext cx="10972440" cy="1896840"/>
           </a:xfrm>
           <a:prstGeom prst="rect">
             <a:avLst/>
@@ -1538,11 +1449,8 @@
             <a:normAutofit/>
           </a:bodyPr>
           <a:p>
-            <a:endParaRPr b="0" lang="en-US" sz="2000" spc="-1" strike="noStrike">
-              <a:solidFill>
-                <a:srgbClr val="404040"/>
-              </a:solidFill>
-              <a:latin typeface="Calibri"/>
+            <a:endParaRPr b="0" lang="de-DE" sz="3200" spc="-1" strike="noStrike">
+              <a:latin typeface="Arial"/>
             </a:endParaRPr>
           </a:p>
         </p:txBody>
@@ -1571,7 +1479,7 @@
       </p:grpSpPr>
       <p:sp>
         <p:nvSpPr>
-          <p:cNvPr id="76" name="PlaceHolder 1"/>
+          <p:cNvPr id="70" name="PlaceHolder 1"/>
           <p:cNvSpPr>
             <a:spLocks noGrp="1"/>
           </p:cNvSpPr>
@@ -1581,8 +1489,8 @@
         </p:nvSpPr>
         <p:spPr>
           <a:xfrm>
-            <a:off x="1097280" y="286560"/>
-            <a:ext cx="10058040" cy="1450440"/>
+            <a:off x="609480" y="273600"/>
+            <a:ext cx="10972440" cy="1144800"/>
           </a:xfrm>
           <a:prstGeom prst="rect">
             <a:avLst/>
@@ -1591,18 +1499,16 @@
         <p:txBody>
           <a:bodyPr lIns="0" rIns="0" tIns="0" bIns="0" anchor="ctr"/>
           <a:p>
-            <a:endParaRPr b="0" lang="en-US" sz="1800" spc="-1" strike="noStrike">
-              <a:solidFill>
-                <a:srgbClr val="000000"/>
-              </a:solidFill>
-              <a:latin typeface="Calibri"/>
-            </a:endParaRPr>
-          </a:p>
-        </p:txBody>
-      </p:sp>
-      <p:sp>
-        <p:nvSpPr>
-          <p:cNvPr id="77" name="PlaceHolder 2"/>
+            <a:pPr algn="ctr"/>
+            <a:endParaRPr b="0" lang="de-DE" sz="4400" spc="-1" strike="noStrike">
+              <a:latin typeface="Arial"/>
+            </a:endParaRPr>
+          </a:p>
+        </p:txBody>
+      </p:sp>
+      <p:sp>
+        <p:nvSpPr>
+          <p:cNvPr id="71" name="PlaceHolder 2"/>
           <p:cNvSpPr>
             <a:spLocks noGrp="1"/>
           </p:cNvSpPr>
@@ -1612,8 +1518,8 @@
         </p:nvSpPr>
         <p:spPr>
           <a:xfrm>
-            <a:off x="1097280" y="1845720"/>
-            <a:ext cx="10058040" cy="1918800"/>
+            <a:off x="609480" y="1604520"/>
+            <a:ext cx="10972440" cy="1896840"/>
           </a:xfrm>
           <a:prstGeom prst="rect">
             <a:avLst/>
@@ -1624,18 +1530,15 @@
             <a:normAutofit/>
           </a:bodyPr>
           <a:p>
-            <a:endParaRPr b="0" lang="en-US" sz="2000" spc="-1" strike="noStrike">
-              <a:solidFill>
-                <a:srgbClr val="404040"/>
-              </a:solidFill>
-              <a:latin typeface="Calibri"/>
-            </a:endParaRPr>
-          </a:p>
-        </p:txBody>
-      </p:sp>
-      <p:sp>
-        <p:nvSpPr>
-          <p:cNvPr id="78" name="PlaceHolder 3"/>
+            <a:endParaRPr b="0" lang="de-DE" sz="3200" spc="-1" strike="noStrike">
+              <a:latin typeface="Arial"/>
+            </a:endParaRPr>
+          </a:p>
+        </p:txBody>
+      </p:sp>
+      <p:sp>
+        <p:nvSpPr>
+          <p:cNvPr id="72" name="PlaceHolder 3"/>
           <p:cNvSpPr>
             <a:spLocks noGrp="1"/>
           </p:cNvSpPr>
@@ -1645,8 +1548,8 @@
         </p:nvSpPr>
         <p:spPr>
           <a:xfrm>
-            <a:off x="1097280" y="3947040"/>
-            <a:ext cx="10058040" cy="1918800"/>
+            <a:off x="609480" y="3682080"/>
+            <a:ext cx="10972440" cy="1896840"/>
           </a:xfrm>
           <a:prstGeom prst="rect">
             <a:avLst/>
@@ -1657,11 +1560,8 @@
             <a:normAutofit/>
           </a:bodyPr>
           <a:p>
-            <a:endParaRPr b="0" lang="en-US" sz="2000" spc="-1" strike="noStrike">
-              <a:solidFill>
-                <a:srgbClr val="404040"/>
-              </a:solidFill>
-              <a:latin typeface="Calibri"/>
+            <a:endParaRPr b="0" lang="de-DE" sz="3200" spc="-1" strike="noStrike">
+              <a:latin typeface="Arial"/>
             </a:endParaRPr>
           </a:p>
         </p:txBody>
@@ -1690,7 +1590,7 @@
       </p:grpSpPr>
       <p:sp>
         <p:nvSpPr>
-          <p:cNvPr id="79" name="PlaceHolder 1"/>
+          <p:cNvPr id="73" name="PlaceHolder 1"/>
           <p:cNvSpPr>
             <a:spLocks noGrp="1"/>
           </p:cNvSpPr>
@@ -1700,8 +1600,8 @@
         </p:nvSpPr>
         <p:spPr>
           <a:xfrm>
-            <a:off x="1097280" y="286560"/>
-            <a:ext cx="10058040" cy="1450440"/>
+            <a:off x="609480" y="273600"/>
+            <a:ext cx="10972440" cy="1144800"/>
           </a:xfrm>
           <a:prstGeom prst="rect">
             <a:avLst/>
@@ -1710,18 +1610,16 @@
         <p:txBody>
           <a:bodyPr lIns="0" rIns="0" tIns="0" bIns="0" anchor="ctr"/>
           <a:p>
-            <a:endParaRPr b="0" lang="en-US" sz="1800" spc="-1" strike="noStrike">
-              <a:solidFill>
-                <a:srgbClr val="000000"/>
-              </a:solidFill>
-              <a:latin typeface="Calibri"/>
-            </a:endParaRPr>
-          </a:p>
-        </p:txBody>
-      </p:sp>
-      <p:sp>
-        <p:nvSpPr>
-          <p:cNvPr id="80" name="PlaceHolder 2"/>
+            <a:pPr algn="ctr"/>
+            <a:endParaRPr b="0" lang="de-DE" sz="4400" spc="-1" strike="noStrike">
+              <a:latin typeface="Arial"/>
+            </a:endParaRPr>
+          </a:p>
+        </p:txBody>
+      </p:sp>
+      <p:sp>
+        <p:nvSpPr>
+          <p:cNvPr id="74" name="PlaceHolder 2"/>
           <p:cNvSpPr>
             <a:spLocks noGrp="1"/>
           </p:cNvSpPr>
@@ -1731,8 +1629,8 @@
         </p:nvSpPr>
         <p:spPr>
           <a:xfrm>
-            <a:off x="1097280" y="1845720"/>
-            <a:ext cx="4908240" cy="1918800"/>
+            <a:off x="609480" y="1604520"/>
+            <a:ext cx="5354280" cy="1896840"/>
           </a:xfrm>
           <a:prstGeom prst="rect">
             <a:avLst/>
@@ -1743,18 +1641,15 @@
             <a:normAutofit/>
           </a:bodyPr>
           <a:p>
-            <a:endParaRPr b="0" lang="en-US" sz="2000" spc="-1" strike="noStrike">
-              <a:solidFill>
-                <a:srgbClr val="404040"/>
-              </a:solidFill>
-              <a:latin typeface="Calibri"/>
-            </a:endParaRPr>
-          </a:p>
-        </p:txBody>
-      </p:sp>
-      <p:sp>
-        <p:nvSpPr>
-          <p:cNvPr id="81" name="PlaceHolder 3"/>
+            <a:endParaRPr b="0" lang="de-DE" sz="3200" spc="-1" strike="noStrike">
+              <a:latin typeface="Arial"/>
+            </a:endParaRPr>
+          </a:p>
+        </p:txBody>
+      </p:sp>
+      <p:sp>
+        <p:nvSpPr>
+          <p:cNvPr id="75" name="PlaceHolder 3"/>
           <p:cNvSpPr>
             <a:spLocks noGrp="1"/>
           </p:cNvSpPr>
@@ -1764,8 +1659,8 @@
         </p:nvSpPr>
         <p:spPr>
           <a:xfrm>
-            <a:off x="6251400" y="1845720"/>
-            <a:ext cx="4908240" cy="1918800"/>
+            <a:off x="6231960" y="1604520"/>
+            <a:ext cx="5354280" cy="1896840"/>
           </a:xfrm>
           <a:prstGeom prst="rect">
             <a:avLst/>
@@ -1776,18 +1671,15 @@
             <a:normAutofit/>
           </a:bodyPr>
           <a:p>
-            <a:endParaRPr b="0" lang="en-US" sz="2000" spc="-1" strike="noStrike">
-              <a:solidFill>
-                <a:srgbClr val="404040"/>
-              </a:solidFill>
-              <a:latin typeface="Calibri"/>
-            </a:endParaRPr>
-          </a:p>
-        </p:txBody>
-      </p:sp>
-      <p:sp>
-        <p:nvSpPr>
-          <p:cNvPr id="82" name="PlaceHolder 4"/>
+            <a:endParaRPr b="0" lang="de-DE" sz="3200" spc="-1" strike="noStrike">
+              <a:latin typeface="Arial"/>
+            </a:endParaRPr>
+          </a:p>
+        </p:txBody>
+      </p:sp>
+      <p:sp>
+        <p:nvSpPr>
+          <p:cNvPr id="76" name="PlaceHolder 4"/>
           <p:cNvSpPr>
             <a:spLocks noGrp="1"/>
           </p:cNvSpPr>
@@ -1797,8 +1689,8 @@
         </p:nvSpPr>
         <p:spPr>
           <a:xfrm>
-            <a:off x="1097280" y="3947040"/>
-            <a:ext cx="4908240" cy="1918800"/>
+            <a:off x="609480" y="3682080"/>
+            <a:ext cx="5354280" cy="1896840"/>
           </a:xfrm>
           <a:prstGeom prst="rect">
             <a:avLst/>
@@ -1809,18 +1701,15 @@
             <a:normAutofit/>
           </a:bodyPr>
           <a:p>
-            <a:endParaRPr b="0" lang="en-US" sz="2000" spc="-1" strike="noStrike">
-              <a:solidFill>
-                <a:srgbClr val="404040"/>
-              </a:solidFill>
-              <a:latin typeface="Calibri"/>
-            </a:endParaRPr>
-          </a:p>
-        </p:txBody>
-      </p:sp>
-      <p:sp>
-        <p:nvSpPr>
-          <p:cNvPr id="83" name="PlaceHolder 5"/>
+            <a:endParaRPr b="0" lang="de-DE" sz="3200" spc="-1" strike="noStrike">
+              <a:latin typeface="Arial"/>
+            </a:endParaRPr>
+          </a:p>
+        </p:txBody>
+      </p:sp>
+      <p:sp>
+        <p:nvSpPr>
+          <p:cNvPr id="77" name="PlaceHolder 5"/>
           <p:cNvSpPr>
             <a:spLocks noGrp="1"/>
           </p:cNvSpPr>
@@ -1830,8 +1719,8 @@
         </p:nvSpPr>
         <p:spPr>
           <a:xfrm>
-            <a:off x="6251400" y="3947040"/>
-            <a:ext cx="4908240" cy="1918800"/>
+            <a:off x="6231960" y="3682080"/>
+            <a:ext cx="5354280" cy="1896840"/>
           </a:xfrm>
           <a:prstGeom prst="rect">
             <a:avLst/>
@@ -1842,11 +1731,8 @@
             <a:normAutofit/>
           </a:bodyPr>
           <a:p>
-            <a:endParaRPr b="0" lang="en-US" sz="2000" spc="-1" strike="noStrike">
-              <a:solidFill>
-                <a:srgbClr val="404040"/>
-              </a:solidFill>
-              <a:latin typeface="Calibri"/>
+            <a:endParaRPr b="0" lang="de-DE" sz="3200" spc="-1" strike="noStrike">
+              <a:latin typeface="Arial"/>
             </a:endParaRPr>
           </a:p>
         </p:txBody>
@@ -1875,7 +1761,7 @@
       </p:grpSpPr>
       <p:sp>
         <p:nvSpPr>
-          <p:cNvPr id="84" name="PlaceHolder 1"/>
+          <p:cNvPr id="78" name="PlaceHolder 1"/>
           <p:cNvSpPr>
             <a:spLocks noGrp="1"/>
           </p:cNvSpPr>
@@ -1885,8 +1771,8 @@
         </p:nvSpPr>
         <p:spPr>
           <a:xfrm>
-            <a:off x="1097280" y="286560"/>
-            <a:ext cx="10058040" cy="1450440"/>
+            <a:off x="609480" y="273600"/>
+            <a:ext cx="10972440" cy="1144800"/>
           </a:xfrm>
           <a:prstGeom prst="rect">
             <a:avLst/>
@@ -1895,18 +1781,16 @@
         <p:txBody>
           <a:bodyPr lIns="0" rIns="0" tIns="0" bIns="0" anchor="ctr"/>
           <a:p>
-            <a:endParaRPr b="0" lang="en-US" sz="1800" spc="-1" strike="noStrike">
-              <a:solidFill>
-                <a:srgbClr val="000000"/>
-              </a:solidFill>
-              <a:latin typeface="Calibri"/>
-            </a:endParaRPr>
-          </a:p>
-        </p:txBody>
-      </p:sp>
-      <p:sp>
-        <p:nvSpPr>
-          <p:cNvPr id="85" name="PlaceHolder 2"/>
+            <a:pPr algn="ctr"/>
+            <a:endParaRPr b="0" lang="de-DE" sz="4400" spc="-1" strike="noStrike">
+              <a:latin typeface="Arial"/>
+            </a:endParaRPr>
+          </a:p>
+        </p:txBody>
+      </p:sp>
+      <p:sp>
+        <p:nvSpPr>
+          <p:cNvPr id="79" name="PlaceHolder 2"/>
           <p:cNvSpPr>
             <a:spLocks noGrp="1"/>
           </p:cNvSpPr>
@@ -1916,8 +1800,8 @@
         </p:nvSpPr>
         <p:spPr>
           <a:xfrm>
-            <a:off x="1097280" y="1845720"/>
-            <a:ext cx="3238560" cy="1918800"/>
+            <a:off x="609480" y="1604520"/>
+            <a:ext cx="3533040" cy="1896840"/>
           </a:xfrm>
           <a:prstGeom prst="rect">
             <a:avLst/>
@@ -1928,18 +1812,15 @@
             <a:normAutofit/>
           </a:bodyPr>
           <a:p>
-            <a:endParaRPr b="0" lang="en-US" sz="2000" spc="-1" strike="noStrike">
-              <a:solidFill>
-                <a:srgbClr val="404040"/>
-              </a:solidFill>
-              <a:latin typeface="Calibri"/>
-            </a:endParaRPr>
-          </a:p>
-        </p:txBody>
-      </p:sp>
-      <p:sp>
-        <p:nvSpPr>
-          <p:cNvPr id="86" name="PlaceHolder 3"/>
+            <a:endParaRPr b="0" lang="de-DE" sz="3200" spc="-1" strike="noStrike">
+              <a:latin typeface="Arial"/>
+            </a:endParaRPr>
+          </a:p>
+        </p:txBody>
+      </p:sp>
+      <p:sp>
+        <p:nvSpPr>
+          <p:cNvPr id="80" name="PlaceHolder 3"/>
           <p:cNvSpPr>
             <a:spLocks noGrp="1"/>
           </p:cNvSpPr>
@@ -1949,8 +1830,8 @@
         </p:nvSpPr>
         <p:spPr>
           <a:xfrm>
-            <a:off x="4498200" y="1845720"/>
-            <a:ext cx="3238560" cy="1918800"/>
+            <a:off x="4319640" y="1604520"/>
+            <a:ext cx="3533040" cy="1896840"/>
           </a:xfrm>
           <a:prstGeom prst="rect">
             <a:avLst/>
@@ -1961,18 +1842,15 @@
             <a:normAutofit/>
           </a:bodyPr>
           <a:p>
-            <a:endParaRPr b="0" lang="en-US" sz="2000" spc="-1" strike="noStrike">
-              <a:solidFill>
-                <a:srgbClr val="404040"/>
-              </a:solidFill>
-              <a:latin typeface="Calibri"/>
-            </a:endParaRPr>
-          </a:p>
-        </p:txBody>
-      </p:sp>
-      <p:sp>
-        <p:nvSpPr>
-          <p:cNvPr id="87" name="PlaceHolder 4"/>
+            <a:endParaRPr b="0" lang="de-DE" sz="3200" spc="-1" strike="noStrike">
+              <a:latin typeface="Arial"/>
+            </a:endParaRPr>
+          </a:p>
+        </p:txBody>
+      </p:sp>
+      <p:sp>
+        <p:nvSpPr>
+          <p:cNvPr id="81" name="PlaceHolder 4"/>
           <p:cNvSpPr>
             <a:spLocks noGrp="1"/>
           </p:cNvSpPr>
@@ -1982,8 +1860,8 @@
         </p:nvSpPr>
         <p:spPr>
           <a:xfrm>
-            <a:off x="7899120" y="1845720"/>
-            <a:ext cx="3238560" cy="1918800"/>
+            <a:off x="8029800" y="1604520"/>
+            <a:ext cx="3533040" cy="1896840"/>
           </a:xfrm>
           <a:prstGeom prst="rect">
             <a:avLst/>
@@ -1994,18 +1872,15 @@
             <a:normAutofit/>
           </a:bodyPr>
           <a:p>
-            <a:endParaRPr b="0" lang="en-US" sz="2000" spc="-1" strike="noStrike">
-              <a:solidFill>
-                <a:srgbClr val="404040"/>
-              </a:solidFill>
-              <a:latin typeface="Calibri"/>
-            </a:endParaRPr>
-          </a:p>
-        </p:txBody>
-      </p:sp>
-      <p:sp>
-        <p:nvSpPr>
-          <p:cNvPr id="88" name="PlaceHolder 5"/>
+            <a:endParaRPr b="0" lang="de-DE" sz="3200" spc="-1" strike="noStrike">
+              <a:latin typeface="Arial"/>
+            </a:endParaRPr>
+          </a:p>
+        </p:txBody>
+      </p:sp>
+      <p:sp>
+        <p:nvSpPr>
+          <p:cNvPr id="82" name="PlaceHolder 5"/>
           <p:cNvSpPr>
             <a:spLocks noGrp="1"/>
           </p:cNvSpPr>
@@ -2015,8 +1890,8 @@
         </p:nvSpPr>
         <p:spPr>
           <a:xfrm>
-            <a:off x="1097280" y="3947040"/>
-            <a:ext cx="3238560" cy="1918800"/>
+            <a:off x="609480" y="3682080"/>
+            <a:ext cx="3533040" cy="1896840"/>
           </a:xfrm>
           <a:prstGeom prst="rect">
             <a:avLst/>
@@ -2027,18 +1902,15 @@
             <a:normAutofit/>
           </a:bodyPr>
           <a:p>
-            <a:endParaRPr b="0" lang="en-US" sz="2000" spc="-1" strike="noStrike">
-              <a:solidFill>
-                <a:srgbClr val="404040"/>
-              </a:solidFill>
-              <a:latin typeface="Calibri"/>
-            </a:endParaRPr>
-          </a:p>
-        </p:txBody>
-      </p:sp>
-      <p:sp>
-        <p:nvSpPr>
-          <p:cNvPr id="89" name="PlaceHolder 6"/>
+            <a:endParaRPr b="0" lang="de-DE" sz="3200" spc="-1" strike="noStrike">
+              <a:latin typeface="Arial"/>
+            </a:endParaRPr>
+          </a:p>
+        </p:txBody>
+      </p:sp>
+      <p:sp>
+        <p:nvSpPr>
+          <p:cNvPr id="83" name="PlaceHolder 6"/>
           <p:cNvSpPr>
             <a:spLocks noGrp="1"/>
           </p:cNvSpPr>
@@ -2048,8 +1920,8 @@
         </p:nvSpPr>
         <p:spPr>
           <a:xfrm>
-            <a:off x="4498200" y="3947040"/>
-            <a:ext cx="3238560" cy="1918800"/>
+            <a:off x="4319640" y="3682080"/>
+            <a:ext cx="3533040" cy="1896840"/>
           </a:xfrm>
           <a:prstGeom prst="rect">
             <a:avLst/>
@@ -2060,18 +1932,15 @@
             <a:normAutofit/>
           </a:bodyPr>
           <a:p>
-            <a:endParaRPr b="0" lang="en-US" sz="2000" spc="-1" strike="noStrike">
-              <a:solidFill>
-                <a:srgbClr val="404040"/>
-              </a:solidFill>
-              <a:latin typeface="Calibri"/>
-            </a:endParaRPr>
-          </a:p>
-        </p:txBody>
-      </p:sp>
-      <p:sp>
-        <p:nvSpPr>
-          <p:cNvPr id="90" name="PlaceHolder 7"/>
+            <a:endParaRPr b="0" lang="de-DE" sz="3200" spc="-1" strike="noStrike">
+              <a:latin typeface="Arial"/>
+            </a:endParaRPr>
+          </a:p>
+        </p:txBody>
+      </p:sp>
+      <p:sp>
+        <p:nvSpPr>
+          <p:cNvPr id="84" name="PlaceHolder 7"/>
           <p:cNvSpPr>
             <a:spLocks noGrp="1"/>
           </p:cNvSpPr>
@@ -2081,8 +1950,8 @@
         </p:nvSpPr>
         <p:spPr>
           <a:xfrm>
-            <a:off x="7899120" y="3947040"/>
-            <a:ext cx="3238560" cy="1918800"/>
+            <a:off x="8029800" y="3682080"/>
+            <a:ext cx="3533040" cy="1896840"/>
           </a:xfrm>
           <a:prstGeom prst="rect">
             <a:avLst/>
@@ -2093,11 +1962,8 @@
             <a:normAutofit/>
           </a:bodyPr>
           <a:p>
-            <a:endParaRPr b="0" lang="en-US" sz="2000" spc="-1" strike="noStrike">
-              <a:solidFill>
-                <a:srgbClr val="404040"/>
-              </a:solidFill>
-              <a:latin typeface="Calibri"/>
+            <a:endParaRPr b="0" lang="de-DE" sz="3200" spc="-1" strike="noStrike">
+              <a:latin typeface="Arial"/>
             </a:endParaRPr>
           </a:p>
         </p:txBody>
@@ -2148,7 +2014,7 @@
       </p:grpSpPr>
       <p:sp>
         <p:nvSpPr>
-          <p:cNvPr id="101" name="PlaceHolder 1"/>
+          <p:cNvPr id="92" name="PlaceHolder 1"/>
           <p:cNvSpPr>
             <a:spLocks noGrp="1"/>
           </p:cNvSpPr>
@@ -2158,8 +2024,8 @@
         </p:nvSpPr>
         <p:spPr>
           <a:xfrm>
-            <a:off x="1097280" y="286560"/>
-            <a:ext cx="10058040" cy="1450440"/>
+            <a:off x="609480" y="273600"/>
+            <a:ext cx="10972440" cy="1144800"/>
           </a:xfrm>
           <a:prstGeom prst="rect">
             <a:avLst/>
@@ -2168,18 +2034,16 @@
         <p:txBody>
           <a:bodyPr lIns="0" rIns="0" tIns="0" bIns="0" anchor="ctr"/>
           <a:p>
-            <a:endParaRPr b="0" lang="en-US" sz="1800" spc="-1" strike="noStrike">
-              <a:solidFill>
-                <a:srgbClr val="000000"/>
-              </a:solidFill>
-              <a:latin typeface="Calibri"/>
-            </a:endParaRPr>
-          </a:p>
-        </p:txBody>
-      </p:sp>
-      <p:sp>
-        <p:nvSpPr>
-          <p:cNvPr id="102" name="PlaceHolder 2"/>
+            <a:pPr algn="ctr"/>
+            <a:endParaRPr b="0" lang="de-DE" sz="4400" spc="-1" strike="noStrike">
+              <a:latin typeface="Arial"/>
+            </a:endParaRPr>
+          </a:p>
+        </p:txBody>
+      </p:sp>
+      <p:sp>
+        <p:nvSpPr>
+          <p:cNvPr id="93" name="PlaceHolder 2"/>
           <p:cNvSpPr>
             <a:spLocks noGrp="1"/>
           </p:cNvSpPr>
@@ -2189,8 +2053,8 @@
         </p:nvSpPr>
         <p:spPr>
           <a:xfrm>
-            <a:off x="1097280" y="1845720"/>
-            <a:ext cx="10058040" cy="4023000"/>
+            <a:off x="609480" y="1604520"/>
+            <a:ext cx="10972440" cy="3977280"/>
           </a:xfrm>
           <a:prstGeom prst="rect">
             <a:avLst/>
@@ -2230,7 +2094,7 @@
       </p:grpSpPr>
       <p:sp>
         <p:nvSpPr>
-          <p:cNvPr id="103" name="PlaceHolder 1"/>
+          <p:cNvPr id="94" name="PlaceHolder 1"/>
           <p:cNvSpPr>
             <a:spLocks noGrp="1"/>
           </p:cNvSpPr>
@@ -2240,8 +2104,8 @@
         </p:nvSpPr>
         <p:spPr>
           <a:xfrm>
-            <a:off x="1097280" y="286560"/>
-            <a:ext cx="10058040" cy="1450440"/>
+            <a:off x="609480" y="273600"/>
+            <a:ext cx="10972440" cy="1144800"/>
           </a:xfrm>
           <a:prstGeom prst="rect">
             <a:avLst/>
@@ -2250,18 +2114,16 @@
         <p:txBody>
           <a:bodyPr lIns="0" rIns="0" tIns="0" bIns="0" anchor="ctr"/>
           <a:p>
-            <a:endParaRPr b="0" lang="en-US" sz="1800" spc="-1" strike="noStrike">
-              <a:solidFill>
-                <a:srgbClr val="000000"/>
-              </a:solidFill>
-              <a:latin typeface="Calibri"/>
-            </a:endParaRPr>
-          </a:p>
-        </p:txBody>
-      </p:sp>
-      <p:sp>
-        <p:nvSpPr>
-          <p:cNvPr id="104" name="PlaceHolder 2"/>
+            <a:pPr algn="ctr"/>
+            <a:endParaRPr b="0" lang="de-DE" sz="4400" spc="-1" strike="noStrike">
+              <a:latin typeface="Arial"/>
+            </a:endParaRPr>
+          </a:p>
+        </p:txBody>
+      </p:sp>
+      <p:sp>
+        <p:nvSpPr>
+          <p:cNvPr id="95" name="PlaceHolder 2"/>
           <p:cNvSpPr>
             <a:spLocks noGrp="1"/>
           </p:cNvSpPr>
@@ -2271,8 +2133,8 @@
         </p:nvSpPr>
         <p:spPr>
           <a:xfrm>
-            <a:off x="1097280" y="1845720"/>
-            <a:ext cx="10058040" cy="4023000"/>
+            <a:off x="609480" y="1604520"/>
+            <a:ext cx="10972440" cy="3977280"/>
           </a:xfrm>
           <a:prstGeom prst="rect">
             <a:avLst/>
@@ -2283,11 +2145,8 @@
             <a:normAutofit/>
           </a:bodyPr>
           <a:p>
-            <a:endParaRPr b="0" lang="en-US" sz="2000" spc="-1" strike="noStrike">
-              <a:solidFill>
-                <a:srgbClr val="404040"/>
-              </a:solidFill>
-              <a:latin typeface="Calibri"/>
+            <a:endParaRPr b="0" lang="de-DE" sz="3200" spc="-1" strike="noStrike">
+              <a:latin typeface="Arial"/>
             </a:endParaRPr>
           </a:p>
         </p:txBody>
@@ -2316,7 +2175,7 @@
       </p:grpSpPr>
       <p:sp>
         <p:nvSpPr>
-          <p:cNvPr id="105" name="PlaceHolder 1"/>
+          <p:cNvPr id="96" name="PlaceHolder 1"/>
           <p:cNvSpPr>
             <a:spLocks noGrp="1"/>
           </p:cNvSpPr>
@@ -2326,8 +2185,8 @@
         </p:nvSpPr>
         <p:spPr>
           <a:xfrm>
-            <a:off x="1097280" y="286560"/>
-            <a:ext cx="10058040" cy="1450440"/>
+            <a:off x="609480" y="273600"/>
+            <a:ext cx="10972440" cy="1144800"/>
           </a:xfrm>
           <a:prstGeom prst="rect">
             <a:avLst/>
@@ -2336,18 +2195,16 @@
         <p:txBody>
           <a:bodyPr lIns="0" rIns="0" tIns="0" bIns="0" anchor="ctr"/>
           <a:p>
-            <a:endParaRPr b="0" lang="en-US" sz="1800" spc="-1" strike="noStrike">
-              <a:solidFill>
-                <a:srgbClr val="000000"/>
-              </a:solidFill>
-              <a:latin typeface="Calibri"/>
-            </a:endParaRPr>
-          </a:p>
-        </p:txBody>
-      </p:sp>
-      <p:sp>
-        <p:nvSpPr>
-          <p:cNvPr id="106" name="PlaceHolder 2"/>
+            <a:pPr algn="ctr"/>
+            <a:endParaRPr b="0" lang="de-DE" sz="4400" spc="-1" strike="noStrike">
+              <a:latin typeface="Arial"/>
+            </a:endParaRPr>
+          </a:p>
+        </p:txBody>
+      </p:sp>
+      <p:sp>
+        <p:nvSpPr>
+          <p:cNvPr id="97" name="PlaceHolder 2"/>
           <p:cNvSpPr>
             <a:spLocks noGrp="1"/>
           </p:cNvSpPr>
@@ -2357,8 +2214,8 @@
         </p:nvSpPr>
         <p:spPr>
           <a:xfrm>
-            <a:off x="1097280" y="1845720"/>
-            <a:ext cx="4908240" cy="4023000"/>
+            <a:off x="609480" y="1604520"/>
+            <a:ext cx="5354280" cy="3977280"/>
           </a:xfrm>
           <a:prstGeom prst="rect">
             <a:avLst/>
@@ -2369,18 +2226,15 @@
             <a:normAutofit/>
           </a:bodyPr>
           <a:p>
-            <a:endParaRPr b="0" lang="en-US" sz="2000" spc="-1" strike="noStrike">
-              <a:solidFill>
-                <a:srgbClr val="404040"/>
-              </a:solidFill>
-              <a:latin typeface="Calibri"/>
-            </a:endParaRPr>
-          </a:p>
-        </p:txBody>
-      </p:sp>
-      <p:sp>
-        <p:nvSpPr>
-          <p:cNvPr id="107" name="PlaceHolder 3"/>
+            <a:endParaRPr b="0" lang="de-DE" sz="3200" spc="-1" strike="noStrike">
+              <a:latin typeface="Arial"/>
+            </a:endParaRPr>
+          </a:p>
+        </p:txBody>
+      </p:sp>
+      <p:sp>
+        <p:nvSpPr>
+          <p:cNvPr id="98" name="PlaceHolder 3"/>
           <p:cNvSpPr>
             <a:spLocks noGrp="1"/>
           </p:cNvSpPr>
@@ -2390,8 +2244,8 @@
         </p:nvSpPr>
         <p:spPr>
           <a:xfrm>
-            <a:off x="6251400" y="1845720"/>
-            <a:ext cx="4908240" cy="4023000"/>
+            <a:off x="6231960" y="1604520"/>
+            <a:ext cx="5354280" cy="3977280"/>
           </a:xfrm>
           <a:prstGeom prst="rect">
             <a:avLst/>
@@ -2402,11 +2256,8 @@
             <a:normAutofit/>
           </a:bodyPr>
           <a:p>
-            <a:endParaRPr b="0" lang="en-US" sz="2000" spc="-1" strike="noStrike">
-              <a:solidFill>
-                <a:srgbClr val="404040"/>
-              </a:solidFill>
-              <a:latin typeface="Calibri"/>
+            <a:endParaRPr b="0" lang="de-DE" sz="3200" spc="-1" strike="noStrike">
+              <a:latin typeface="Arial"/>
             </a:endParaRPr>
           </a:p>
         </p:txBody>
@@ -2435,7 +2286,7 @@
       </p:grpSpPr>
       <p:sp>
         <p:nvSpPr>
-          <p:cNvPr id="108" name="PlaceHolder 1"/>
+          <p:cNvPr id="99" name="PlaceHolder 1"/>
           <p:cNvSpPr>
             <a:spLocks noGrp="1"/>
           </p:cNvSpPr>
@@ -2445,8 +2296,8 @@
         </p:nvSpPr>
         <p:spPr>
           <a:xfrm>
-            <a:off x="1097280" y="286560"/>
-            <a:ext cx="10058040" cy="1450440"/>
+            <a:off x="609480" y="273600"/>
+            <a:ext cx="10972440" cy="1144800"/>
           </a:xfrm>
           <a:prstGeom prst="rect">
             <a:avLst/>
@@ -2455,11 +2306,9 @@
         <p:txBody>
           <a:bodyPr lIns="0" rIns="0" tIns="0" bIns="0" anchor="ctr"/>
           <a:p>
-            <a:endParaRPr b="0" lang="en-US" sz="1800" spc="-1" strike="noStrike">
-              <a:solidFill>
-                <a:srgbClr val="000000"/>
-              </a:solidFill>
-              <a:latin typeface="Calibri"/>
+            <a:pPr algn="ctr"/>
+            <a:endParaRPr b="0" lang="de-DE" sz="4400" spc="-1" strike="noStrike">
+              <a:latin typeface="Arial"/>
             </a:endParaRPr>
           </a:p>
         </p:txBody>
@@ -2488,7 +2337,7 @@
       </p:grpSpPr>
       <p:sp>
         <p:nvSpPr>
-          <p:cNvPr id="13" name="PlaceHolder 1"/>
+          <p:cNvPr id="10" name="PlaceHolder 1"/>
           <p:cNvSpPr>
             <a:spLocks noGrp="1"/>
           </p:cNvSpPr>
@@ -2498,8 +2347,8 @@
         </p:nvSpPr>
         <p:spPr>
           <a:xfrm>
-            <a:off x="1097280" y="286560"/>
-            <a:ext cx="10058040" cy="1450440"/>
+            <a:off x="609480" y="273600"/>
+            <a:ext cx="10972440" cy="1144800"/>
           </a:xfrm>
           <a:prstGeom prst="rect">
             <a:avLst/>
@@ -2508,18 +2357,16 @@
         <p:txBody>
           <a:bodyPr lIns="0" rIns="0" tIns="0" bIns="0" anchor="ctr"/>
           <a:p>
-            <a:endParaRPr b="0" lang="en-US" sz="1800" spc="-1" strike="noStrike">
-              <a:solidFill>
-                <a:srgbClr val="000000"/>
-              </a:solidFill>
-              <a:latin typeface="Calibri"/>
-            </a:endParaRPr>
-          </a:p>
-        </p:txBody>
-      </p:sp>
-      <p:sp>
-        <p:nvSpPr>
-          <p:cNvPr id="14" name="PlaceHolder 2"/>
+            <a:pPr algn="ctr"/>
+            <a:endParaRPr b="0" lang="de-DE" sz="4400" spc="-1" strike="noStrike">
+              <a:latin typeface="Arial"/>
+            </a:endParaRPr>
+          </a:p>
+        </p:txBody>
+      </p:sp>
+      <p:sp>
+        <p:nvSpPr>
+          <p:cNvPr id="11" name="PlaceHolder 2"/>
           <p:cNvSpPr>
             <a:spLocks noGrp="1"/>
           </p:cNvSpPr>
@@ -2529,8 +2376,8 @@
         </p:nvSpPr>
         <p:spPr>
           <a:xfrm>
-            <a:off x="1097280" y="1845720"/>
-            <a:ext cx="10058040" cy="4023000"/>
+            <a:off x="609480" y="1604520"/>
+            <a:ext cx="10972440" cy="3977280"/>
           </a:xfrm>
           <a:prstGeom prst="rect">
             <a:avLst/>
@@ -2541,11 +2388,8 @@
             <a:normAutofit/>
           </a:bodyPr>
           <a:p>
-            <a:endParaRPr b="0" lang="en-US" sz="2000" spc="-1" strike="noStrike">
-              <a:solidFill>
-                <a:srgbClr val="404040"/>
-              </a:solidFill>
-              <a:latin typeface="Calibri"/>
+            <a:endParaRPr b="0" lang="de-DE" sz="3200" spc="-1" strike="noStrike">
+              <a:latin typeface="Arial"/>
             </a:endParaRPr>
           </a:p>
         </p:txBody>
@@ -2574,7 +2418,7 @@
       </p:grpSpPr>
       <p:sp>
         <p:nvSpPr>
-          <p:cNvPr id="109" name="PlaceHolder 1"/>
+          <p:cNvPr id="100" name="PlaceHolder 1"/>
           <p:cNvSpPr>
             <a:spLocks noGrp="1"/>
           </p:cNvSpPr>
@@ -2584,8 +2428,8 @@
         </p:nvSpPr>
         <p:spPr>
           <a:xfrm>
-            <a:off x="1097280" y="286560"/>
-            <a:ext cx="10058040" cy="6724800"/>
+            <a:off x="609480" y="273600"/>
+            <a:ext cx="10972440" cy="5307840"/>
           </a:xfrm>
           <a:prstGeom prst="rect">
             <a:avLst/>
@@ -2625,7 +2469,7 @@
       </p:grpSpPr>
       <p:sp>
         <p:nvSpPr>
-          <p:cNvPr id="110" name="PlaceHolder 1"/>
+          <p:cNvPr id="101" name="PlaceHolder 1"/>
           <p:cNvSpPr>
             <a:spLocks noGrp="1"/>
           </p:cNvSpPr>
@@ -2635,8 +2479,8 @@
         </p:nvSpPr>
         <p:spPr>
           <a:xfrm>
-            <a:off x="1097280" y="286560"/>
-            <a:ext cx="10058040" cy="1450440"/>
+            <a:off x="609480" y="273600"/>
+            <a:ext cx="10972440" cy="1144800"/>
           </a:xfrm>
           <a:prstGeom prst="rect">
             <a:avLst/>
@@ -2645,18 +2489,16 @@
         <p:txBody>
           <a:bodyPr lIns="0" rIns="0" tIns="0" bIns="0" anchor="ctr"/>
           <a:p>
-            <a:endParaRPr b="0" lang="en-US" sz="1800" spc="-1" strike="noStrike">
-              <a:solidFill>
-                <a:srgbClr val="000000"/>
-              </a:solidFill>
-              <a:latin typeface="Calibri"/>
-            </a:endParaRPr>
-          </a:p>
-        </p:txBody>
-      </p:sp>
-      <p:sp>
-        <p:nvSpPr>
-          <p:cNvPr id="111" name="PlaceHolder 2"/>
+            <a:pPr algn="ctr"/>
+            <a:endParaRPr b="0" lang="de-DE" sz="4400" spc="-1" strike="noStrike">
+              <a:latin typeface="Arial"/>
+            </a:endParaRPr>
+          </a:p>
+        </p:txBody>
+      </p:sp>
+      <p:sp>
+        <p:nvSpPr>
+          <p:cNvPr id="102" name="PlaceHolder 2"/>
           <p:cNvSpPr>
             <a:spLocks noGrp="1"/>
           </p:cNvSpPr>
@@ -2666,8 +2508,8 @@
         </p:nvSpPr>
         <p:spPr>
           <a:xfrm>
-            <a:off x="1097280" y="1845720"/>
-            <a:ext cx="4908240" cy="1918800"/>
+            <a:off x="609480" y="1604520"/>
+            <a:ext cx="5354280" cy="1896840"/>
           </a:xfrm>
           <a:prstGeom prst="rect">
             <a:avLst/>
@@ -2678,18 +2520,15 @@
             <a:normAutofit/>
           </a:bodyPr>
           <a:p>
-            <a:endParaRPr b="0" lang="en-US" sz="2000" spc="-1" strike="noStrike">
-              <a:solidFill>
-                <a:srgbClr val="404040"/>
-              </a:solidFill>
-              <a:latin typeface="Calibri"/>
-            </a:endParaRPr>
-          </a:p>
-        </p:txBody>
-      </p:sp>
-      <p:sp>
-        <p:nvSpPr>
-          <p:cNvPr id="112" name="PlaceHolder 3"/>
+            <a:endParaRPr b="0" lang="de-DE" sz="3200" spc="-1" strike="noStrike">
+              <a:latin typeface="Arial"/>
+            </a:endParaRPr>
+          </a:p>
+        </p:txBody>
+      </p:sp>
+      <p:sp>
+        <p:nvSpPr>
+          <p:cNvPr id="103" name="PlaceHolder 3"/>
           <p:cNvSpPr>
             <a:spLocks noGrp="1"/>
           </p:cNvSpPr>
@@ -2699,8 +2538,8 @@
         </p:nvSpPr>
         <p:spPr>
           <a:xfrm>
-            <a:off x="6251400" y="1845720"/>
-            <a:ext cx="4908240" cy="4023000"/>
+            <a:off x="6231960" y="1604520"/>
+            <a:ext cx="5354280" cy="3977280"/>
           </a:xfrm>
           <a:prstGeom prst="rect">
             <a:avLst/>
@@ -2711,18 +2550,15 @@
             <a:normAutofit/>
           </a:bodyPr>
           <a:p>
-            <a:endParaRPr b="0" lang="en-US" sz="2000" spc="-1" strike="noStrike">
-              <a:solidFill>
-                <a:srgbClr val="404040"/>
-              </a:solidFill>
-              <a:latin typeface="Calibri"/>
-            </a:endParaRPr>
-          </a:p>
-        </p:txBody>
-      </p:sp>
-      <p:sp>
-        <p:nvSpPr>
-          <p:cNvPr id="113" name="PlaceHolder 4"/>
+            <a:endParaRPr b="0" lang="de-DE" sz="3200" spc="-1" strike="noStrike">
+              <a:latin typeface="Arial"/>
+            </a:endParaRPr>
+          </a:p>
+        </p:txBody>
+      </p:sp>
+      <p:sp>
+        <p:nvSpPr>
+          <p:cNvPr id="104" name="PlaceHolder 4"/>
           <p:cNvSpPr>
             <a:spLocks noGrp="1"/>
           </p:cNvSpPr>
@@ -2732,8 +2568,8 @@
         </p:nvSpPr>
         <p:spPr>
           <a:xfrm>
-            <a:off x="1097280" y="3947040"/>
-            <a:ext cx="4908240" cy="1918800"/>
+            <a:off x="609480" y="3682080"/>
+            <a:ext cx="5354280" cy="1896840"/>
           </a:xfrm>
           <a:prstGeom prst="rect">
             <a:avLst/>
@@ -2744,11 +2580,8 @@
             <a:normAutofit/>
           </a:bodyPr>
           <a:p>
-            <a:endParaRPr b="0" lang="en-US" sz="2000" spc="-1" strike="noStrike">
-              <a:solidFill>
-                <a:srgbClr val="404040"/>
-              </a:solidFill>
-              <a:latin typeface="Calibri"/>
+            <a:endParaRPr b="0" lang="de-DE" sz="3200" spc="-1" strike="noStrike">
+              <a:latin typeface="Arial"/>
             </a:endParaRPr>
           </a:p>
         </p:txBody>
@@ -2777,7 +2610,7 @@
       </p:grpSpPr>
       <p:sp>
         <p:nvSpPr>
-          <p:cNvPr id="114" name="PlaceHolder 1"/>
+          <p:cNvPr id="105" name="PlaceHolder 1"/>
           <p:cNvSpPr>
             <a:spLocks noGrp="1"/>
           </p:cNvSpPr>
@@ -2787,8 +2620,8 @@
         </p:nvSpPr>
         <p:spPr>
           <a:xfrm>
-            <a:off x="1097280" y="286560"/>
-            <a:ext cx="10058040" cy="1450440"/>
+            <a:off x="609480" y="273600"/>
+            <a:ext cx="10972440" cy="1144800"/>
           </a:xfrm>
           <a:prstGeom prst="rect">
             <a:avLst/>
@@ -2797,18 +2630,16 @@
         <p:txBody>
           <a:bodyPr lIns="0" rIns="0" tIns="0" bIns="0" anchor="ctr"/>
           <a:p>
-            <a:endParaRPr b="0" lang="en-US" sz="1800" spc="-1" strike="noStrike">
-              <a:solidFill>
-                <a:srgbClr val="000000"/>
-              </a:solidFill>
-              <a:latin typeface="Calibri"/>
-            </a:endParaRPr>
-          </a:p>
-        </p:txBody>
-      </p:sp>
-      <p:sp>
-        <p:nvSpPr>
-          <p:cNvPr id="115" name="PlaceHolder 2"/>
+            <a:pPr algn="ctr"/>
+            <a:endParaRPr b="0" lang="de-DE" sz="4400" spc="-1" strike="noStrike">
+              <a:latin typeface="Arial"/>
+            </a:endParaRPr>
+          </a:p>
+        </p:txBody>
+      </p:sp>
+      <p:sp>
+        <p:nvSpPr>
+          <p:cNvPr id="106" name="PlaceHolder 2"/>
           <p:cNvSpPr>
             <a:spLocks noGrp="1"/>
           </p:cNvSpPr>
@@ -2818,8 +2649,8 @@
         </p:nvSpPr>
         <p:spPr>
           <a:xfrm>
-            <a:off x="1097280" y="1845720"/>
-            <a:ext cx="4908240" cy="4023000"/>
+            <a:off x="609480" y="1604520"/>
+            <a:ext cx="5354280" cy="3977280"/>
           </a:xfrm>
           <a:prstGeom prst="rect">
             <a:avLst/>
@@ -2830,18 +2661,15 @@
             <a:normAutofit/>
           </a:bodyPr>
           <a:p>
-            <a:endParaRPr b="0" lang="en-US" sz="2000" spc="-1" strike="noStrike">
-              <a:solidFill>
-                <a:srgbClr val="404040"/>
-              </a:solidFill>
-              <a:latin typeface="Calibri"/>
-            </a:endParaRPr>
-          </a:p>
-        </p:txBody>
-      </p:sp>
-      <p:sp>
-        <p:nvSpPr>
-          <p:cNvPr id="116" name="PlaceHolder 3"/>
+            <a:endParaRPr b="0" lang="de-DE" sz="3200" spc="-1" strike="noStrike">
+              <a:latin typeface="Arial"/>
+            </a:endParaRPr>
+          </a:p>
+        </p:txBody>
+      </p:sp>
+      <p:sp>
+        <p:nvSpPr>
+          <p:cNvPr id="107" name="PlaceHolder 3"/>
           <p:cNvSpPr>
             <a:spLocks noGrp="1"/>
           </p:cNvSpPr>
@@ -2851,8 +2679,8 @@
         </p:nvSpPr>
         <p:spPr>
           <a:xfrm>
-            <a:off x="6251400" y="1845720"/>
-            <a:ext cx="4908240" cy="1918800"/>
+            <a:off x="6231960" y="1604520"/>
+            <a:ext cx="5354280" cy="1896840"/>
           </a:xfrm>
           <a:prstGeom prst="rect">
             <a:avLst/>
@@ -2863,18 +2691,15 @@
             <a:normAutofit/>
           </a:bodyPr>
           <a:p>
-            <a:endParaRPr b="0" lang="en-US" sz="2000" spc="-1" strike="noStrike">
-              <a:solidFill>
-                <a:srgbClr val="404040"/>
-              </a:solidFill>
-              <a:latin typeface="Calibri"/>
-            </a:endParaRPr>
-          </a:p>
-        </p:txBody>
-      </p:sp>
-      <p:sp>
-        <p:nvSpPr>
-          <p:cNvPr id="117" name="PlaceHolder 4"/>
+            <a:endParaRPr b="0" lang="de-DE" sz="3200" spc="-1" strike="noStrike">
+              <a:latin typeface="Arial"/>
+            </a:endParaRPr>
+          </a:p>
+        </p:txBody>
+      </p:sp>
+      <p:sp>
+        <p:nvSpPr>
+          <p:cNvPr id="108" name="PlaceHolder 4"/>
           <p:cNvSpPr>
             <a:spLocks noGrp="1"/>
           </p:cNvSpPr>
@@ -2884,8 +2709,8 @@
         </p:nvSpPr>
         <p:spPr>
           <a:xfrm>
-            <a:off x="6251400" y="3947040"/>
-            <a:ext cx="4908240" cy="1918800"/>
+            <a:off x="6231960" y="3682080"/>
+            <a:ext cx="5354280" cy="1896840"/>
           </a:xfrm>
           <a:prstGeom prst="rect">
             <a:avLst/>
@@ -2896,11 +2721,8 @@
             <a:normAutofit/>
           </a:bodyPr>
           <a:p>
-            <a:endParaRPr b="0" lang="en-US" sz="2000" spc="-1" strike="noStrike">
-              <a:solidFill>
-                <a:srgbClr val="404040"/>
-              </a:solidFill>
-              <a:latin typeface="Calibri"/>
+            <a:endParaRPr b="0" lang="de-DE" sz="3200" spc="-1" strike="noStrike">
+              <a:latin typeface="Arial"/>
             </a:endParaRPr>
           </a:p>
         </p:txBody>
@@ -2929,7 +2751,7 @@
       </p:grpSpPr>
       <p:sp>
         <p:nvSpPr>
-          <p:cNvPr id="118" name="PlaceHolder 1"/>
+          <p:cNvPr id="109" name="PlaceHolder 1"/>
           <p:cNvSpPr>
             <a:spLocks noGrp="1"/>
           </p:cNvSpPr>
@@ -2939,8 +2761,8 @@
         </p:nvSpPr>
         <p:spPr>
           <a:xfrm>
-            <a:off x="1097280" y="286560"/>
-            <a:ext cx="10058040" cy="1450440"/>
+            <a:off x="609480" y="273600"/>
+            <a:ext cx="10972440" cy="1144800"/>
           </a:xfrm>
           <a:prstGeom prst="rect">
             <a:avLst/>
@@ -2949,18 +2771,16 @@
         <p:txBody>
           <a:bodyPr lIns="0" rIns="0" tIns="0" bIns="0" anchor="ctr"/>
           <a:p>
-            <a:endParaRPr b="0" lang="en-US" sz="1800" spc="-1" strike="noStrike">
-              <a:solidFill>
-                <a:srgbClr val="000000"/>
-              </a:solidFill>
-              <a:latin typeface="Calibri"/>
-            </a:endParaRPr>
-          </a:p>
-        </p:txBody>
-      </p:sp>
-      <p:sp>
-        <p:nvSpPr>
-          <p:cNvPr id="119" name="PlaceHolder 2"/>
+            <a:pPr algn="ctr"/>
+            <a:endParaRPr b="0" lang="de-DE" sz="4400" spc="-1" strike="noStrike">
+              <a:latin typeface="Arial"/>
+            </a:endParaRPr>
+          </a:p>
+        </p:txBody>
+      </p:sp>
+      <p:sp>
+        <p:nvSpPr>
+          <p:cNvPr id="110" name="PlaceHolder 2"/>
           <p:cNvSpPr>
             <a:spLocks noGrp="1"/>
           </p:cNvSpPr>
@@ -2970,8 +2790,8 @@
         </p:nvSpPr>
         <p:spPr>
           <a:xfrm>
-            <a:off x="1097280" y="1845720"/>
-            <a:ext cx="4908240" cy="1918800"/>
+            <a:off x="609480" y="1604520"/>
+            <a:ext cx="5354280" cy="1896840"/>
           </a:xfrm>
           <a:prstGeom prst="rect">
             <a:avLst/>
@@ -2982,18 +2802,15 @@
             <a:normAutofit/>
           </a:bodyPr>
           <a:p>
-            <a:endParaRPr b="0" lang="en-US" sz="2000" spc="-1" strike="noStrike">
-              <a:solidFill>
-                <a:srgbClr val="404040"/>
-              </a:solidFill>
-              <a:latin typeface="Calibri"/>
-            </a:endParaRPr>
-          </a:p>
-        </p:txBody>
-      </p:sp>
-      <p:sp>
-        <p:nvSpPr>
-          <p:cNvPr id="120" name="PlaceHolder 3"/>
+            <a:endParaRPr b="0" lang="de-DE" sz="3200" spc="-1" strike="noStrike">
+              <a:latin typeface="Arial"/>
+            </a:endParaRPr>
+          </a:p>
+        </p:txBody>
+      </p:sp>
+      <p:sp>
+        <p:nvSpPr>
+          <p:cNvPr id="111" name="PlaceHolder 3"/>
           <p:cNvSpPr>
             <a:spLocks noGrp="1"/>
           </p:cNvSpPr>
@@ -3003,8 +2820,8 @@
         </p:nvSpPr>
         <p:spPr>
           <a:xfrm>
-            <a:off x="6251400" y="1845720"/>
-            <a:ext cx="4908240" cy="1918800"/>
+            <a:off x="6231960" y="1604520"/>
+            <a:ext cx="5354280" cy="1896840"/>
           </a:xfrm>
           <a:prstGeom prst="rect">
             <a:avLst/>
@@ -3015,18 +2832,15 @@
             <a:normAutofit/>
           </a:bodyPr>
           <a:p>
-            <a:endParaRPr b="0" lang="en-US" sz="2000" spc="-1" strike="noStrike">
-              <a:solidFill>
-                <a:srgbClr val="404040"/>
-              </a:solidFill>
-              <a:latin typeface="Calibri"/>
-            </a:endParaRPr>
-          </a:p>
-        </p:txBody>
-      </p:sp>
-      <p:sp>
-        <p:nvSpPr>
-          <p:cNvPr id="121" name="PlaceHolder 4"/>
+            <a:endParaRPr b="0" lang="de-DE" sz="3200" spc="-1" strike="noStrike">
+              <a:latin typeface="Arial"/>
+            </a:endParaRPr>
+          </a:p>
+        </p:txBody>
+      </p:sp>
+      <p:sp>
+        <p:nvSpPr>
+          <p:cNvPr id="112" name="PlaceHolder 4"/>
           <p:cNvSpPr>
             <a:spLocks noGrp="1"/>
           </p:cNvSpPr>
@@ -3036,8 +2850,8 @@
         </p:nvSpPr>
         <p:spPr>
           <a:xfrm>
-            <a:off x="1097280" y="3947040"/>
-            <a:ext cx="10058040" cy="1918800"/>
+            <a:off x="609480" y="3682080"/>
+            <a:ext cx="10972440" cy="1896840"/>
           </a:xfrm>
           <a:prstGeom prst="rect">
             <a:avLst/>
@@ -3048,11 +2862,8 @@
             <a:normAutofit/>
           </a:bodyPr>
           <a:p>
-            <a:endParaRPr b="0" lang="en-US" sz="2000" spc="-1" strike="noStrike">
-              <a:solidFill>
-                <a:srgbClr val="404040"/>
-              </a:solidFill>
-              <a:latin typeface="Calibri"/>
+            <a:endParaRPr b="0" lang="de-DE" sz="3200" spc="-1" strike="noStrike">
+              <a:latin typeface="Arial"/>
             </a:endParaRPr>
           </a:p>
         </p:txBody>
@@ -3081,7 +2892,7 @@
       </p:grpSpPr>
       <p:sp>
         <p:nvSpPr>
-          <p:cNvPr id="122" name="PlaceHolder 1"/>
+          <p:cNvPr id="113" name="PlaceHolder 1"/>
           <p:cNvSpPr>
             <a:spLocks noGrp="1"/>
           </p:cNvSpPr>
@@ -3091,8 +2902,8 @@
         </p:nvSpPr>
         <p:spPr>
           <a:xfrm>
-            <a:off x="1097280" y="286560"/>
-            <a:ext cx="10058040" cy="1450440"/>
+            <a:off x="609480" y="273600"/>
+            <a:ext cx="10972440" cy="1144800"/>
           </a:xfrm>
           <a:prstGeom prst="rect">
             <a:avLst/>
@@ -3101,18 +2912,16 @@
         <p:txBody>
           <a:bodyPr lIns="0" rIns="0" tIns="0" bIns="0" anchor="ctr"/>
           <a:p>
-            <a:endParaRPr b="0" lang="en-US" sz="1800" spc="-1" strike="noStrike">
-              <a:solidFill>
-                <a:srgbClr val="000000"/>
-              </a:solidFill>
-              <a:latin typeface="Calibri"/>
-            </a:endParaRPr>
-          </a:p>
-        </p:txBody>
-      </p:sp>
-      <p:sp>
-        <p:nvSpPr>
-          <p:cNvPr id="123" name="PlaceHolder 2"/>
+            <a:pPr algn="ctr"/>
+            <a:endParaRPr b="0" lang="de-DE" sz="4400" spc="-1" strike="noStrike">
+              <a:latin typeface="Arial"/>
+            </a:endParaRPr>
+          </a:p>
+        </p:txBody>
+      </p:sp>
+      <p:sp>
+        <p:nvSpPr>
+          <p:cNvPr id="114" name="PlaceHolder 2"/>
           <p:cNvSpPr>
             <a:spLocks noGrp="1"/>
           </p:cNvSpPr>
@@ -3122,8 +2931,8 @@
         </p:nvSpPr>
         <p:spPr>
           <a:xfrm>
-            <a:off x="1097280" y="1845720"/>
-            <a:ext cx="10058040" cy="1918800"/>
+            <a:off x="609480" y="1604520"/>
+            <a:ext cx="10972440" cy="1896840"/>
           </a:xfrm>
           <a:prstGeom prst="rect">
             <a:avLst/>
@@ -3134,18 +2943,15 @@
             <a:normAutofit/>
           </a:bodyPr>
           <a:p>
-            <a:endParaRPr b="0" lang="en-US" sz="2000" spc="-1" strike="noStrike">
-              <a:solidFill>
-                <a:srgbClr val="404040"/>
-              </a:solidFill>
-              <a:latin typeface="Calibri"/>
-            </a:endParaRPr>
-          </a:p>
-        </p:txBody>
-      </p:sp>
-      <p:sp>
-        <p:nvSpPr>
-          <p:cNvPr id="124" name="PlaceHolder 3"/>
+            <a:endParaRPr b="0" lang="de-DE" sz="3200" spc="-1" strike="noStrike">
+              <a:latin typeface="Arial"/>
+            </a:endParaRPr>
+          </a:p>
+        </p:txBody>
+      </p:sp>
+      <p:sp>
+        <p:nvSpPr>
+          <p:cNvPr id="115" name="PlaceHolder 3"/>
           <p:cNvSpPr>
             <a:spLocks noGrp="1"/>
           </p:cNvSpPr>
@@ -3155,8 +2961,8 @@
         </p:nvSpPr>
         <p:spPr>
           <a:xfrm>
-            <a:off x="1097280" y="3947040"/>
-            <a:ext cx="10058040" cy="1918800"/>
+            <a:off x="609480" y="3682080"/>
+            <a:ext cx="10972440" cy="1896840"/>
           </a:xfrm>
           <a:prstGeom prst="rect">
             <a:avLst/>
@@ -3167,11 +2973,8 @@
             <a:normAutofit/>
           </a:bodyPr>
           <a:p>
-            <a:endParaRPr b="0" lang="en-US" sz="2000" spc="-1" strike="noStrike">
-              <a:solidFill>
-                <a:srgbClr val="404040"/>
-              </a:solidFill>
-              <a:latin typeface="Calibri"/>
+            <a:endParaRPr b="0" lang="de-DE" sz="3200" spc="-1" strike="noStrike">
+              <a:latin typeface="Arial"/>
             </a:endParaRPr>
           </a:p>
         </p:txBody>
@@ -3200,7 +3003,7 @@
       </p:grpSpPr>
       <p:sp>
         <p:nvSpPr>
-          <p:cNvPr id="125" name="PlaceHolder 1"/>
+          <p:cNvPr id="116" name="PlaceHolder 1"/>
           <p:cNvSpPr>
             <a:spLocks noGrp="1"/>
           </p:cNvSpPr>
@@ -3210,8 +3013,8 @@
         </p:nvSpPr>
         <p:spPr>
           <a:xfrm>
-            <a:off x="1097280" y="286560"/>
-            <a:ext cx="10058040" cy="1450440"/>
+            <a:off x="609480" y="273600"/>
+            <a:ext cx="10972440" cy="1144800"/>
           </a:xfrm>
           <a:prstGeom prst="rect">
             <a:avLst/>
@@ -3220,18 +3023,16 @@
         <p:txBody>
           <a:bodyPr lIns="0" rIns="0" tIns="0" bIns="0" anchor="ctr"/>
           <a:p>
-            <a:endParaRPr b="0" lang="en-US" sz="1800" spc="-1" strike="noStrike">
-              <a:solidFill>
-                <a:srgbClr val="000000"/>
-              </a:solidFill>
-              <a:latin typeface="Calibri"/>
-            </a:endParaRPr>
-          </a:p>
-        </p:txBody>
-      </p:sp>
-      <p:sp>
-        <p:nvSpPr>
-          <p:cNvPr id="126" name="PlaceHolder 2"/>
+            <a:pPr algn="ctr"/>
+            <a:endParaRPr b="0" lang="de-DE" sz="4400" spc="-1" strike="noStrike">
+              <a:latin typeface="Arial"/>
+            </a:endParaRPr>
+          </a:p>
+        </p:txBody>
+      </p:sp>
+      <p:sp>
+        <p:nvSpPr>
+          <p:cNvPr id="117" name="PlaceHolder 2"/>
           <p:cNvSpPr>
             <a:spLocks noGrp="1"/>
           </p:cNvSpPr>
@@ -3241,8 +3042,8 @@
         </p:nvSpPr>
         <p:spPr>
           <a:xfrm>
-            <a:off x="1097280" y="1845720"/>
-            <a:ext cx="4908240" cy="1918800"/>
+            <a:off x="609480" y="1604520"/>
+            <a:ext cx="5354280" cy="1896840"/>
           </a:xfrm>
           <a:prstGeom prst="rect">
             <a:avLst/>
@@ -3253,18 +3054,15 @@
             <a:normAutofit/>
           </a:bodyPr>
           <a:p>
-            <a:endParaRPr b="0" lang="en-US" sz="2000" spc="-1" strike="noStrike">
-              <a:solidFill>
-                <a:srgbClr val="404040"/>
-              </a:solidFill>
-              <a:latin typeface="Calibri"/>
-            </a:endParaRPr>
-          </a:p>
-        </p:txBody>
-      </p:sp>
-      <p:sp>
-        <p:nvSpPr>
-          <p:cNvPr id="127" name="PlaceHolder 3"/>
+            <a:endParaRPr b="0" lang="de-DE" sz="3200" spc="-1" strike="noStrike">
+              <a:latin typeface="Arial"/>
+            </a:endParaRPr>
+          </a:p>
+        </p:txBody>
+      </p:sp>
+      <p:sp>
+        <p:nvSpPr>
+          <p:cNvPr id="118" name="PlaceHolder 3"/>
           <p:cNvSpPr>
             <a:spLocks noGrp="1"/>
           </p:cNvSpPr>
@@ -3274,8 +3072,8 @@
         </p:nvSpPr>
         <p:spPr>
           <a:xfrm>
-            <a:off x="6251400" y="1845720"/>
-            <a:ext cx="4908240" cy="1918800"/>
+            <a:off x="6231960" y="1604520"/>
+            <a:ext cx="5354280" cy="1896840"/>
           </a:xfrm>
           <a:prstGeom prst="rect">
             <a:avLst/>
@@ -3286,18 +3084,15 @@
             <a:normAutofit/>
           </a:bodyPr>
           <a:p>
-            <a:endParaRPr b="0" lang="en-US" sz="2000" spc="-1" strike="noStrike">
-              <a:solidFill>
-                <a:srgbClr val="404040"/>
-              </a:solidFill>
-              <a:latin typeface="Calibri"/>
-            </a:endParaRPr>
-          </a:p>
-        </p:txBody>
-      </p:sp>
-      <p:sp>
-        <p:nvSpPr>
-          <p:cNvPr id="128" name="PlaceHolder 4"/>
+            <a:endParaRPr b="0" lang="de-DE" sz="3200" spc="-1" strike="noStrike">
+              <a:latin typeface="Arial"/>
+            </a:endParaRPr>
+          </a:p>
+        </p:txBody>
+      </p:sp>
+      <p:sp>
+        <p:nvSpPr>
+          <p:cNvPr id="119" name="PlaceHolder 4"/>
           <p:cNvSpPr>
             <a:spLocks noGrp="1"/>
           </p:cNvSpPr>
@@ -3307,8 +3102,8 @@
         </p:nvSpPr>
         <p:spPr>
           <a:xfrm>
-            <a:off x="1097280" y="3947040"/>
-            <a:ext cx="4908240" cy="1918800"/>
+            <a:off x="609480" y="3682080"/>
+            <a:ext cx="5354280" cy="1896840"/>
           </a:xfrm>
           <a:prstGeom prst="rect">
             <a:avLst/>
@@ -3319,18 +3114,15 @@
             <a:normAutofit/>
           </a:bodyPr>
           <a:p>
-            <a:endParaRPr b="0" lang="en-US" sz="2000" spc="-1" strike="noStrike">
-              <a:solidFill>
-                <a:srgbClr val="404040"/>
-              </a:solidFill>
-              <a:latin typeface="Calibri"/>
-            </a:endParaRPr>
-          </a:p>
-        </p:txBody>
-      </p:sp>
-      <p:sp>
-        <p:nvSpPr>
-          <p:cNvPr id="129" name="PlaceHolder 5"/>
+            <a:endParaRPr b="0" lang="de-DE" sz="3200" spc="-1" strike="noStrike">
+              <a:latin typeface="Arial"/>
+            </a:endParaRPr>
+          </a:p>
+        </p:txBody>
+      </p:sp>
+      <p:sp>
+        <p:nvSpPr>
+          <p:cNvPr id="120" name="PlaceHolder 5"/>
           <p:cNvSpPr>
             <a:spLocks noGrp="1"/>
           </p:cNvSpPr>
@@ -3340,8 +3132,8 @@
         </p:nvSpPr>
         <p:spPr>
           <a:xfrm>
-            <a:off x="6251400" y="3947040"/>
-            <a:ext cx="4908240" cy="1918800"/>
+            <a:off x="6231960" y="3682080"/>
+            <a:ext cx="5354280" cy="1896840"/>
           </a:xfrm>
           <a:prstGeom prst="rect">
             <a:avLst/>
@@ -3352,11 +3144,8 @@
             <a:normAutofit/>
           </a:bodyPr>
           <a:p>
-            <a:endParaRPr b="0" lang="en-US" sz="2000" spc="-1" strike="noStrike">
-              <a:solidFill>
-                <a:srgbClr val="404040"/>
-              </a:solidFill>
-              <a:latin typeface="Calibri"/>
+            <a:endParaRPr b="0" lang="de-DE" sz="3200" spc="-1" strike="noStrike">
+              <a:latin typeface="Arial"/>
             </a:endParaRPr>
           </a:p>
         </p:txBody>
@@ -3385,7 +3174,7 @@
       </p:grpSpPr>
       <p:sp>
         <p:nvSpPr>
-          <p:cNvPr id="130" name="PlaceHolder 1"/>
+          <p:cNvPr id="121" name="PlaceHolder 1"/>
           <p:cNvSpPr>
             <a:spLocks noGrp="1"/>
           </p:cNvSpPr>
@@ -3395,8 +3184,8 @@
         </p:nvSpPr>
         <p:spPr>
           <a:xfrm>
-            <a:off x="1097280" y="286560"/>
-            <a:ext cx="10058040" cy="1450440"/>
+            <a:off x="609480" y="273600"/>
+            <a:ext cx="10972440" cy="1144800"/>
           </a:xfrm>
           <a:prstGeom prst="rect">
             <a:avLst/>
@@ -3405,18 +3194,16 @@
         <p:txBody>
           <a:bodyPr lIns="0" rIns="0" tIns="0" bIns="0" anchor="ctr"/>
           <a:p>
-            <a:endParaRPr b="0" lang="en-US" sz="1800" spc="-1" strike="noStrike">
-              <a:solidFill>
-                <a:srgbClr val="000000"/>
-              </a:solidFill>
-              <a:latin typeface="Calibri"/>
-            </a:endParaRPr>
-          </a:p>
-        </p:txBody>
-      </p:sp>
-      <p:sp>
-        <p:nvSpPr>
-          <p:cNvPr id="131" name="PlaceHolder 2"/>
+            <a:pPr algn="ctr"/>
+            <a:endParaRPr b="0" lang="de-DE" sz="4400" spc="-1" strike="noStrike">
+              <a:latin typeface="Arial"/>
+            </a:endParaRPr>
+          </a:p>
+        </p:txBody>
+      </p:sp>
+      <p:sp>
+        <p:nvSpPr>
+          <p:cNvPr id="122" name="PlaceHolder 2"/>
           <p:cNvSpPr>
             <a:spLocks noGrp="1"/>
           </p:cNvSpPr>
@@ -3426,8 +3213,8 @@
         </p:nvSpPr>
         <p:spPr>
           <a:xfrm>
-            <a:off x="1097280" y="1845720"/>
-            <a:ext cx="3238560" cy="1918800"/>
+            <a:off x="609480" y="1604520"/>
+            <a:ext cx="3533040" cy="1896840"/>
           </a:xfrm>
           <a:prstGeom prst="rect">
             <a:avLst/>
@@ -3438,18 +3225,15 @@
             <a:normAutofit/>
           </a:bodyPr>
           <a:p>
-            <a:endParaRPr b="0" lang="en-US" sz="2000" spc="-1" strike="noStrike">
-              <a:solidFill>
-                <a:srgbClr val="404040"/>
-              </a:solidFill>
-              <a:latin typeface="Calibri"/>
-            </a:endParaRPr>
-          </a:p>
-        </p:txBody>
-      </p:sp>
-      <p:sp>
-        <p:nvSpPr>
-          <p:cNvPr id="132" name="PlaceHolder 3"/>
+            <a:endParaRPr b="0" lang="de-DE" sz="3200" spc="-1" strike="noStrike">
+              <a:latin typeface="Arial"/>
+            </a:endParaRPr>
+          </a:p>
+        </p:txBody>
+      </p:sp>
+      <p:sp>
+        <p:nvSpPr>
+          <p:cNvPr id="123" name="PlaceHolder 3"/>
           <p:cNvSpPr>
             <a:spLocks noGrp="1"/>
           </p:cNvSpPr>
@@ -3459,8 +3243,8 @@
         </p:nvSpPr>
         <p:spPr>
           <a:xfrm>
-            <a:off x="4498200" y="1845720"/>
-            <a:ext cx="3238560" cy="1918800"/>
+            <a:off x="4319640" y="1604520"/>
+            <a:ext cx="3533040" cy="1896840"/>
           </a:xfrm>
           <a:prstGeom prst="rect">
             <a:avLst/>
@@ -3471,18 +3255,15 @@
             <a:normAutofit/>
           </a:bodyPr>
           <a:p>
-            <a:endParaRPr b="0" lang="en-US" sz="2000" spc="-1" strike="noStrike">
-              <a:solidFill>
-                <a:srgbClr val="404040"/>
-              </a:solidFill>
-              <a:latin typeface="Calibri"/>
-            </a:endParaRPr>
-          </a:p>
-        </p:txBody>
-      </p:sp>
-      <p:sp>
-        <p:nvSpPr>
-          <p:cNvPr id="133" name="PlaceHolder 4"/>
+            <a:endParaRPr b="0" lang="de-DE" sz="3200" spc="-1" strike="noStrike">
+              <a:latin typeface="Arial"/>
+            </a:endParaRPr>
+          </a:p>
+        </p:txBody>
+      </p:sp>
+      <p:sp>
+        <p:nvSpPr>
+          <p:cNvPr id="124" name="PlaceHolder 4"/>
           <p:cNvSpPr>
             <a:spLocks noGrp="1"/>
           </p:cNvSpPr>
@@ -3492,8 +3273,8 @@
         </p:nvSpPr>
         <p:spPr>
           <a:xfrm>
-            <a:off x="7899120" y="1845720"/>
-            <a:ext cx="3238560" cy="1918800"/>
+            <a:off x="8029800" y="1604520"/>
+            <a:ext cx="3533040" cy="1896840"/>
           </a:xfrm>
           <a:prstGeom prst="rect">
             <a:avLst/>
@@ -3504,18 +3285,15 @@
             <a:normAutofit/>
           </a:bodyPr>
           <a:p>
-            <a:endParaRPr b="0" lang="en-US" sz="2000" spc="-1" strike="noStrike">
-              <a:solidFill>
-                <a:srgbClr val="404040"/>
-              </a:solidFill>
-              <a:latin typeface="Calibri"/>
-            </a:endParaRPr>
-          </a:p>
-        </p:txBody>
-      </p:sp>
-      <p:sp>
-        <p:nvSpPr>
-          <p:cNvPr id="134" name="PlaceHolder 5"/>
+            <a:endParaRPr b="0" lang="de-DE" sz="3200" spc="-1" strike="noStrike">
+              <a:latin typeface="Arial"/>
+            </a:endParaRPr>
+          </a:p>
+        </p:txBody>
+      </p:sp>
+      <p:sp>
+        <p:nvSpPr>
+          <p:cNvPr id="125" name="PlaceHolder 5"/>
           <p:cNvSpPr>
             <a:spLocks noGrp="1"/>
           </p:cNvSpPr>
@@ -3525,8 +3303,8 @@
         </p:nvSpPr>
         <p:spPr>
           <a:xfrm>
-            <a:off x="1097280" y="3947040"/>
-            <a:ext cx="3238560" cy="1918800"/>
+            <a:off x="609480" y="3682080"/>
+            <a:ext cx="3533040" cy="1896840"/>
           </a:xfrm>
           <a:prstGeom prst="rect">
             <a:avLst/>
@@ -3537,18 +3315,15 @@
             <a:normAutofit/>
           </a:bodyPr>
           <a:p>
-            <a:endParaRPr b="0" lang="en-US" sz="2000" spc="-1" strike="noStrike">
-              <a:solidFill>
-                <a:srgbClr val="404040"/>
-              </a:solidFill>
-              <a:latin typeface="Calibri"/>
-            </a:endParaRPr>
-          </a:p>
-        </p:txBody>
-      </p:sp>
-      <p:sp>
-        <p:nvSpPr>
-          <p:cNvPr id="135" name="PlaceHolder 6"/>
+            <a:endParaRPr b="0" lang="de-DE" sz="3200" spc="-1" strike="noStrike">
+              <a:latin typeface="Arial"/>
+            </a:endParaRPr>
+          </a:p>
+        </p:txBody>
+      </p:sp>
+      <p:sp>
+        <p:nvSpPr>
+          <p:cNvPr id="126" name="PlaceHolder 6"/>
           <p:cNvSpPr>
             <a:spLocks noGrp="1"/>
           </p:cNvSpPr>
@@ -3558,8 +3333,8 @@
         </p:nvSpPr>
         <p:spPr>
           <a:xfrm>
-            <a:off x="4498200" y="3947040"/>
-            <a:ext cx="3238560" cy="1918800"/>
+            <a:off x="4319640" y="3682080"/>
+            <a:ext cx="3533040" cy="1896840"/>
           </a:xfrm>
           <a:prstGeom prst="rect">
             <a:avLst/>
@@ -3570,18 +3345,15 @@
             <a:normAutofit/>
           </a:bodyPr>
           <a:p>
-            <a:endParaRPr b="0" lang="en-US" sz="2000" spc="-1" strike="noStrike">
-              <a:solidFill>
-                <a:srgbClr val="404040"/>
-              </a:solidFill>
-              <a:latin typeface="Calibri"/>
-            </a:endParaRPr>
-          </a:p>
-        </p:txBody>
-      </p:sp>
-      <p:sp>
-        <p:nvSpPr>
-          <p:cNvPr id="136" name="PlaceHolder 7"/>
+            <a:endParaRPr b="0" lang="de-DE" sz="3200" spc="-1" strike="noStrike">
+              <a:latin typeface="Arial"/>
+            </a:endParaRPr>
+          </a:p>
+        </p:txBody>
+      </p:sp>
+      <p:sp>
+        <p:nvSpPr>
+          <p:cNvPr id="127" name="PlaceHolder 7"/>
           <p:cNvSpPr>
             <a:spLocks noGrp="1"/>
           </p:cNvSpPr>
@@ -3591,8 +3363,8 @@
         </p:nvSpPr>
         <p:spPr>
           <a:xfrm>
-            <a:off x="7899120" y="3947040"/>
-            <a:ext cx="3238560" cy="1918800"/>
+            <a:off x="8029800" y="3682080"/>
+            <a:ext cx="3533040" cy="1896840"/>
           </a:xfrm>
           <a:prstGeom prst="rect">
             <a:avLst/>
@@ -3603,11 +3375,8 @@
             <a:normAutofit/>
           </a:bodyPr>
           <a:p>
-            <a:endParaRPr b="0" lang="en-US" sz="2000" spc="-1" strike="noStrike">
-              <a:solidFill>
-                <a:srgbClr val="404040"/>
-              </a:solidFill>
-              <a:latin typeface="Calibri"/>
+            <a:endParaRPr b="0" lang="de-DE" sz="3200" spc="-1" strike="noStrike">
+              <a:latin typeface="Arial"/>
             </a:endParaRPr>
           </a:p>
         </p:txBody>
@@ -3636,7 +3405,7 @@
       </p:grpSpPr>
       <p:sp>
         <p:nvSpPr>
-          <p:cNvPr id="15" name="PlaceHolder 1"/>
+          <p:cNvPr id="12" name="PlaceHolder 1"/>
           <p:cNvSpPr>
             <a:spLocks noGrp="1"/>
           </p:cNvSpPr>
@@ -3646,8 +3415,8 @@
         </p:nvSpPr>
         <p:spPr>
           <a:xfrm>
-            <a:off x="1097280" y="286560"/>
-            <a:ext cx="10058040" cy="1450440"/>
+            <a:off x="609480" y="273600"/>
+            <a:ext cx="10972440" cy="1144800"/>
           </a:xfrm>
           <a:prstGeom prst="rect">
             <a:avLst/>
@@ -3656,18 +3425,16 @@
         <p:txBody>
           <a:bodyPr lIns="0" rIns="0" tIns="0" bIns="0" anchor="ctr"/>
           <a:p>
-            <a:endParaRPr b="0" lang="en-US" sz="1800" spc="-1" strike="noStrike">
-              <a:solidFill>
-                <a:srgbClr val="000000"/>
-              </a:solidFill>
-              <a:latin typeface="Calibri"/>
-            </a:endParaRPr>
-          </a:p>
-        </p:txBody>
-      </p:sp>
-      <p:sp>
-        <p:nvSpPr>
-          <p:cNvPr id="16" name="PlaceHolder 2"/>
+            <a:pPr algn="ctr"/>
+            <a:endParaRPr b="0" lang="de-DE" sz="4400" spc="-1" strike="noStrike">
+              <a:latin typeface="Arial"/>
+            </a:endParaRPr>
+          </a:p>
+        </p:txBody>
+      </p:sp>
+      <p:sp>
+        <p:nvSpPr>
+          <p:cNvPr id="13" name="PlaceHolder 2"/>
           <p:cNvSpPr>
             <a:spLocks noGrp="1"/>
           </p:cNvSpPr>
@@ -3677,8 +3444,8 @@
         </p:nvSpPr>
         <p:spPr>
           <a:xfrm>
-            <a:off x="1097280" y="1845720"/>
-            <a:ext cx="4908240" cy="4023000"/>
+            <a:off x="609480" y="1604520"/>
+            <a:ext cx="5354280" cy="3977280"/>
           </a:xfrm>
           <a:prstGeom prst="rect">
             <a:avLst/>
@@ -3689,18 +3456,15 @@
             <a:normAutofit/>
           </a:bodyPr>
           <a:p>
-            <a:endParaRPr b="0" lang="en-US" sz="2000" spc="-1" strike="noStrike">
-              <a:solidFill>
-                <a:srgbClr val="404040"/>
-              </a:solidFill>
-              <a:latin typeface="Calibri"/>
-            </a:endParaRPr>
-          </a:p>
-        </p:txBody>
-      </p:sp>
-      <p:sp>
-        <p:nvSpPr>
-          <p:cNvPr id="17" name="PlaceHolder 3"/>
+            <a:endParaRPr b="0" lang="de-DE" sz="3200" spc="-1" strike="noStrike">
+              <a:latin typeface="Arial"/>
+            </a:endParaRPr>
+          </a:p>
+        </p:txBody>
+      </p:sp>
+      <p:sp>
+        <p:nvSpPr>
+          <p:cNvPr id="14" name="PlaceHolder 3"/>
           <p:cNvSpPr>
             <a:spLocks noGrp="1"/>
           </p:cNvSpPr>
@@ -3710,8 +3474,8 @@
         </p:nvSpPr>
         <p:spPr>
           <a:xfrm>
-            <a:off x="6251400" y="1845720"/>
-            <a:ext cx="4908240" cy="4023000"/>
+            <a:off x="6231960" y="1604520"/>
+            <a:ext cx="5354280" cy="3977280"/>
           </a:xfrm>
           <a:prstGeom prst="rect">
             <a:avLst/>
@@ -3722,11 +3486,8 @@
             <a:normAutofit/>
           </a:bodyPr>
           <a:p>
-            <a:endParaRPr b="0" lang="en-US" sz="2000" spc="-1" strike="noStrike">
-              <a:solidFill>
-                <a:srgbClr val="404040"/>
-              </a:solidFill>
-              <a:latin typeface="Calibri"/>
+            <a:endParaRPr b="0" lang="de-DE" sz="3200" spc="-1" strike="noStrike">
+              <a:latin typeface="Arial"/>
             </a:endParaRPr>
           </a:p>
         </p:txBody>
@@ -3755,7 +3516,7 @@
       </p:grpSpPr>
       <p:sp>
         <p:nvSpPr>
-          <p:cNvPr id="18" name="PlaceHolder 1"/>
+          <p:cNvPr id="15" name="PlaceHolder 1"/>
           <p:cNvSpPr>
             <a:spLocks noGrp="1"/>
           </p:cNvSpPr>
@@ -3765,8 +3526,8 @@
         </p:nvSpPr>
         <p:spPr>
           <a:xfrm>
-            <a:off x="1097280" y="286560"/>
-            <a:ext cx="10058040" cy="1450440"/>
+            <a:off x="609480" y="273600"/>
+            <a:ext cx="10972440" cy="1144800"/>
           </a:xfrm>
           <a:prstGeom prst="rect">
             <a:avLst/>
@@ -3775,11 +3536,9 @@
         <p:txBody>
           <a:bodyPr lIns="0" rIns="0" tIns="0" bIns="0" anchor="ctr"/>
           <a:p>
-            <a:endParaRPr b="0" lang="en-US" sz="1800" spc="-1" strike="noStrike">
-              <a:solidFill>
-                <a:srgbClr val="000000"/>
-              </a:solidFill>
-              <a:latin typeface="Calibri"/>
+            <a:pPr algn="ctr"/>
+            <a:endParaRPr b="0" lang="de-DE" sz="4400" spc="-1" strike="noStrike">
+              <a:latin typeface="Arial"/>
             </a:endParaRPr>
           </a:p>
         </p:txBody>
@@ -3808,7 +3567,7 @@
       </p:grpSpPr>
       <p:sp>
         <p:nvSpPr>
-          <p:cNvPr id="19" name="PlaceHolder 1"/>
+          <p:cNvPr id="16" name="PlaceHolder 1"/>
           <p:cNvSpPr>
             <a:spLocks noGrp="1"/>
           </p:cNvSpPr>
@@ -3818,8 +3577,8 @@
         </p:nvSpPr>
         <p:spPr>
           <a:xfrm>
-            <a:off x="1097280" y="286560"/>
-            <a:ext cx="10058040" cy="6724800"/>
+            <a:off x="609480" y="273600"/>
+            <a:ext cx="10972440" cy="5307840"/>
           </a:xfrm>
           <a:prstGeom prst="rect">
             <a:avLst/>
@@ -3859,7 +3618,7 @@
       </p:grpSpPr>
       <p:sp>
         <p:nvSpPr>
-          <p:cNvPr id="20" name="PlaceHolder 1"/>
+          <p:cNvPr id="17" name="PlaceHolder 1"/>
           <p:cNvSpPr>
             <a:spLocks noGrp="1"/>
           </p:cNvSpPr>
@@ -3869,8 +3628,8 @@
         </p:nvSpPr>
         <p:spPr>
           <a:xfrm>
-            <a:off x="1097280" y="286560"/>
-            <a:ext cx="10058040" cy="1450440"/>
+            <a:off x="609480" y="273600"/>
+            <a:ext cx="10972440" cy="1144800"/>
           </a:xfrm>
           <a:prstGeom prst="rect">
             <a:avLst/>
@@ -3879,18 +3638,16 @@
         <p:txBody>
           <a:bodyPr lIns="0" rIns="0" tIns="0" bIns="0" anchor="ctr"/>
           <a:p>
-            <a:endParaRPr b="0" lang="en-US" sz="1800" spc="-1" strike="noStrike">
-              <a:solidFill>
-                <a:srgbClr val="000000"/>
-              </a:solidFill>
-              <a:latin typeface="Calibri"/>
-            </a:endParaRPr>
-          </a:p>
-        </p:txBody>
-      </p:sp>
-      <p:sp>
-        <p:nvSpPr>
-          <p:cNvPr id="21" name="PlaceHolder 2"/>
+            <a:pPr algn="ctr"/>
+            <a:endParaRPr b="0" lang="de-DE" sz="4400" spc="-1" strike="noStrike">
+              <a:latin typeface="Arial"/>
+            </a:endParaRPr>
+          </a:p>
+        </p:txBody>
+      </p:sp>
+      <p:sp>
+        <p:nvSpPr>
+          <p:cNvPr id="18" name="PlaceHolder 2"/>
           <p:cNvSpPr>
             <a:spLocks noGrp="1"/>
           </p:cNvSpPr>
@@ -3900,8 +3657,8 @@
         </p:nvSpPr>
         <p:spPr>
           <a:xfrm>
-            <a:off x="1097280" y="1845720"/>
-            <a:ext cx="4908240" cy="1918800"/>
+            <a:off x="609480" y="1604520"/>
+            <a:ext cx="5354280" cy="1896840"/>
           </a:xfrm>
           <a:prstGeom prst="rect">
             <a:avLst/>
@@ -3912,18 +3669,15 @@
             <a:normAutofit/>
           </a:bodyPr>
           <a:p>
-            <a:endParaRPr b="0" lang="en-US" sz="2000" spc="-1" strike="noStrike">
-              <a:solidFill>
-                <a:srgbClr val="404040"/>
-              </a:solidFill>
-              <a:latin typeface="Calibri"/>
-            </a:endParaRPr>
-          </a:p>
-        </p:txBody>
-      </p:sp>
-      <p:sp>
-        <p:nvSpPr>
-          <p:cNvPr id="22" name="PlaceHolder 3"/>
+            <a:endParaRPr b="0" lang="de-DE" sz="3200" spc="-1" strike="noStrike">
+              <a:latin typeface="Arial"/>
+            </a:endParaRPr>
+          </a:p>
+        </p:txBody>
+      </p:sp>
+      <p:sp>
+        <p:nvSpPr>
+          <p:cNvPr id="19" name="PlaceHolder 3"/>
           <p:cNvSpPr>
             <a:spLocks noGrp="1"/>
           </p:cNvSpPr>
@@ -3933,8 +3687,8 @@
         </p:nvSpPr>
         <p:spPr>
           <a:xfrm>
-            <a:off x="6251400" y="1845720"/>
-            <a:ext cx="4908240" cy="4023000"/>
+            <a:off x="6231960" y="1604520"/>
+            <a:ext cx="5354280" cy="3977280"/>
           </a:xfrm>
           <a:prstGeom prst="rect">
             <a:avLst/>
@@ -3945,18 +3699,15 @@
             <a:normAutofit/>
           </a:bodyPr>
           <a:p>
-            <a:endParaRPr b="0" lang="en-US" sz="2000" spc="-1" strike="noStrike">
-              <a:solidFill>
-                <a:srgbClr val="404040"/>
-              </a:solidFill>
-              <a:latin typeface="Calibri"/>
-            </a:endParaRPr>
-          </a:p>
-        </p:txBody>
-      </p:sp>
-      <p:sp>
-        <p:nvSpPr>
-          <p:cNvPr id="23" name="PlaceHolder 4"/>
+            <a:endParaRPr b="0" lang="de-DE" sz="3200" spc="-1" strike="noStrike">
+              <a:latin typeface="Arial"/>
+            </a:endParaRPr>
+          </a:p>
+        </p:txBody>
+      </p:sp>
+      <p:sp>
+        <p:nvSpPr>
+          <p:cNvPr id="20" name="PlaceHolder 4"/>
           <p:cNvSpPr>
             <a:spLocks noGrp="1"/>
           </p:cNvSpPr>
@@ -3966,8 +3717,8 @@
         </p:nvSpPr>
         <p:spPr>
           <a:xfrm>
-            <a:off x="1097280" y="3947040"/>
-            <a:ext cx="4908240" cy="1918800"/>
+            <a:off x="609480" y="3682080"/>
+            <a:ext cx="5354280" cy="1896840"/>
           </a:xfrm>
           <a:prstGeom prst="rect">
             <a:avLst/>
@@ -3978,11 +3729,8 @@
             <a:normAutofit/>
           </a:bodyPr>
           <a:p>
-            <a:endParaRPr b="0" lang="en-US" sz="2000" spc="-1" strike="noStrike">
-              <a:solidFill>
-                <a:srgbClr val="404040"/>
-              </a:solidFill>
-              <a:latin typeface="Calibri"/>
+            <a:endParaRPr b="0" lang="de-DE" sz="3200" spc="-1" strike="noStrike">
+              <a:latin typeface="Arial"/>
             </a:endParaRPr>
           </a:p>
         </p:txBody>
@@ -4011,7 +3759,7 @@
       </p:grpSpPr>
       <p:sp>
         <p:nvSpPr>
-          <p:cNvPr id="24" name="PlaceHolder 1"/>
+          <p:cNvPr id="21" name="PlaceHolder 1"/>
           <p:cNvSpPr>
             <a:spLocks noGrp="1"/>
           </p:cNvSpPr>
@@ -4021,8 +3769,8 @@
         </p:nvSpPr>
         <p:spPr>
           <a:xfrm>
-            <a:off x="1097280" y="286560"/>
-            <a:ext cx="10058040" cy="1450440"/>
+            <a:off x="609480" y="273600"/>
+            <a:ext cx="10972440" cy="1144800"/>
           </a:xfrm>
           <a:prstGeom prst="rect">
             <a:avLst/>
@@ -4031,18 +3779,16 @@
         <p:txBody>
           <a:bodyPr lIns="0" rIns="0" tIns="0" bIns="0" anchor="ctr"/>
           <a:p>
-            <a:endParaRPr b="0" lang="en-US" sz="1800" spc="-1" strike="noStrike">
-              <a:solidFill>
-                <a:srgbClr val="000000"/>
-              </a:solidFill>
-              <a:latin typeface="Calibri"/>
-            </a:endParaRPr>
-          </a:p>
-        </p:txBody>
-      </p:sp>
-      <p:sp>
-        <p:nvSpPr>
-          <p:cNvPr id="25" name="PlaceHolder 2"/>
+            <a:pPr algn="ctr"/>
+            <a:endParaRPr b="0" lang="de-DE" sz="4400" spc="-1" strike="noStrike">
+              <a:latin typeface="Arial"/>
+            </a:endParaRPr>
+          </a:p>
+        </p:txBody>
+      </p:sp>
+      <p:sp>
+        <p:nvSpPr>
+          <p:cNvPr id="22" name="PlaceHolder 2"/>
           <p:cNvSpPr>
             <a:spLocks noGrp="1"/>
           </p:cNvSpPr>
@@ -4052,8 +3798,8 @@
         </p:nvSpPr>
         <p:spPr>
           <a:xfrm>
-            <a:off x="1097280" y="1845720"/>
-            <a:ext cx="4908240" cy="4023000"/>
+            <a:off x="609480" y="1604520"/>
+            <a:ext cx="5354280" cy="3977280"/>
           </a:xfrm>
           <a:prstGeom prst="rect">
             <a:avLst/>
@@ -4064,18 +3810,15 @@
             <a:normAutofit/>
           </a:bodyPr>
           <a:p>
-            <a:endParaRPr b="0" lang="en-US" sz="2000" spc="-1" strike="noStrike">
-              <a:solidFill>
-                <a:srgbClr val="404040"/>
-              </a:solidFill>
-              <a:latin typeface="Calibri"/>
-            </a:endParaRPr>
-          </a:p>
-        </p:txBody>
-      </p:sp>
-      <p:sp>
-        <p:nvSpPr>
-          <p:cNvPr id="26" name="PlaceHolder 3"/>
+            <a:endParaRPr b="0" lang="de-DE" sz="3200" spc="-1" strike="noStrike">
+              <a:latin typeface="Arial"/>
+            </a:endParaRPr>
+          </a:p>
+        </p:txBody>
+      </p:sp>
+      <p:sp>
+        <p:nvSpPr>
+          <p:cNvPr id="23" name="PlaceHolder 3"/>
           <p:cNvSpPr>
             <a:spLocks noGrp="1"/>
           </p:cNvSpPr>
@@ -4085,8 +3828,8 @@
         </p:nvSpPr>
         <p:spPr>
           <a:xfrm>
-            <a:off x="6251400" y="1845720"/>
-            <a:ext cx="4908240" cy="1918800"/>
+            <a:off x="6231960" y="1604520"/>
+            <a:ext cx="5354280" cy="1896840"/>
           </a:xfrm>
           <a:prstGeom prst="rect">
             <a:avLst/>
@@ -4097,18 +3840,15 @@
             <a:normAutofit/>
           </a:bodyPr>
           <a:p>
-            <a:endParaRPr b="0" lang="en-US" sz="2000" spc="-1" strike="noStrike">
-              <a:solidFill>
-                <a:srgbClr val="404040"/>
-              </a:solidFill>
-              <a:latin typeface="Calibri"/>
-            </a:endParaRPr>
-          </a:p>
-        </p:txBody>
-      </p:sp>
-      <p:sp>
-        <p:nvSpPr>
-          <p:cNvPr id="27" name="PlaceHolder 4"/>
+            <a:endParaRPr b="0" lang="de-DE" sz="3200" spc="-1" strike="noStrike">
+              <a:latin typeface="Arial"/>
+            </a:endParaRPr>
+          </a:p>
+        </p:txBody>
+      </p:sp>
+      <p:sp>
+        <p:nvSpPr>
+          <p:cNvPr id="24" name="PlaceHolder 4"/>
           <p:cNvSpPr>
             <a:spLocks noGrp="1"/>
           </p:cNvSpPr>
@@ -4118,8 +3858,8 @@
         </p:nvSpPr>
         <p:spPr>
           <a:xfrm>
-            <a:off x="6251400" y="3947040"/>
-            <a:ext cx="4908240" cy="1918800"/>
+            <a:off x="6231960" y="3682080"/>
+            <a:ext cx="5354280" cy="1896840"/>
           </a:xfrm>
           <a:prstGeom prst="rect">
             <a:avLst/>
@@ -4130,11 +3870,8 @@
             <a:normAutofit/>
           </a:bodyPr>
           <a:p>
-            <a:endParaRPr b="0" lang="en-US" sz="2000" spc="-1" strike="noStrike">
-              <a:solidFill>
-                <a:srgbClr val="404040"/>
-              </a:solidFill>
-              <a:latin typeface="Calibri"/>
+            <a:endParaRPr b="0" lang="de-DE" sz="3200" spc="-1" strike="noStrike">
+              <a:latin typeface="Arial"/>
             </a:endParaRPr>
           </a:p>
         </p:txBody>
@@ -4163,7 +3900,7 @@
       </p:grpSpPr>
       <p:sp>
         <p:nvSpPr>
-          <p:cNvPr id="28" name="PlaceHolder 1"/>
+          <p:cNvPr id="25" name="PlaceHolder 1"/>
           <p:cNvSpPr>
             <a:spLocks noGrp="1"/>
           </p:cNvSpPr>
@@ -4173,8 +3910,8 @@
         </p:nvSpPr>
         <p:spPr>
           <a:xfrm>
-            <a:off x="1097280" y="286560"/>
-            <a:ext cx="10058040" cy="1450440"/>
+            <a:off x="609480" y="273600"/>
+            <a:ext cx="10972440" cy="1144800"/>
           </a:xfrm>
           <a:prstGeom prst="rect">
             <a:avLst/>
@@ -4183,18 +3920,16 @@
         <p:txBody>
           <a:bodyPr lIns="0" rIns="0" tIns="0" bIns="0" anchor="ctr"/>
           <a:p>
-            <a:endParaRPr b="0" lang="en-US" sz="1800" spc="-1" strike="noStrike">
-              <a:solidFill>
-                <a:srgbClr val="000000"/>
-              </a:solidFill>
-              <a:latin typeface="Calibri"/>
-            </a:endParaRPr>
-          </a:p>
-        </p:txBody>
-      </p:sp>
-      <p:sp>
-        <p:nvSpPr>
-          <p:cNvPr id="29" name="PlaceHolder 2"/>
+            <a:pPr algn="ctr"/>
+            <a:endParaRPr b="0" lang="de-DE" sz="4400" spc="-1" strike="noStrike">
+              <a:latin typeface="Arial"/>
+            </a:endParaRPr>
+          </a:p>
+        </p:txBody>
+      </p:sp>
+      <p:sp>
+        <p:nvSpPr>
+          <p:cNvPr id="26" name="PlaceHolder 2"/>
           <p:cNvSpPr>
             <a:spLocks noGrp="1"/>
           </p:cNvSpPr>
@@ -4204,8 +3939,8 @@
         </p:nvSpPr>
         <p:spPr>
           <a:xfrm>
-            <a:off x="1097280" y="1845720"/>
-            <a:ext cx="4908240" cy="1918800"/>
+            <a:off x="609480" y="1604520"/>
+            <a:ext cx="5354280" cy="1896840"/>
           </a:xfrm>
           <a:prstGeom prst="rect">
             <a:avLst/>
@@ -4216,18 +3951,15 @@
             <a:normAutofit/>
           </a:bodyPr>
           <a:p>
-            <a:endParaRPr b="0" lang="en-US" sz="2000" spc="-1" strike="noStrike">
-              <a:solidFill>
-                <a:srgbClr val="404040"/>
-              </a:solidFill>
-              <a:latin typeface="Calibri"/>
-            </a:endParaRPr>
-          </a:p>
-        </p:txBody>
-      </p:sp>
-      <p:sp>
-        <p:nvSpPr>
-          <p:cNvPr id="30" name="PlaceHolder 3"/>
+            <a:endParaRPr b="0" lang="de-DE" sz="3200" spc="-1" strike="noStrike">
+              <a:latin typeface="Arial"/>
+            </a:endParaRPr>
+          </a:p>
+        </p:txBody>
+      </p:sp>
+      <p:sp>
+        <p:nvSpPr>
+          <p:cNvPr id="27" name="PlaceHolder 3"/>
           <p:cNvSpPr>
             <a:spLocks noGrp="1"/>
           </p:cNvSpPr>
@@ -4237,8 +3969,8 @@
         </p:nvSpPr>
         <p:spPr>
           <a:xfrm>
-            <a:off x="6251400" y="1845720"/>
-            <a:ext cx="4908240" cy="1918800"/>
+            <a:off x="6231960" y="1604520"/>
+            <a:ext cx="5354280" cy="1896840"/>
           </a:xfrm>
           <a:prstGeom prst="rect">
             <a:avLst/>
@@ -4249,18 +3981,15 @@
             <a:normAutofit/>
           </a:bodyPr>
           <a:p>
-            <a:endParaRPr b="0" lang="en-US" sz="2000" spc="-1" strike="noStrike">
-              <a:solidFill>
-                <a:srgbClr val="404040"/>
-              </a:solidFill>
-              <a:latin typeface="Calibri"/>
-            </a:endParaRPr>
-          </a:p>
-        </p:txBody>
-      </p:sp>
-      <p:sp>
-        <p:nvSpPr>
-          <p:cNvPr id="31" name="PlaceHolder 4"/>
+            <a:endParaRPr b="0" lang="de-DE" sz="3200" spc="-1" strike="noStrike">
+              <a:latin typeface="Arial"/>
+            </a:endParaRPr>
+          </a:p>
+        </p:txBody>
+      </p:sp>
+      <p:sp>
+        <p:nvSpPr>
+          <p:cNvPr id="28" name="PlaceHolder 4"/>
           <p:cNvSpPr>
             <a:spLocks noGrp="1"/>
           </p:cNvSpPr>
@@ -4270,8 +3999,8 @@
         </p:nvSpPr>
         <p:spPr>
           <a:xfrm>
-            <a:off x="1097280" y="3947040"/>
-            <a:ext cx="10058040" cy="1918800"/>
+            <a:off x="609480" y="3682080"/>
+            <a:ext cx="10972440" cy="1896840"/>
           </a:xfrm>
           <a:prstGeom prst="rect">
             <a:avLst/>
@@ -4282,11 +4011,8 @@
             <a:normAutofit/>
           </a:bodyPr>
           <a:p>
-            <a:endParaRPr b="0" lang="en-US" sz="2000" spc="-1" strike="noStrike">
-              <a:solidFill>
-                <a:srgbClr val="404040"/>
-              </a:solidFill>
-              <a:latin typeface="Calibri"/>
+            <a:endParaRPr b="0" lang="de-DE" sz="3200" spc="-1" strike="noStrike">
+              <a:latin typeface="Arial"/>
             </a:endParaRPr>
           </a:p>
         </p:txBody>
@@ -4329,7 +4055,7 @@
         <p:spPr>
           <a:xfrm>
             <a:off x="0" y="6400800"/>
-            <a:ext cx="12191760" cy="456840"/>
+            <a:ext cx="12191040" cy="456120"/>
           </a:xfrm>
           <a:prstGeom prst="rect">
             <a:avLst/>
@@ -4365,7 +4091,7 @@
         <p:spPr>
           <a:xfrm>
             <a:off x="0" y="6334200"/>
-            <a:ext cx="12191760" cy="65520"/>
+            <a:ext cx="12191040" cy="64800"/>
           </a:xfrm>
           <a:prstGeom prst="rect">
             <a:avLst/>
@@ -4438,7 +4164,7 @@
         <p:spPr>
           <a:xfrm>
             <a:off x="3240" y="6400800"/>
-            <a:ext cx="12188520" cy="456840"/>
+            <a:ext cx="12187800" cy="456120"/>
           </a:xfrm>
           <a:prstGeom prst="rect">
             <a:avLst/>
@@ -4474,7 +4200,7 @@
         <p:spPr>
           <a:xfrm>
             <a:off x="0" y="6334200"/>
-            <a:ext cx="12188520" cy="63720"/>
+            <a:ext cx="12187800" cy="63000"/>
           </a:xfrm>
           <a:prstGeom prst="rect">
             <a:avLst/>
@@ -4503,166 +4229,7 @@
       </p:sp>
       <p:sp>
         <p:nvSpPr>
-          <p:cNvPr id="5" name="PlaceHolder 6"/>
-          <p:cNvSpPr>
-            <a:spLocks noGrp="1"/>
-          </p:cNvSpPr>
-          <p:nvPr>
-            <p:ph type="title"/>
-          </p:nvPr>
-        </p:nvSpPr>
-        <p:spPr>
-          <a:xfrm>
-            <a:off x="1097280" y="758880"/>
-            <a:ext cx="10058040" cy="3565800"/>
-          </a:xfrm>
-          <a:prstGeom prst="rect">
-            <a:avLst/>
-          </a:prstGeom>
-        </p:spPr>
-        <p:txBody>
-          <a:bodyPr anchor="b">
-            <a:normAutofit/>
-          </a:bodyPr>
-          <a:p>
-            <a:pPr>
-              <a:lnSpc>
-                <a:spcPct val="85000"/>
-              </a:lnSpc>
-            </a:pPr>
-            <a:r>
-              <a:rPr b="0" lang="en-US" sz="8000" spc="-49" strike="noStrike">
-                <a:solidFill>
-                  <a:srgbClr val="262626"/>
-                </a:solidFill>
-                <a:latin typeface="Calibri Light"/>
-              </a:rPr>
-              <a:t>Mastertitelformat bearbeiten</a:t>
-            </a:r>
-            <a:endParaRPr b="0" lang="en-US" sz="8000" spc="-1" strike="noStrike">
-              <a:solidFill>
-                <a:srgbClr val="000000"/>
-              </a:solidFill>
-              <a:latin typeface="Calibri"/>
-            </a:endParaRPr>
-          </a:p>
-        </p:txBody>
-      </p:sp>
-      <p:sp>
-        <p:nvSpPr>
-          <p:cNvPr id="6" name="PlaceHolder 7"/>
-          <p:cNvSpPr>
-            <a:spLocks noGrp="1"/>
-          </p:cNvSpPr>
-          <p:nvPr>
-            <p:ph type="dt"/>
-          </p:nvPr>
-        </p:nvSpPr>
-        <p:spPr>
-          <a:xfrm>
-            <a:off x="1097280" y="6459840"/>
-            <a:ext cx="2471760" cy="364680"/>
-          </a:xfrm>
-          <a:prstGeom prst="rect">
-            <a:avLst/>
-          </a:prstGeom>
-        </p:spPr>
-        <p:txBody>
-          <a:bodyPr anchor="ctr"/>
-          <a:p>
-            <a:pPr>
-              <a:lnSpc>
-                <a:spcPct val="100000"/>
-              </a:lnSpc>
-            </a:pPr>
-            <a:fld id="{F6BCDCA0-B73C-4873-AF32-1D9E11190A8D}" type="datetime">
-              <a:rPr b="0" lang="de-DE" sz="900" spc="-1" strike="noStrike">
-                <a:solidFill>
-                  <a:srgbClr val="ffffff"/>
-                </a:solidFill>
-                <a:latin typeface="Calibri"/>
-              </a:rPr>
-              <a:t>21.01.19</a:t>
-            </a:fld>
-            <a:endParaRPr b="0" lang="de-DE" sz="900" spc="-1" strike="noStrike">
-              <a:latin typeface="Times New Roman"/>
-            </a:endParaRPr>
-          </a:p>
-        </p:txBody>
-      </p:sp>
-      <p:sp>
-        <p:nvSpPr>
-          <p:cNvPr id="7" name="PlaceHolder 8"/>
-          <p:cNvSpPr>
-            <a:spLocks noGrp="1"/>
-          </p:cNvSpPr>
-          <p:nvPr>
-            <p:ph type="ftr"/>
-          </p:nvPr>
-        </p:nvSpPr>
-        <p:spPr>
-          <a:xfrm>
-            <a:off x="3686040" y="6459840"/>
-            <a:ext cx="4822560" cy="364680"/>
-          </a:xfrm>
-          <a:prstGeom prst="rect">
-            <a:avLst/>
-          </a:prstGeom>
-        </p:spPr>
-        <p:txBody>
-          <a:bodyPr anchor="ctr"/>
-          <a:p>
-            <a:endParaRPr b="0" lang="de-DE" sz="2400" spc="-1" strike="noStrike">
-              <a:latin typeface="Times New Roman"/>
-            </a:endParaRPr>
-          </a:p>
-        </p:txBody>
-      </p:sp>
-      <p:sp>
-        <p:nvSpPr>
-          <p:cNvPr id="8" name="PlaceHolder 9"/>
-          <p:cNvSpPr>
-            <a:spLocks noGrp="1"/>
-          </p:cNvSpPr>
-          <p:nvPr>
-            <p:ph type="sldNum"/>
-          </p:nvPr>
-        </p:nvSpPr>
-        <p:spPr>
-          <a:xfrm>
-            <a:off x="9900360" y="6459840"/>
-            <a:ext cx="1311840" cy="364680"/>
-          </a:xfrm>
-          <a:prstGeom prst="rect">
-            <a:avLst/>
-          </a:prstGeom>
-        </p:spPr>
-        <p:txBody>
-          <a:bodyPr anchor="ctr"/>
-          <a:p>
-            <a:pPr algn="r">
-              <a:lnSpc>
-                <a:spcPct val="100000"/>
-              </a:lnSpc>
-            </a:pPr>
-            <a:fld id="{21BA8BA2-CC33-406A-946A-580693A00CAA}" type="slidenum">
-              <a:rPr b="0" lang="de-DE" sz="1050" spc="-1" strike="noStrike">
-                <a:solidFill>
-                  <a:srgbClr val="ffffff"/>
-                </a:solidFill>
-                <a:latin typeface="Calibri"/>
-              </a:rPr>
-              <a:t>&lt;Foliennummer&gt;</a:t>
-            </a:fld>
-            <a:endParaRPr b="0" lang="de-DE" sz="1050" spc="-1" strike="noStrike">
-              <a:latin typeface="Times New Roman"/>
-            </a:endParaRPr>
-          </a:p>
-        </p:txBody>
-      </p:sp>
-      <p:sp>
-        <p:nvSpPr>
-          <p:cNvPr id="9" name="Line 10"/>
+          <p:cNvPr id="5" name="Line 6"/>
           <p:cNvSpPr/>
           <p:nvPr/>
         </p:nvSpPr>
@@ -4699,7 +4266,41 @@
       </p:sp>
       <p:sp>
         <p:nvSpPr>
-          <p:cNvPr id="10" name="PlaceHolder 11"/>
+          <p:cNvPr id="6" name="PlaceHolder 7"/>
+          <p:cNvSpPr>
+            <a:spLocks noGrp="1"/>
+          </p:cNvSpPr>
+          <p:nvPr>
+            <p:ph type="title"/>
+          </p:nvPr>
+        </p:nvSpPr>
+        <p:spPr>
+          <a:xfrm>
+            <a:off x="609480" y="273600"/>
+            <a:ext cx="10972080" cy="1144440"/>
+          </a:xfrm>
+          <a:prstGeom prst="rect">
+            <a:avLst/>
+          </a:prstGeom>
+        </p:spPr>
+        <p:txBody>
+          <a:bodyPr lIns="0" rIns="0" tIns="0" bIns="0" anchor="ctr"/>
+          <a:p>
+            <a:r>
+              <a:rPr b="0" lang="de-DE" sz="1800" spc="-1" strike="noStrike">
+                <a:latin typeface="Arial"/>
+              </a:rPr>
+              <a:t>Format des Titeltextes durch Klicken bearbeiten</a:t>
+            </a:r>
+            <a:endParaRPr b="0" lang="de-DE" sz="1800" spc="-1" strike="noStrike">
+              <a:latin typeface="Arial"/>
+            </a:endParaRPr>
+          </a:p>
+        </p:txBody>
+      </p:sp>
+      <p:sp>
+        <p:nvSpPr>
+          <p:cNvPr id="7" name="PlaceHolder 8"/>
           <p:cNvSpPr>
             <a:spLocks noGrp="1"/>
           </p:cNvSpPr>
@@ -4710,7 +4311,7 @@
         <p:spPr>
           <a:xfrm>
             <a:off x="609480" y="1604520"/>
-            <a:ext cx="10972440" cy="3977280"/>
+            <a:ext cx="10972080" cy="3976920"/>
           </a:xfrm>
           <a:prstGeom prst="rect">
             <a:avLst/>
@@ -4733,19 +4334,13 @@
               <a:buChar char=""/>
             </a:pPr>
             <a:r>
-              <a:rPr b="0" lang="en-US" sz="2000" spc="-1" strike="noStrike">
-                <a:solidFill>
-                  <a:srgbClr val="404040"/>
-                </a:solidFill>
-                <a:latin typeface="Calibri"/>
+              <a:rPr b="0" lang="de-DE" sz="1800" spc="-1" strike="noStrike">
+                <a:latin typeface="Arial"/>
               </a:rPr>
               <a:t>Format des Gliederungstextes durch Klicken bearbeiten</a:t>
             </a:r>
-            <a:endParaRPr b="0" lang="en-US" sz="2000" spc="-1" strike="noStrike">
-              <a:solidFill>
-                <a:srgbClr val="404040"/>
-              </a:solidFill>
-              <a:latin typeface="Calibri"/>
+            <a:endParaRPr b="0" lang="de-DE" sz="1800" spc="-1" strike="noStrike">
+              <a:latin typeface="Arial"/>
             </a:endParaRPr>
           </a:p>
           <a:p>
@@ -4761,19 +4356,13 @@
               <a:buChar char=""/>
             </a:pPr>
             <a:r>
-              <a:rPr b="0" lang="en-US" sz="1400" spc="-1" strike="noStrike">
-                <a:solidFill>
-                  <a:srgbClr val="404040"/>
-                </a:solidFill>
-                <a:latin typeface="Calibri"/>
+              <a:rPr b="0" lang="de-DE" sz="1800" spc="-1" strike="noStrike">
+                <a:latin typeface="Arial"/>
               </a:rPr>
               <a:t>Zweite Gliederungsebene</a:t>
             </a:r>
-            <a:endParaRPr b="0" lang="en-US" sz="1400" spc="-1" strike="noStrike">
-              <a:solidFill>
-                <a:srgbClr val="404040"/>
-              </a:solidFill>
-              <a:latin typeface="Calibri"/>
+            <a:endParaRPr b="0" lang="de-DE" sz="1800" spc="-1" strike="noStrike">
+              <a:latin typeface="Arial"/>
             </a:endParaRPr>
           </a:p>
           <a:p>
@@ -4789,19 +4378,13 @@
               <a:buChar char=""/>
             </a:pPr>
             <a:r>
-              <a:rPr b="0" lang="en-US" sz="1400" spc="-1" strike="noStrike">
-                <a:solidFill>
-                  <a:srgbClr val="404040"/>
-                </a:solidFill>
-                <a:latin typeface="Calibri"/>
+              <a:rPr b="0" lang="de-DE" sz="1800" spc="-1" strike="noStrike">
+                <a:latin typeface="Arial"/>
               </a:rPr>
               <a:t>Dritte Gliederungsebene</a:t>
             </a:r>
-            <a:endParaRPr b="0" lang="en-US" sz="1400" spc="-1" strike="noStrike">
-              <a:solidFill>
-                <a:srgbClr val="404040"/>
-              </a:solidFill>
-              <a:latin typeface="Calibri"/>
+            <a:endParaRPr b="0" lang="de-DE" sz="1800" spc="-1" strike="noStrike">
+              <a:latin typeface="Arial"/>
             </a:endParaRPr>
           </a:p>
           <a:p>
@@ -4817,19 +4400,13 @@
               <a:buChar char=""/>
             </a:pPr>
             <a:r>
-              <a:rPr b="0" lang="en-US" sz="1400" spc="-1" strike="noStrike">
-                <a:solidFill>
-                  <a:srgbClr val="404040"/>
-                </a:solidFill>
-                <a:latin typeface="Calibri"/>
+              <a:rPr b="0" lang="de-DE" sz="1800" spc="-1" strike="noStrike">
+                <a:latin typeface="Arial"/>
               </a:rPr>
               <a:t>Vierte Gliederungsebene</a:t>
             </a:r>
-            <a:endParaRPr b="0" lang="en-US" sz="1400" spc="-1" strike="noStrike">
-              <a:solidFill>
-                <a:srgbClr val="404040"/>
-              </a:solidFill>
-              <a:latin typeface="Calibri"/>
+            <a:endParaRPr b="0" lang="de-DE" sz="1800" spc="-1" strike="noStrike">
+              <a:latin typeface="Arial"/>
             </a:endParaRPr>
           </a:p>
           <a:p>
@@ -4845,19 +4422,13 @@
               <a:buChar char=""/>
             </a:pPr>
             <a:r>
-              <a:rPr b="0" lang="en-US" sz="2000" spc="-1" strike="noStrike">
-                <a:solidFill>
-                  <a:srgbClr val="404040"/>
-                </a:solidFill>
-                <a:latin typeface="Calibri"/>
+              <a:rPr b="0" lang="de-DE" sz="1800" spc="-1" strike="noStrike">
+                <a:latin typeface="Arial"/>
               </a:rPr>
               <a:t>Fünfte Gliederungsebene</a:t>
             </a:r>
-            <a:endParaRPr b="0" lang="en-US" sz="2000" spc="-1" strike="noStrike">
-              <a:solidFill>
-                <a:srgbClr val="404040"/>
-              </a:solidFill>
-              <a:latin typeface="Calibri"/>
+            <a:endParaRPr b="0" lang="de-DE" sz="1800" spc="-1" strike="noStrike">
+              <a:latin typeface="Arial"/>
             </a:endParaRPr>
           </a:p>
           <a:p>
@@ -4873,19 +4444,13 @@
               <a:buChar char=""/>
             </a:pPr>
             <a:r>
-              <a:rPr b="0" lang="en-US" sz="2000" spc="-1" strike="noStrike">
-                <a:solidFill>
-                  <a:srgbClr val="404040"/>
-                </a:solidFill>
-                <a:latin typeface="Calibri"/>
+              <a:rPr b="0" lang="de-DE" sz="1800" spc="-1" strike="noStrike">
+                <a:latin typeface="Arial"/>
               </a:rPr>
               <a:t>Sechste Gliederungsebene</a:t>
             </a:r>
-            <a:endParaRPr b="0" lang="en-US" sz="2000" spc="-1" strike="noStrike">
-              <a:solidFill>
-                <a:srgbClr val="404040"/>
-              </a:solidFill>
-              <a:latin typeface="Calibri"/>
+            <a:endParaRPr b="0" lang="de-DE" sz="1800" spc="-1" strike="noStrike">
+              <a:latin typeface="Arial"/>
             </a:endParaRPr>
           </a:p>
           <a:p>
@@ -4901,19 +4466,13 @@
               <a:buChar char=""/>
             </a:pPr>
             <a:r>
-              <a:rPr b="0" lang="en-US" sz="2000" spc="-1" strike="noStrike">
-                <a:solidFill>
-                  <a:srgbClr val="404040"/>
-                </a:solidFill>
-                <a:latin typeface="Calibri"/>
+              <a:rPr b="0" lang="de-DE" sz="1800" spc="-1" strike="noStrike">
+                <a:latin typeface="Arial"/>
               </a:rPr>
               <a:t>Siebte Gliederungsebene</a:t>
             </a:r>
-            <a:endParaRPr b="0" lang="en-US" sz="2000" spc="-1" strike="noStrike">
-              <a:solidFill>
-                <a:srgbClr val="404040"/>
-              </a:solidFill>
-              <a:latin typeface="Calibri"/>
+            <a:endParaRPr b="0" lang="de-DE" sz="1800" spc="-1" strike="noStrike">
+              <a:latin typeface="Arial"/>
             </a:endParaRPr>
           </a:p>
         </p:txBody>
@@ -4964,14 +4523,14 @@
       </p:grpSpPr>
       <p:sp>
         <p:nvSpPr>
-          <p:cNvPr id="47" name="CustomShape 1"/>
+          <p:cNvPr id="44" name="CustomShape 1"/>
           <p:cNvSpPr/>
           <p:nvPr/>
         </p:nvSpPr>
         <p:spPr>
           <a:xfrm>
             <a:off x="0" y="6400800"/>
-            <a:ext cx="12191760" cy="456840"/>
+            <a:ext cx="12191040" cy="456120"/>
           </a:xfrm>
           <a:prstGeom prst="rect">
             <a:avLst/>
@@ -5000,14 +4559,14 @@
       </p:sp>
       <p:sp>
         <p:nvSpPr>
-          <p:cNvPr id="48" name="CustomShape 2"/>
+          <p:cNvPr id="45" name="CustomShape 2"/>
           <p:cNvSpPr/>
           <p:nvPr/>
         </p:nvSpPr>
         <p:spPr>
           <a:xfrm>
             <a:off x="0" y="6334200"/>
-            <a:ext cx="12191760" cy="65520"/>
+            <a:ext cx="12191040" cy="64800"/>
           </a:xfrm>
           <a:prstGeom prst="rect">
             <a:avLst/>
@@ -5036,7 +4595,7 @@
       </p:sp>
       <p:sp>
         <p:nvSpPr>
-          <p:cNvPr id="49" name="Line 3"/>
+          <p:cNvPr id="46" name="Line 3"/>
           <p:cNvSpPr/>
           <p:nvPr/>
         </p:nvSpPr>
@@ -5073,7 +4632,7 @@
       </p:sp>
       <p:sp>
         <p:nvSpPr>
-          <p:cNvPr id="50" name="PlaceHolder 4"/>
+          <p:cNvPr id="47" name="PlaceHolder 4"/>
           <p:cNvSpPr>
             <a:spLocks noGrp="1"/>
           </p:cNvSpPr>
@@ -5083,335 +4642,204 @@
         </p:nvSpPr>
         <p:spPr>
           <a:xfrm>
-            <a:off x="1097280" y="286560"/>
-            <a:ext cx="10058040" cy="1450440"/>
-          </a:xfrm>
-          <a:prstGeom prst="rect">
-            <a:avLst/>
-          </a:prstGeom>
-        </p:spPr>
-        <p:txBody>
-          <a:bodyPr anchor="b"/>
-          <a:p>
-            <a:pPr>
-              <a:lnSpc>
-                <a:spcPct val="85000"/>
-              </a:lnSpc>
+            <a:off x="609480" y="273600"/>
+            <a:ext cx="10972440" cy="1144800"/>
+          </a:xfrm>
+          <a:prstGeom prst="rect">
+            <a:avLst/>
+          </a:prstGeom>
+        </p:spPr>
+        <p:txBody>
+          <a:bodyPr lIns="0" rIns="0" tIns="0" bIns="0" anchor="ctr"/>
+          <a:p>
+            <a:pPr algn="ctr"/>
+            <a:r>
+              <a:rPr b="0" lang="de-DE" sz="4400" spc="-1" strike="noStrike">
+                <a:latin typeface="Arial"/>
+              </a:rPr>
+              <a:t>Format des Titeltextes durch Klicken bearbeiten</a:t>
+            </a:r>
+            <a:endParaRPr b="0" lang="de-DE" sz="4400" spc="-1" strike="noStrike">
+              <a:latin typeface="Arial"/>
+            </a:endParaRPr>
+          </a:p>
+        </p:txBody>
+      </p:sp>
+      <p:sp>
+        <p:nvSpPr>
+          <p:cNvPr id="48" name="PlaceHolder 5"/>
+          <p:cNvSpPr>
+            <a:spLocks noGrp="1"/>
+          </p:cNvSpPr>
+          <p:nvPr>
+            <p:ph type="body"/>
+          </p:nvPr>
+        </p:nvSpPr>
+        <p:spPr>
+          <a:xfrm>
+            <a:off x="609480" y="1604520"/>
+            <a:ext cx="10972440" cy="3977280"/>
+          </a:xfrm>
+          <a:prstGeom prst="rect">
+            <a:avLst/>
+          </a:prstGeom>
+        </p:spPr>
+        <p:txBody>
+          <a:bodyPr lIns="0" rIns="0" tIns="0" bIns="0">
+            <a:normAutofit/>
+          </a:bodyPr>
+          <a:p>
+            <a:pPr marL="432000" indent="-324000">
+              <a:spcBef>
+                <a:spcPts val="1417"/>
+              </a:spcBef>
+              <a:buClr>
+                <a:srgbClr val="000000"/>
+              </a:buClr>
+              <a:buSzPct val="45000"/>
+              <a:buFont typeface="Wingdings" charset="2"/>
+              <a:buChar char=""/>
             </a:pPr>
             <a:r>
-              <a:rPr b="0" lang="en-US" sz="4800" spc="-49" strike="noStrike">
-                <a:solidFill>
-                  <a:srgbClr val="404040"/>
-                </a:solidFill>
-                <a:latin typeface="Calibri Light"/>
+              <a:rPr b="0" lang="de-DE" sz="3200" spc="-1" strike="noStrike">
+                <a:latin typeface="Arial"/>
               </a:rPr>
-              <a:t>Mastertitelformat bearbeiten</a:t>
+              <a:t>Format des Gliederungstextes durch Klicken bearbeiten</a:t>
             </a:r>
-            <a:endParaRPr b="0" lang="en-US" sz="4800" spc="-1" strike="noStrike">
-              <a:solidFill>
+            <a:endParaRPr b="0" lang="de-DE" sz="3200" spc="-1" strike="noStrike">
+              <a:latin typeface="Arial"/>
+            </a:endParaRPr>
+          </a:p>
+          <a:p>
+            <a:pPr lvl="1" marL="864000" indent="-324000">
+              <a:spcBef>
+                <a:spcPts val="1134"/>
+              </a:spcBef>
+              <a:buClr>
                 <a:srgbClr val="000000"/>
-              </a:solidFill>
-              <a:latin typeface="Calibri"/>
-            </a:endParaRPr>
-          </a:p>
-        </p:txBody>
-      </p:sp>
-      <p:sp>
-        <p:nvSpPr>
-          <p:cNvPr id="51" name="PlaceHolder 5"/>
-          <p:cNvSpPr>
-            <a:spLocks noGrp="1"/>
-          </p:cNvSpPr>
-          <p:nvPr>
-            <p:ph type="body"/>
-          </p:nvPr>
-        </p:nvSpPr>
-        <p:spPr>
-          <a:xfrm>
-            <a:off x="1097280" y="1845720"/>
-            <a:ext cx="10058040" cy="4023000"/>
-          </a:xfrm>
-          <a:prstGeom prst="rect">
-            <a:avLst/>
-          </a:prstGeom>
-        </p:spPr>
-        <p:txBody>
-          <a:bodyPr lIns="0" rIns="0"/>
-          <a:p>
-            <a:pPr marL="91440" indent="-91080">
-              <a:lnSpc>
-                <a:spcPct val="90000"/>
-              </a:lnSpc>
-              <a:spcBef>
-                <a:spcPts val="1199"/>
-              </a:spcBef>
-              <a:spcAft>
-                <a:spcPts val="201"/>
-              </a:spcAft>
-              <a:buClr>
-                <a:srgbClr val="e48312"/>
               </a:buClr>
-              <a:buFont typeface="Calibri"/>
-              <a:buChar char=" "/>
+              <a:buSzPct val="75000"/>
+              <a:buFont typeface="Symbol" charset="2"/>
+              <a:buChar char=""/>
             </a:pPr>
             <a:r>
-              <a:rPr b="0" lang="en-US" sz="2000" spc="-1" strike="noStrike">
-                <a:solidFill>
-                  <a:srgbClr val="404040"/>
-                </a:solidFill>
-                <a:latin typeface="Calibri"/>
+              <a:rPr b="0" lang="de-DE" sz="2800" spc="-1" strike="noStrike">
+                <a:latin typeface="Arial"/>
               </a:rPr>
-              <a:t>Mastertextformat bearbeiten</a:t>
+              <a:t>Zweite Gliederungsebene</a:t>
             </a:r>
-            <a:endParaRPr b="0" lang="en-US" sz="2000" spc="-1" strike="noStrike">
-              <a:solidFill>
-                <a:srgbClr val="404040"/>
-              </a:solidFill>
-              <a:latin typeface="Calibri"/>
-            </a:endParaRPr>
-          </a:p>
-          <a:p>
-            <a:pPr lvl="1" marL="384120" indent="-182520">
-              <a:lnSpc>
-                <a:spcPct val="90000"/>
-              </a:lnSpc>
+            <a:endParaRPr b="0" lang="de-DE" sz="2800" spc="-1" strike="noStrike">
+              <a:latin typeface="Arial"/>
+            </a:endParaRPr>
+          </a:p>
+          <a:p>
+            <a:pPr lvl="2" marL="1296000" indent="-288000">
               <a:spcBef>
-                <a:spcPts val="201"/>
+                <a:spcPts val="850"/>
               </a:spcBef>
-              <a:spcAft>
-                <a:spcPts val="400"/>
-              </a:spcAft>
               <a:buClr>
-                <a:srgbClr val="e48312"/>
+                <a:srgbClr val="000000"/>
               </a:buClr>
-              <a:buFont typeface="Calibri"/>
-              <a:buChar char="◦"/>
+              <a:buSzPct val="45000"/>
+              <a:buFont typeface="Wingdings" charset="2"/>
+              <a:buChar char=""/>
             </a:pPr>
             <a:r>
-              <a:rPr b="0" lang="en-US" sz="1800" spc="-1" strike="noStrike">
-                <a:solidFill>
-                  <a:srgbClr val="404040"/>
-                </a:solidFill>
-                <a:latin typeface="Calibri"/>
+              <a:rPr b="0" lang="de-DE" sz="2400" spc="-1" strike="noStrike">
+                <a:latin typeface="Arial"/>
               </a:rPr>
-              <a:t>Zweite Ebene</a:t>
+              <a:t>Dritte Gliederungsebene</a:t>
             </a:r>
-            <a:endParaRPr b="0" lang="en-US" sz="1800" spc="-1" strike="noStrike">
-              <a:solidFill>
-                <a:srgbClr val="404040"/>
-              </a:solidFill>
-              <a:latin typeface="Calibri"/>
-            </a:endParaRPr>
-          </a:p>
-          <a:p>
-            <a:pPr lvl="2" marL="567000" indent="-182520">
-              <a:lnSpc>
-                <a:spcPct val="90000"/>
-              </a:lnSpc>
+            <a:endParaRPr b="0" lang="de-DE" sz="2400" spc="-1" strike="noStrike">
+              <a:latin typeface="Arial"/>
+            </a:endParaRPr>
+          </a:p>
+          <a:p>
+            <a:pPr lvl="3" marL="1728000" indent="-216000">
               <a:spcBef>
-                <a:spcPts val="201"/>
+                <a:spcPts val="567"/>
               </a:spcBef>
-              <a:spcAft>
-                <a:spcPts val="400"/>
-              </a:spcAft>
               <a:buClr>
-                <a:srgbClr val="e48312"/>
+                <a:srgbClr val="000000"/>
               </a:buClr>
-              <a:buFont typeface="Calibri"/>
-              <a:buChar char="◦"/>
+              <a:buSzPct val="75000"/>
+              <a:buFont typeface="Symbol" charset="2"/>
+              <a:buChar char=""/>
             </a:pPr>
             <a:r>
-              <a:rPr b="0" lang="en-US" sz="1400" spc="-1" strike="noStrike">
-                <a:solidFill>
-                  <a:srgbClr val="404040"/>
-                </a:solidFill>
-                <a:latin typeface="Calibri"/>
+              <a:rPr b="0" lang="de-DE" sz="2000" spc="-1" strike="noStrike">
+                <a:latin typeface="Arial"/>
               </a:rPr>
-              <a:t>Dritte Ebene</a:t>
+              <a:t>Vierte Gliederungsebene</a:t>
             </a:r>
-            <a:endParaRPr b="0" lang="en-US" sz="1400" spc="-1" strike="noStrike">
-              <a:solidFill>
-                <a:srgbClr val="404040"/>
-              </a:solidFill>
-              <a:latin typeface="Calibri"/>
-            </a:endParaRPr>
-          </a:p>
-          <a:p>
-            <a:pPr lvl="3" marL="749880" indent="-182520">
-              <a:lnSpc>
-                <a:spcPct val="90000"/>
-              </a:lnSpc>
+            <a:endParaRPr b="0" lang="de-DE" sz="2000" spc="-1" strike="noStrike">
+              <a:latin typeface="Arial"/>
+            </a:endParaRPr>
+          </a:p>
+          <a:p>
+            <a:pPr lvl="4" marL="2160000" indent="-216000">
               <a:spcBef>
-                <a:spcPts val="201"/>
+                <a:spcPts val="283"/>
               </a:spcBef>
-              <a:spcAft>
-                <a:spcPts val="400"/>
-              </a:spcAft>
               <a:buClr>
-                <a:srgbClr val="e48312"/>
+                <a:srgbClr val="000000"/>
               </a:buClr>
-              <a:buFont typeface="Calibri"/>
-              <a:buChar char="◦"/>
+              <a:buSzPct val="45000"/>
+              <a:buFont typeface="Wingdings" charset="2"/>
+              <a:buChar char=""/>
             </a:pPr>
             <a:r>
-              <a:rPr b="0" lang="en-US" sz="1400" spc="-1" strike="noStrike">
-                <a:solidFill>
-                  <a:srgbClr val="404040"/>
-                </a:solidFill>
-                <a:latin typeface="Calibri"/>
+              <a:rPr b="0" lang="de-DE" sz="2000" spc="-1" strike="noStrike">
+                <a:latin typeface="Arial"/>
               </a:rPr>
-              <a:t>Vierte Ebene</a:t>
+              <a:t>Fünfte Gliederungsebene</a:t>
             </a:r>
-            <a:endParaRPr b="0" lang="en-US" sz="1400" spc="-1" strike="noStrike">
-              <a:solidFill>
-                <a:srgbClr val="404040"/>
-              </a:solidFill>
-              <a:latin typeface="Calibri"/>
-            </a:endParaRPr>
-          </a:p>
-          <a:p>
-            <a:pPr lvl="4" marL="932760" indent="-182520">
-              <a:lnSpc>
-                <a:spcPct val="90000"/>
-              </a:lnSpc>
+            <a:endParaRPr b="0" lang="de-DE" sz="2000" spc="-1" strike="noStrike">
+              <a:latin typeface="Arial"/>
+            </a:endParaRPr>
+          </a:p>
+          <a:p>
+            <a:pPr lvl="5" marL="2592000" indent="-216000">
               <a:spcBef>
-                <a:spcPts val="201"/>
+                <a:spcPts val="283"/>
               </a:spcBef>
-              <a:spcAft>
-                <a:spcPts val="400"/>
-              </a:spcAft>
               <a:buClr>
-                <a:srgbClr val="e48312"/>
+                <a:srgbClr val="000000"/>
               </a:buClr>
-              <a:buFont typeface="Calibri"/>
-              <a:buChar char="◦"/>
+              <a:buSzPct val="45000"/>
+              <a:buFont typeface="Wingdings" charset="2"/>
+              <a:buChar char=""/>
             </a:pPr>
             <a:r>
-              <a:rPr b="0" lang="en-US" sz="1400" spc="-1" strike="noStrike">
-                <a:solidFill>
-                  <a:srgbClr val="404040"/>
-                </a:solidFill>
-                <a:latin typeface="Calibri"/>
+              <a:rPr b="0" lang="de-DE" sz="2000" spc="-1" strike="noStrike">
+                <a:latin typeface="Arial"/>
               </a:rPr>
-              <a:t>Fünfte Ebene</a:t>
+              <a:t>Sechste Gliederungsebene</a:t>
             </a:r>
-            <a:endParaRPr b="0" lang="en-US" sz="1400" spc="-1" strike="noStrike">
-              <a:solidFill>
-                <a:srgbClr val="404040"/>
-              </a:solidFill>
-              <a:latin typeface="Calibri"/>
-            </a:endParaRPr>
-          </a:p>
-        </p:txBody>
-      </p:sp>
-      <p:sp>
-        <p:nvSpPr>
-          <p:cNvPr id="52" name="PlaceHolder 6"/>
-          <p:cNvSpPr>
-            <a:spLocks noGrp="1"/>
-          </p:cNvSpPr>
-          <p:nvPr>
-            <p:ph type="dt"/>
-          </p:nvPr>
-        </p:nvSpPr>
-        <p:spPr>
-          <a:xfrm>
-            <a:off x="1097280" y="6459840"/>
-            <a:ext cx="2471760" cy="364680"/>
-          </a:xfrm>
-          <a:prstGeom prst="rect">
-            <a:avLst/>
-          </a:prstGeom>
-        </p:spPr>
-        <p:txBody>
-          <a:bodyPr anchor="ctr"/>
-          <a:p>
-            <a:pPr>
-              <a:lnSpc>
-                <a:spcPct val="100000"/>
-              </a:lnSpc>
+            <a:endParaRPr b="0" lang="de-DE" sz="2000" spc="-1" strike="noStrike">
+              <a:latin typeface="Arial"/>
+            </a:endParaRPr>
+          </a:p>
+          <a:p>
+            <a:pPr lvl="6" marL="3024000" indent="-216000">
+              <a:spcBef>
+                <a:spcPts val="283"/>
+              </a:spcBef>
+              <a:buClr>
+                <a:srgbClr val="000000"/>
+              </a:buClr>
+              <a:buSzPct val="45000"/>
+              <a:buFont typeface="Wingdings" charset="2"/>
+              <a:buChar char=""/>
             </a:pPr>
-            <a:fld id="{392C1459-5059-4162-B80B-730AE67DDDA7}" type="datetime">
-              <a:rPr b="0" lang="de-DE" sz="900" spc="-1" strike="noStrike">
-                <a:solidFill>
-                  <a:srgbClr val="ffffff"/>
-                </a:solidFill>
-                <a:latin typeface="Calibri"/>
+            <a:r>
+              <a:rPr b="0" lang="de-DE" sz="2000" spc="-1" strike="noStrike">
+                <a:latin typeface="Arial"/>
               </a:rPr>
-              <a:t>21.01.19</a:t>
-            </a:fld>
-            <a:endParaRPr b="0" lang="de-DE" sz="900" spc="-1" strike="noStrike">
-              <a:latin typeface="Times New Roman"/>
-            </a:endParaRPr>
-          </a:p>
-        </p:txBody>
-      </p:sp>
-      <p:sp>
-        <p:nvSpPr>
-          <p:cNvPr id="53" name="PlaceHolder 7"/>
-          <p:cNvSpPr>
-            <a:spLocks noGrp="1"/>
-          </p:cNvSpPr>
-          <p:nvPr>
-            <p:ph type="ftr"/>
-          </p:nvPr>
-        </p:nvSpPr>
-        <p:spPr>
-          <a:xfrm>
-            <a:off x="3686040" y="6459840"/>
-            <a:ext cx="4822560" cy="364680"/>
-          </a:xfrm>
-          <a:prstGeom prst="rect">
-            <a:avLst/>
-          </a:prstGeom>
-        </p:spPr>
-        <p:txBody>
-          <a:bodyPr anchor="ctr"/>
-          <a:p>
-            <a:endParaRPr b="0" lang="de-DE" sz="2400" spc="-1" strike="noStrike">
-              <a:latin typeface="Times New Roman"/>
-            </a:endParaRPr>
-          </a:p>
-        </p:txBody>
-      </p:sp>
-      <p:sp>
-        <p:nvSpPr>
-          <p:cNvPr id="54" name="PlaceHolder 8"/>
-          <p:cNvSpPr>
-            <a:spLocks noGrp="1"/>
-          </p:cNvSpPr>
-          <p:nvPr>
-            <p:ph type="sldNum"/>
-          </p:nvPr>
-        </p:nvSpPr>
-        <p:spPr>
-          <a:xfrm>
-            <a:off x="9900360" y="6459840"/>
-            <a:ext cx="1311840" cy="364680"/>
-          </a:xfrm>
-          <a:prstGeom prst="rect">
-            <a:avLst/>
-          </a:prstGeom>
-        </p:spPr>
-        <p:txBody>
-          <a:bodyPr anchor="ctr"/>
-          <a:p>
-            <a:pPr algn="r">
-              <a:lnSpc>
-                <a:spcPct val="100000"/>
-              </a:lnSpc>
-            </a:pPr>
-            <a:fld id="{F429BB8B-36F7-4830-8CCC-0804BE109F61}" type="slidenum">
-              <a:rPr b="0" lang="de-DE" sz="1050" spc="-1" strike="noStrike">
-                <a:solidFill>
-                  <a:srgbClr val="ffffff"/>
-                </a:solidFill>
-                <a:latin typeface="Calibri"/>
-              </a:rPr>
-              <a:t>&lt;Foliennummer&gt;</a:t>
-            </a:fld>
-            <a:endParaRPr b="0" lang="de-DE" sz="1050" spc="-1" strike="noStrike">
-              <a:latin typeface="Times New Roman"/>
+              <a:t>Siebte Gliederungsebene</a:t>
+            </a:r>
+            <a:endParaRPr b="0" lang="de-DE" sz="2000" spc="-1" strike="noStrike">
+              <a:latin typeface="Arial"/>
             </a:endParaRPr>
           </a:p>
         </p:txBody>
@@ -5462,14 +4890,14 @@
       </p:grpSpPr>
       <p:sp>
         <p:nvSpPr>
-          <p:cNvPr id="91" name="CustomShape 1" hidden="1"/>
+          <p:cNvPr id="85" name="CustomShape 1" hidden="1"/>
           <p:cNvSpPr/>
           <p:nvPr/>
         </p:nvSpPr>
         <p:spPr>
           <a:xfrm>
             <a:off x="0" y="6400800"/>
-            <a:ext cx="12191760" cy="456840"/>
+            <a:ext cx="12191040" cy="456120"/>
           </a:xfrm>
           <a:prstGeom prst="rect">
             <a:avLst/>
@@ -5498,14 +4926,14 @@
       </p:sp>
       <p:sp>
         <p:nvSpPr>
-          <p:cNvPr id="92" name="CustomShape 2" hidden="1"/>
+          <p:cNvPr id="86" name="CustomShape 2" hidden="1"/>
           <p:cNvSpPr/>
           <p:nvPr/>
         </p:nvSpPr>
         <p:spPr>
           <a:xfrm>
             <a:off x="0" y="6334200"/>
-            <a:ext cx="12191760" cy="65520"/>
+            <a:ext cx="12191040" cy="64800"/>
           </a:xfrm>
           <a:prstGeom prst="rect">
             <a:avLst/>
@@ -5534,7 +4962,7 @@
       </p:sp>
       <p:sp>
         <p:nvSpPr>
-          <p:cNvPr id="93" name="Line 3"/>
+          <p:cNvPr id="87" name="Line 3"/>
           <p:cNvSpPr/>
           <p:nvPr/>
         </p:nvSpPr>
@@ -5571,14 +4999,14 @@
       </p:sp>
       <p:sp>
         <p:nvSpPr>
-          <p:cNvPr id="94" name="CustomShape 4"/>
+          <p:cNvPr id="88" name="CustomShape 4"/>
           <p:cNvSpPr/>
           <p:nvPr/>
         </p:nvSpPr>
         <p:spPr>
           <a:xfrm>
             <a:off x="3240" y="6400800"/>
-            <a:ext cx="12188520" cy="456840"/>
+            <a:ext cx="12187800" cy="456120"/>
           </a:xfrm>
           <a:prstGeom prst="rect">
             <a:avLst/>
@@ -5607,14 +5035,14 @@
       </p:sp>
       <p:sp>
         <p:nvSpPr>
-          <p:cNvPr id="95" name="CustomShape 5"/>
+          <p:cNvPr id="89" name="CustomShape 5"/>
           <p:cNvSpPr/>
           <p:nvPr/>
         </p:nvSpPr>
         <p:spPr>
           <a:xfrm>
             <a:off x="0" y="6334200"/>
-            <a:ext cx="12188520" cy="63720"/>
+            <a:ext cx="12187800" cy="63000"/>
           </a:xfrm>
           <a:prstGeom prst="rect">
             <a:avLst/>
@@ -5643,119 +5071,7 @@
       </p:sp>
       <p:sp>
         <p:nvSpPr>
-          <p:cNvPr id="96" name="PlaceHolder 6"/>
-          <p:cNvSpPr>
-            <a:spLocks noGrp="1"/>
-          </p:cNvSpPr>
-          <p:nvPr>
-            <p:ph type="dt"/>
-          </p:nvPr>
-        </p:nvSpPr>
-        <p:spPr>
-          <a:xfrm>
-            <a:off x="1097280" y="6459840"/>
-            <a:ext cx="2471760" cy="364680"/>
-          </a:xfrm>
-          <a:prstGeom prst="rect">
-            <a:avLst/>
-          </a:prstGeom>
-        </p:spPr>
-        <p:txBody>
-          <a:bodyPr anchor="ctr"/>
-          <a:p>
-            <a:pPr>
-              <a:lnSpc>
-                <a:spcPct val="100000"/>
-              </a:lnSpc>
-            </a:pPr>
-            <a:fld id="{E3B654CA-02DE-4758-B4D6-95A8E0ABF616}" type="datetime">
-              <a:rPr b="0" lang="de-DE" sz="900" spc="-1" strike="noStrike">
-                <a:solidFill>
-                  <a:srgbClr val="ffffff"/>
-                </a:solidFill>
-                <a:latin typeface="Calibri"/>
-              </a:rPr>
-              <a:t>21.01.19</a:t>
-            </a:fld>
-            <a:endParaRPr b="0" lang="de-DE" sz="900" spc="-1" strike="noStrike">
-              <a:latin typeface="Times New Roman"/>
-            </a:endParaRPr>
-          </a:p>
-        </p:txBody>
-      </p:sp>
-      <p:sp>
-        <p:nvSpPr>
-          <p:cNvPr id="97" name="PlaceHolder 7"/>
-          <p:cNvSpPr>
-            <a:spLocks noGrp="1"/>
-          </p:cNvSpPr>
-          <p:nvPr>
-            <p:ph type="ftr"/>
-          </p:nvPr>
-        </p:nvSpPr>
-        <p:spPr>
-          <a:xfrm>
-            <a:off x="3686040" y="6459840"/>
-            <a:ext cx="4822560" cy="364680"/>
-          </a:xfrm>
-          <a:prstGeom prst="rect">
-            <a:avLst/>
-          </a:prstGeom>
-        </p:spPr>
-        <p:txBody>
-          <a:bodyPr anchor="ctr"/>
-          <a:p>
-            <a:endParaRPr b="0" lang="de-DE" sz="2400" spc="-1" strike="noStrike">
-              <a:latin typeface="Times New Roman"/>
-            </a:endParaRPr>
-          </a:p>
-        </p:txBody>
-      </p:sp>
-      <p:sp>
-        <p:nvSpPr>
-          <p:cNvPr id="98" name="PlaceHolder 8"/>
-          <p:cNvSpPr>
-            <a:spLocks noGrp="1"/>
-          </p:cNvSpPr>
-          <p:nvPr>
-            <p:ph type="sldNum"/>
-          </p:nvPr>
-        </p:nvSpPr>
-        <p:spPr>
-          <a:xfrm>
-            <a:off x="9900360" y="6459840"/>
-            <a:ext cx="1311840" cy="364680"/>
-          </a:xfrm>
-          <a:prstGeom prst="rect">
-            <a:avLst/>
-          </a:prstGeom>
-        </p:spPr>
-        <p:txBody>
-          <a:bodyPr anchor="ctr"/>
-          <a:p>
-            <a:pPr algn="r">
-              <a:lnSpc>
-                <a:spcPct val="100000"/>
-              </a:lnSpc>
-            </a:pPr>
-            <a:fld id="{DCB53261-CC4E-49A7-965A-0442E9F59706}" type="slidenum">
-              <a:rPr b="0" lang="de-DE" sz="1050" spc="-1" strike="noStrike">
-                <a:solidFill>
-                  <a:srgbClr val="ffffff"/>
-                </a:solidFill>
-                <a:latin typeface="Calibri"/>
-              </a:rPr>
-              <a:t>&lt;Foliennummer&gt;</a:t>
-            </a:fld>
-            <a:endParaRPr b="0" lang="de-DE" sz="1050" spc="-1" strike="noStrike">
-              <a:latin typeface="Times New Roman"/>
-            </a:endParaRPr>
-          </a:p>
-        </p:txBody>
-      </p:sp>
-      <p:sp>
-        <p:nvSpPr>
-          <p:cNvPr id="99" name="PlaceHolder 9"/>
+          <p:cNvPr id="90" name="PlaceHolder 6"/>
           <p:cNvSpPr>
             <a:spLocks noGrp="1"/>
           </p:cNvSpPr>
@@ -5775,27 +5091,22 @@
         <p:txBody>
           <a:bodyPr lIns="0" rIns="0" tIns="0" bIns="0" anchor="ctr"/>
           <a:p>
+            <a:pPr algn="ctr"/>
             <a:r>
-              <a:rPr b="0" lang="en-US" sz="1800" spc="-1" strike="noStrike">
-                <a:solidFill>
-                  <a:srgbClr val="000000"/>
-                </a:solidFill>
-                <a:latin typeface="Calibri"/>
+              <a:rPr b="0" lang="de-DE" sz="4400" spc="-1" strike="noStrike">
+                <a:latin typeface="Arial"/>
               </a:rPr>
               <a:t>Format des Titeltextes durch Klicken bearbeiten</a:t>
             </a:r>
-            <a:endParaRPr b="0" lang="en-US" sz="1800" spc="-1" strike="noStrike">
-              <a:solidFill>
-                <a:srgbClr val="000000"/>
-              </a:solidFill>
-              <a:latin typeface="Calibri"/>
-            </a:endParaRPr>
-          </a:p>
-        </p:txBody>
-      </p:sp>
-      <p:sp>
-        <p:nvSpPr>
-          <p:cNvPr id="100" name="PlaceHolder 10"/>
+            <a:endParaRPr b="0" lang="de-DE" sz="4400" spc="-1" strike="noStrike">
+              <a:latin typeface="Arial"/>
+            </a:endParaRPr>
+          </a:p>
+        </p:txBody>
+      </p:sp>
+      <p:sp>
+        <p:nvSpPr>
+          <p:cNvPr id="91" name="PlaceHolder 7"/>
           <p:cNvSpPr>
             <a:spLocks noGrp="1"/>
           </p:cNvSpPr>
@@ -5829,19 +5140,13 @@
               <a:buChar char=""/>
             </a:pPr>
             <a:r>
-              <a:rPr b="0" lang="en-US" sz="2000" spc="-1" strike="noStrike">
-                <a:solidFill>
-                  <a:srgbClr val="404040"/>
-                </a:solidFill>
-                <a:latin typeface="Calibri"/>
+              <a:rPr b="0" lang="de-DE" sz="3200" spc="-1" strike="noStrike">
+                <a:latin typeface="Arial"/>
               </a:rPr>
               <a:t>Format des Gliederungstextes durch Klicken bearbeiten</a:t>
             </a:r>
-            <a:endParaRPr b="0" lang="en-US" sz="2000" spc="-1" strike="noStrike">
-              <a:solidFill>
-                <a:srgbClr val="404040"/>
-              </a:solidFill>
-              <a:latin typeface="Calibri"/>
+            <a:endParaRPr b="0" lang="de-DE" sz="3200" spc="-1" strike="noStrike">
+              <a:latin typeface="Arial"/>
             </a:endParaRPr>
           </a:p>
           <a:p>
@@ -5857,19 +5162,13 @@
               <a:buChar char=""/>
             </a:pPr>
             <a:r>
-              <a:rPr b="0" lang="en-US" sz="1400" spc="-1" strike="noStrike">
-                <a:solidFill>
-                  <a:srgbClr val="404040"/>
-                </a:solidFill>
-                <a:latin typeface="Calibri"/>
+              <a:rPr b="0" lang="de-DE" sz="2800" spc="-1" strike="noStrike">
+                <a:latin typeface="Arial"/>
               </a:rPr>
               <a:t>Zweite Gliederungsebene</a:t>
             </a:r>
-            <a:endParaRPr b="0" lang="en-US" sz="1400" spc="-1" strike="noStrike">
-              <a:solidFill>
-                <a:srgbClr val="404040"/>
-              </a:solidFill>
-              <a:latin typeface="Calibri"/>
+            <a:endParaRPr b="0" lang="de-DE" sz="2800" spc="-1" strike="noStrike">
+              <a:latin typeface="Arial"/>
             </a:endParaRPr>
           </a:p>
           <a:p>
@@ -5885,19 +5184,13 @@
               <a:buChar char=""/>
             </a:pPr>
             <a:r>
-              <a:rPr b="0" lang="en-US" sz="1400" spc="-1" strike="noStrike">
-                <a:solidFill>
-                  <a:srgbClr val="404040"/>
-                </a:solidFill>
-                <a:latin typeface="Calibri"/>
+              <a:rPr b="0" lang="de-DE" sz="2400" spc="-1" strike="noStrike">
+                <a:latin typeface="Arial"/>
               </a:rPr>
               <a:t>Dritte Gliederungsebene</a:t>
             </a:r>
-            <a:endParaRPr b="0" lang="en-US" sz="1400" spc="-1" strike="noStrike">
-              <a:solidFill>
-                <a:srgbClr val="404040"/>
-              </a:solidFill>
-              <a:latin typeface="Calibri"/>
+            <a:endParaRPr b="0" lang="de-DE" sz="2400" spc="-1" strike="noStrike">
+              <a:latin typeface="Arial"/>
             </a:endParaRPr>
           </a:p>
           <a:p>
@@ -5913,19 +5206,13 @@
               <a:buChar char=""/>
             </a:pPr>
             <a:r>
-              <a:rPr b="0" lang="en-US" sz="1400" spc="-1" strike="noStrike">
-                <a:solidFill>
-                  <a:srgbClr val="404040"/>
-                </a:solidFill>
-                <a:latin typeface="Calibri"/>
+              <a:rPr b="0" lang="de-DE" sz="2000" spc="-1" strike="noStrike">
+                <a:latin typeface="Arial"/>
               </a:rPr>
               <a:t>Vierte Gliederungsebene</a:t>
             </a:r>
-            <a:endParaRPr b="0" lang="en-US" sz="1400" spc="-1" strike="noStrike">
-              <a:solidFill>
-                <a:srgbClr val="404040"/>
-              </a:solidFill>
-              <a:latin typeface="Calibri"/>
+            <a:endParaRPr b="0" lang="de-DE" sz="2000" spc="-1" strike="noStrike">
+              <a:latin typeface="Arial"/>
             </a:endParaRPr>
           </a:p>
           <a:p>
@@ -5941,19 +5228,13 @@
               <a:buChar char=""/>
             </a:pPr>
             <a:r>
-              <a:rPr b="0" lang="en-US" sz="2000" spc="-1" strike="noStrike">
-                <a:solidFill>
-                  <a:srgbClr val="404040"/>
-                </a:solidFill>
-                <a:latin typeface="Calibri"/>
+              <a:rPr b="0" lang="de-DE" sz="2000" spc="-1" strike="noStrike">
+                <a:latin typeface="Arial"/>
               </a:rPr>
               <a:t>Fünfte Gliederungsebene</a:t>
             </a:r>
-            <a:endParaRPr b="0" lang="en-US" sz="2000" spc="-1" strike="noStrike">
-              <a:solidFill>
-                <a:srgbClr val="404040"/>
-              </a:solidFill>
-              <a:latin typeface="Calibri"/>
+            <a:endParaRPr b="0" lang="de-DE" sz="2000" spc="-1" strike="noStrike">
+              <a:latin typeface="Arial"/>
             </a:endParaRPr>
           </a:p>
           <a:p>
@@ -5969,19 +5250,13 @@
               <a:buChar char=""/>
             </a:pPr>
             <a:r>
-              <a:rPr b="0" lang="en-US" sz="2000" spc="-1" strike="noStrike">
-                <a:solidFill>
-                  <a:srgbClr val="404040"/>
-                </a:solidFill>
-                <a:latin typeface="Calibri"/>
+              <a:rPr b="0" lang="de-DE" sz="2000" spc="-1" strike="noStrike">
+                <a:latin typeface="Arial"/>
               </a:rPr>
               <a:t>Sechste Gliederungsebene</a:t>
             </a:r>
-            <a:endParaRPr b="0" lang="en-US" sz="2000" spc="-1" strike="noStrike">
-              <a:solidFill>
-                <a:srgbClr val="404040"/>
-              </a:solidFill>
-              <a:latin typeface="Calibri"/>
+            <a:endParaRPr b="0" lang="de-DE" sz="2000" spc="-1" strike="noStrike">
+              <a:latin typeface="Arial"/>
             </a:endParaRPr>
           </a:p>
           <a:p>
@@ -5997,19 +5272,13 @@
               <a:buChar char=""/>
             </a:pPr>
             <a:r>
-              <a:rPr b="0" lang="en-US" sz="2000" spc="-1" strike="noStrike">
-                <a:solidFill>
-                  <a:srgbClr val="404040"/>
-                </a:solidFill>
-                <a:latin typeface="Calibri"/>
+              <a:rPr b="0" lang="de-DE" sz="2000" spc="-1" strike="noStrike">
+                <a:latin typeface="Arial"/>
               </a:rPr>
               <a:t>Siebte Gliederungsebene</a:t>
             </a:r>
-            <a:endParaRPr b="0" lang="en-US" sz="2000" spc="-1" strike="noStrike">
-              <a:solidFill>
-                <a:srgbClr val="404040"/>
-              </a:solidFill>
-              <a:latin typeface="Calibri"/>
+            <a:endParaRPr b="0" lang="de-DE" sz="2000" spc="-1" strike="noStrike">
+              <a:latin typeface="Arial"/>
             </a:endParaRPr>
           </a:p>
         </p:txBody>
@@ -6053,14 +5322,14 @@
       </p:grpSpPr>
       <p:sp>
         <p:nvSpPr>
-          <p:cNvPr id="137" name="TextShape 1"/>
-          <p:cNvSpPr txBox="1"/>
+          <p:cNvPr id="128" name="CustomShape 1"/>
+          <p:cNvSpPr/>
           <p:nvPr/>
         </p:nvSpPr>
         <p:spPr>
           <a:xfrm>
             <a:off x="1097280" y="758880"/>
-            <a:ext cx="10058040" cy="3565800"/>
+            <a:ext cx="10057320" cy="3565080"/>
           </a:xfrm>
           <a:prstGeom prst="rect">
             <a:avLst/>
@@ -6070,8 +5339,14 @@
             <a:noFill/>
           </a:ln>
         </p:spPr>
-        <p:txBody>
-          <a:bodyPr anchor="b"/>
+        <p:style>
+          <a:lnRef idx="0"/>
+          <a:fillRef idx="0"/>
+          <a:effectRef idx="0"/>
+          <a:fontRef idx="minor"/>
+        </p:style>
+        <p:txBody>
+          <a:bodyPr lIns="90000" rIns="90000" tIns="45000" bIns="45000" anchor="b"/>
           <a:p>
             <a:pPr>
               <a:lnSpc>
@@ -6079,33 +5354,31 @@
               </a:lnSpc>
             </a:pPr>
             <a:r>
-              <a:rPr b="0" lang="en-US" sz="8000" spc="-49" strike="noStrike">
+              <a:rPr b="0" lang="de-DE" sz="8000" spc="-43" strike="noStrike">
                 <a:solidFill>
                   <a:srgbClr val="262626"/>
                 </a:solidFill>
                 <a:latin typeface="Calibri Light"/>
+                <a:ea typeface="DejaVu Sans"/>
               </a:rPr>
               <a:t>Star-Voting</a:t>
             </a:r>
-            <a:endParaRPr b="0" lang="en-US" sz="8000" spc="-1" strike="noStrike">
-              <a:solidFill>
-                <a:srgbClr val="000000"/>
-              </a:solidFill>
-              <a:latin typeface="Calibri"/>
-            </a:endParaRPr>
-          </a:p>
-        </p:txBody>
-      </p:sp>
-      <p:sp>
-        <p:nvSpPr>
-          <p:cNvPr id="138" name="TextShape 2"/>
-          <p:cNvSpPr txBox="1"/>
+            <a:endParaRPr b="0" lang="de-DE" sz="8000" spc="-1" strike="noStrike">
+              <a:latin typeface="Arial"/>
+            </a:endParaRPr>
+          </a:p>
+        </p:txBody>
+      </p:sp>
+      <p:sp>
+        <p:nvSpPr>
+          <p:cNvPr id="129" name="CustomShape 2"/>
+          <p:cNvSpPr/>
           <p:nvPr/>
         </p:nvSpPr>
         <p:spPr>
           <a:xfrm>
             <a:off x="1100160" y="4455720"/>
-            <a:ext cx="10058040" cy="1142640"/>
+            <a:ext cx="10057320" cy="1141920"/>
           </a:xfrm>
           <a:prstGeom prst="rect">
             <a:avLst/>
@@ -6115,8 +5388,14 @@
             <a:noFill/>
           </a:ln>
         </p:spPr>
-        <p:txBody>
-          <a:bodyPr/>
+        <p:style>
+          <a:lnRef idx="0"/>
+          <a:fillRef idx="0"/>
+          <a:effectRef idx="0"/>
+          <a:fontRef idx="minor"/>
+        </p:style>
+        <p:txBody>
+          <a:bodyPr lIns="90000" rIns="90000" tIns="45000" bIns="45000"/>
           <a:p>
             <a:pPr>
               <a:lnSpc>
@@ -6130,11 +5409,12 @@
               </a:spcAft>
             </a:pPr>
             <a:r>
-              <a:rPr b="0" lang="de-DE" sz="2400" spc="199" strike="noStrike" cap="all">
+              <a:rPr b="0" lang="de-DE" sz="2400" spc="194" strike="noStrike" cap="all">
                 <a:solidFill>
                   <a:srgbClr val="637052"/>
                 </a:solidFill>
                 <a:latin typeface="Calibri Light"/>
+                <a:ea typeface="DejaVu Sans"/>
               </a:rPr>
               <a:t>Frederik Rieß &amp; Felix WillrichH</a:t>
             </a:r>
@@ -6195,14 +5475,14 @@
       </p:grpSpPr>
       <p:sp>
         <p:nvSpPr>
-          <p:cNvPr id="154" name="CustomShape 1"/>
+          <p:cNvPr id="166" name="CustomShape 1"/>
           <p:cNvSpPr/>
           <p:nvPr/>
         </p:nvSpPr>
         <p:spPr>
           <a:xfrm>
-            <a:off x="3198240" y="2961000"/>
-            <a:ext cx="5873760" cy="639000"/>
+            <a:off x="1097280" y="286560"/>
+            <a:ext cx="10057320" cy="1449720"/>
           </a:xfrm>
           <a:prstGeom prst="rect">
             <a:avLst/>
@@ -6219,28 +5499,53 @@
           <a:fontRef idx="minor"/>
         </p:style>
         <p:txBody>
-          <a:bodyPr lIns="90000" rIns="90000" tIns="45000" bIns="45000"/>
+          <a:bodyPr lIns="90000" rIns="90000" tIns="45000" bIns="45000" anchor="b"/>
           <a:p>
             <a:pPr>
               <a:lnSpc>
-                <a:spcPct val="100000"/>
+                <a:spcPct val="85000"/>
               </a:lnSpc>
             </a:pPr>
             <a:r>
-              <a:rPr b="0" lang="de-DE" sz="3600" spc="-1" strike="noStrike">
+              <a:rPr b="0" lang="de-DE" sz="4800" spc="-43" strike="noStrike">
                 <a:solidFill>
-                  <a:srgbClr val="000000"/>
+                  <a:srgbClr val="404040"/>
                 </a:solidFill>
-                <a:latin typeface="Calibri"/>
+                <a:latin typeface="Calibri Light"/>
+                <a:ea typeface="DejaVu Sans"/>
               </a:rPr>
-              <a:t>Weiter geht’s im Code…</a:t>
+              <a:t>Übersicht</a:t>
             </a:r>
-            <a:endParaRPr b="0" lang="de-DE" sz="3600" spc="-1" strike="noStrike">
-              <a:latin typeface="Arial"/>
-            </a:endParaRPr>
-          </a:p>
-        </p:txBody>
-      </p:sp>
+            <a:endParaRPr b="0" lang="de-DE" sz="4800" spc="-1" strike="noStrike">
+              <a:latin typeface="Arial"/>
+            </a:endParaRPr>
+          </a:p>
+        </p:txBody>
+      </p:sp>
+      <p:pic>
+        <p:nvPicPr>
+          <p:cNvPr id="167" name="Picture 2" descr=""/>
+          <p:cNvPicPr/>
+          <p:nvPr/>
+        </p:nvPicPr>
+        <p:blipFill>
+          <a:blip r:embed="rId1"/>
+          <a:srcRect l="0" t="12913" r="0" b="12845"/>
+          <a:stretch/>
+        </p:blipFill>
+        <p:spPr>
+          <a:xfrm>
+            <a:off x="1938960" y="1846440"/>
+            <a:ext cx="8373240" cy="4021560"/>
+          </a:xfrm>
+          <a:prstGeom prst="rect">
+            <a:avLst/>
+          </a:prstGeom>
+          <a:ln>
+            <a:noFill/>
+          </a:ln>
+        </p:spPr>
+      </p:pic>
     </p:spTree>
   </p:cSld>
   <p:timing>
@@ -6292,14 +5597,14 @@
       </p:grpSpPr>
       <p:sp>
         <p:nvSpPr>
-          <p:cNvPr id="155" name="TextShape 1"/>
-          <p:cNvSpPr txBox="1"/>
+          <p:cNvPr id="168" name="CustomShape 1"/>
+          <p:cNvSpPr/>
           <p:nvPr/>
         </p:nvSpPr>
         <p:spPr>
           <a:xfrm>
             <a:off x="1097280" y="286560"/>
-            <a:ext cx="10058040" cy="1450440"/>
+            <a:ext cx="10057320" cy="1449720"/>
           </a:xfrm>
           <a:prstGeom prst="rect">
             <a:avLst/>
@@ -6309,8 +5614,16 @@
             <a:noFill/>
           </a:ln>
         </p:spPr>
-        <p:txBody>
-          <a:bodyPr anchor="b"/>
+        <p:style>
+          <a:lnRef idx="0"/>
+          <a:fillRef idx="0"/>
+          <a:effectRef idx="0"/>
+          <a:fontRef idx="minor"/>
+        </p:style>
+        <p:txBody>
+          <a:bodyPr lIns="90000" rIns="90000" tIns="45000" bIns="45000" anchor="b">
+            <a:normAutofit/>
+          </a:bodyPr>
           <a:p>
             <a:pPr>
               <a:lnSpc>
@@ -6318,33 +5631,31 @@
               </a:lnSpc>
             </a:pPr>
             <a:r>
-              <a:rPr b="0" lang="en-US" sz="4800" spc="-49" strike="noStrike">
+              <a:rPr b="0" lang="de-DE" sz="4000" spc="-43" strike="noStrike">
                 <a:solidFill>
                   <a:srgbClr val="404040"/>
                 </a:solidFill>
                 <a:latin typeface="Calibri Light"/>
+                <a:ea typeface="DejaVu Sans"/>
               </a:rPr>
-              <a:t>Quellen</a:t>
+              <a:t>Gedanken/Probleme/Ideen Implementierung</a:t>
             </a:r>
-            <a:endParaRPr b="0" lang="en-US" sz="4800" spc="-1" strike="noStrike">
-              <a:solidFill>
-                <a:srgbClr val="000000"/>
-              </a:solidFill>
-              <a:latin typeface="Calibri"/>
-            </a:endParaRPr>
-          </a:p>
-        </p:txBody>
-      </p:sp>
-      <p:sp>
-        <p:nvSpPr>
-          <p:cNvPr id="156" name="TextShape 2"/>
-          <p:cNvSpPr txBox="1"/>
+            <a:endParaRPr b="0" lang="de-DE" sz="4000" spc="-1" strike="noStrike">
+              <a:latin typeface="Arial"/>
+            </a:endParaRPr>
+          </a:p>
+        </p:txBody>
+      </p:sp>
+      <p:sp>
+        <p:nvSpPr>
+          <p:cNvPr id="169" name="CustomShape 2"/>
+          <p:cNvSpPr/>
           <p:nvPr/>
         </p:nvSpPr>
         <p:spPr>
           <a:xfrm>
             <a:off x="1097280" y="1845720"/>
-            <a:ext cx="10058040" cy="4023000"/>
+            <a:ext cx="10057320" cy="4022280"/>
           </a:xfrm>
           <a:prstGeom prst="rect">
             <a:avLst/>
@@ -6354,10 +5665,18 @@
             <a:noFill/>
           </a:ln>
         </p:spPr>
-        <p:txBody>
-          <a:bodyPr lIns="0" rIns="0"/>
-          <a:p>
-            <a:pPr marL="91440" indent="-91080">
+        <p:style>
+          <a:lnRef idx="0"/>
+          <a:fillRef idx="0"/>
+          <a:effectRef idx="0"/>
+          <a:fontRef idx="minor"/>
+        </p:style>
+        <p:txBody>
+          <a:bodyPr lIns="0" rIns="0" tIns="45000" bIns="45000">
+            <a:normAutofit/>
+          </a:bodyPr>
+          <a:p>
+            <a:pPr marL="91440" indent="-90360">
               <a:lnSpc>
                 <a:spcPct val="90000"/>
               </a:lnSpc>
@@ -6374,21 +5693,17 @@
               <a:buChar char="•"/>
             </a:pPr>
             <a:r>
-              <a:rPr b="0" lang="en-US" sz="2000" spc="-1" strike="noStrike" u="sng">
+              <a:rPr b="0" lang="de-DE" sz="2000" spc="-1" strike="noStrike">
                 <a:solidFill>
-                  <a:srgbClr val="5eb2ea"/>
+                  <a:srgbClr val="404040"/>
                 </a:solidFill>
-                <a:uFillTx/>
                 <a:latin typeface="Calibri"/>
-                <a:hlinkClick r:id="rId1"/>
+                <a:ea typeface="DejaVu Sans"/>
               </a:rPr>
-              <a:t>https://www.equal.vote/</a:t>
+              <a:t>Einlesen von Daten</a:t>
             </a:r>
-            <a:endParaRPr b="0" lang="en-US" sz="2000" spc="-1" strike="noStrike">
-              <a:solidFill>
-                <a:srgbClr val="404040"/>
-              </a:solidFill>
-              <a:latin typeface="Calibri"/>
+            <a:endParaRPr b="0" lang="de-DE" sz="2000" spc="-1" strike="noStrike">
+              <a:latin typeface="Arial"/>
             </a:endParaRPr>
           </a:p>
           <a:p>
@@ -6403,15 +5718,12 @@
                 <a:spcPts val="201"/>
               </a:spcAft>
             </a:pPr>
-            <a:endParaRPr b="0" lang="en-US" sz="2000" spc="-1" strike="noStrike">
-              <a:solidFill>
-                <a:srgbClr val="404040"/>
-              </a:solidFill>
-              <a:latin typeface="Calibri"/>
-            </a:endParaRPr>
-          </a:p>
-          <a:p>
-            <a:pPr marL="91440" indent="-91080">
+            <a:endParaRPr b="0" lang="de-DE" sz="2000" spc="-1" strike="noStrike">
+              <a:latin typeface="Arial"/>
+            </a:endParaRPr>
+          </a:p>
+          <a:p>
+            <a:pPr marL="91440" indent="-90360">
               <a:lnSpc>
                 <a:spcPct val="90000"/>
               </a:lnSpc>
@@ -6428,21 +5740,158 @@
               <a:buChar char="•"/>
             </a:pPr>
             <a:r>
-              <a:rPr b="0" lang="en-US" sz="2000" spc="-1" strike="noStrike" u="sng">
+              <a:rPr b="0" lang="de-DE" sz="2000" spc="-1" strike="noStrike">
                 <a:solidFill>
-                  <a:srgbClr val="5eb2ea"/>
+                  <a:srgbClr val="404040"/>
                 </a:solidFill>
-                <a:uFillTx/>
                 <a:latin typeface="Calibri"/>
-                <a:hlinkClick r:id="rId2"/>
+                <a:ea typeface="DejaVu Sans"/>
               </a:rPr>
-              <a:t>https://www.starvoting.us</a:t>
+              <a:t>Mehr als zwei Kandidaten nach der Bewertungswahl</a:t>
             </a:r>
-            <a:endParaRPr b="0" lang="en-US" sz="2000" spc="-1" strike="noStrike">
-              <a:solidFill>
-                <a:srgbClr val="404040"/>
-              </a:solidFill>
-              <a:latin typeface="Calibri"/>
+            <a:endParaRPr b="0" lang="de-DE" sz="2000" spc="-1" strike="noStrike">
+              <a:latin typeface="Arial"/>
+            </a:endParaRPr>
+          </a:p>
+          <a:p>
+            <a:pPr>
+              <a:lnSpc>
+                <a:spcPct val="90000"/>
+              </a:lnSpc>
+              <a:spcBef>
+                <a:spcPts val="1199"/>
+              </a:spcBef>
+              <a:spcAft>
+                <a:spcPts val="201"/>
+              </a:spcAft>
+            </a:pPr>
+            <a:endParaRPr b="0" lang="de-DE" sz="2000" spc="-1" strike="noStrike">
+              <a:latin typeface="Arial"/>
+            </a:endParaRPr>
+          </a:p>
+          <a:p>
+            <a:pPr marL="91440" indent="-90360">
+              <a:lnSpc>
+                <a:spcPct val="90000"/>
+              </a:lnSpc>
+              <a:spcBef>
+                <a:spcPts val="1199"/>
+              </a:spcBef>
+              <a:spcAft>
+                <a:spcPts val="201"/>
+              </a:spcAft>
+              <a:buClr>
+                <a:srgbClr val="e48312"/>
+              </a:buClr>
+              <a:buFont typeface="Arial"/>
+              <a:buChar char="•"/>
+            </a:pPr>
+            <a:r>
+              <a:rPr b="0" lang="de-DE" sz="2000" spc="-1" strike="noStrike">
+                <a:solidFill>
+                  <a:srgbClr val="404040"/>
+                </a:solidFill>
+                <a:latin typeface="Calibri"/>
+                <a:ea typeface="DejaVu Sans"/>
+              </a:rPr>
+              <a:t>Was passiert bei nur zwei eingelesenen Kandidaten?</a:t>
+            </a:r>
+            <a:endParaRPr b="0" lang="de-DE" sz="2000" spc="-1" strike="noStrike">
+              <a:latin typeface="Arial"/>
+            </a:endParaRPr>
+          </a:p>
+          <a:p>
+            <a:pPr>
+              <a:lnSpc>
+                <a:spcPct val="90000"/>
+              </a:lnSpc>
+              <a:spcBef>
+                <a:spcPts val="1199"/>
+              </a:spcBef>
+              <a:spcAft>
+                <a:spcPts val="201"/>
+              </a:spcAft>
+            </a:pPr>
+            <a:endParaRPr b="0" lang="de-DE" sz="2000" spc="-1" strike="noStrike">
+              <a:latin typeface="Arial"/>
+            </a:endParaRPr>
+          </a:p>
+          <a:p>
+            <a:pPr marL="91440" indent="-90360">
+              <a:lnSpc>
+                <a:spcPct val="90000"/>
+              </a:lnSpc>
+              <a:spcBef>
+                <a:spcPts val="1199"/>
+              </a:spcBef>
+              <a:spcAft>
+                <a:spcPts val="201"/>
+              </a:spcAft>
+              <a:buClr>
+                <a:srgbClr val="e48312"/>
+              </a:buClr>
+              <a:buFont typeface="Arial"/>
+              <a:buChar char="•"/>
+            </a:pPr>
+            <a:r>
+              <a:rPr b="0" lang="de-DE" sz="2000" spc="-1" strike="noStrike">
+                <a:solidFill>
+                  <a:srgbClr val="404040"/>
+                </a:solidFill>
+                <a:latin typeface="Calibri"/>
+                <a:ea typeface="DejaVu Sans"/>
+              </a:rPr>
+              <a:t>Geeignete Objektstruktur finden</a:t>
+            </a:r>
+            <a:endParaRPr b="0" lang="de-DE" sz="2000" spc="-1" strike="noStrike">
+              <a:latin typeface="Arial"/>
+            </a:endParaRPr>
+          </a:p>
+          <a:p>
+            <a:pPr>
+              <a:lnSpc>
+                <a:spcPct val="90000"/>
+              </a:lnSpc>
+              <a:spcBef>
+                <a:spcPts val="1199"/>
+              </a:spcBef>
+              <a:spcAft>
+                <a:spcPts val="201"/>
+              </a:spcAft>
+            </a:pPr>
+            <a:endParaRPr b="0" lang="de-DE" sz="2000" spc="-1" strike="noStrike">
+              <a:latin typeface="Arial"/>
+            </a:endParaRPr>
+          </a:p>
+          <a:p>
+            <a:pPr marL="91440" indent="-90360">
+              <a:lnSpc>
+                <a:spcPct val="90000"/>
+              </a:lnSpc>
+              <a:spcBef>
+                <a:spcPts val="1199"/>
+              </a:spcBef>
+              <a:spcAft>
+                <a:spcPts val="201"/>
+              </a:spcAft>
+              <a:buClr>
+                <a:srgbClr val="e48312"/>
+              </a:buClr>
+              <a:buFont typeface="Arial"/>
+              <a:buChar char="•"/>
+            </a:pPr>
+            <a:r>
+              <a:rPr b="0" lang="de-DE" sz="2000" spc="-1" strike="noStrike">
+                <a:solidFill>
+                  <a:srgbClr val="404040"/>
+                </a:solidFill>
+                <a:latin typeface="Calibri"/>
+                <a:ea typeface="DejaVu Sans"/>
+              </a:rPr>
+              <a:t>Logischerweise genügend technische Probleme…</a:t>
+            </a:r>
+            <a:endParaRPr b="0" lang="de-DE" sz="2000" spc="-1" strike="noStrike">
+              <a:latin typeface="Arial"/>
             </a:endParaRPr>
           </a:p>
         </p:txBody>
@@ -6456,6 +5905,313 @@
           <p:childTnLst>
             <p:seq>
               <p:cTn id="22" dur="indefinite" nodeType="mainSeq"/>
+              <p:prevCondLst>
+                <p:cond delay="0" evt="onPrev">
+                  <p:tgtEl>
+                    <p:sldTgt/>
+                  </p:tgtEl>
+                </p:cond>
+              </p:prevCondLst>
+              <p:nextCondLst>
+                <p:cond delay="0" evt="onNext">
+                  <p:tgtEl>
+                    <p:sldTgt/>
+                  </p:tgtEl>
+                </p:cond>
+              </p:nextCondLst>
+            </p:seq>
+          </p:childTnLst>
+        </p:cTn>
+      </p:par>
+    </p:tnLst>
+  </p:timing>
+</p:sld>
+</file>
+
+<file path=ppt/slides/slide12.xml><?xml version="1.0" encoding="utf-8"?>
+<p:sld xmlns:a="http://schemas.openxmlformats.org/drawingml/2006/main" xmlns:p="http://schemas.openxmlformats.org/presentationml/2006/main" xmlns:r="http://schemas.openxmlformats.org/officeDocument/2006/relationships" xmlns:p14="http://schemas.microsoft.com/office/powerpoint/2010/main" xmlns:p15="http://schemas.microsoft.com/office/powerpoint/2012/main" xmlns:mc="http://schemas.openxmlformats.org/markup-compatibility/2006">
+  <p:cSld>
+    <p:spTree>
+      <p:nvGrpSpPr>
+        <p:cNvPr id="1" name=""/>
+        <p:cNvGrpSpPr/>
+        <p:nvPr/>
+      </p:nvGrpSpPr>
+      <p:grpSpPr>
+        <a:xfrm>
+          <a:off x="0" y="0"/>
+          <a:ext cx="0" cy="0"/>
+          <a:chOff x="0" y="0"/>
+          <a:chExt cx="0" cy="0"/>
+        </a:xfrm>
+      </p:grpSpPr>
+      <p:sp>
+        <p:nvSpPr>
+          <p:cNvPr id="170" name="CustomShape 1"/>
+          <p:cNvSpPr/>
+          <p:nvPr/>
+        </p:nvSpPr>
+        <p:spPr>
+          <a:xfrm>
+            <a:off x="3198240" y="2961000"/>
+            <a:ext cx="5873040" cy="638280"/>
+          </a:xfrm>
+          <a:prstGeom prst="rect">
+            <a:avLst/>
+          </a:prstGeom>
+          <a:noFill/>
+          <a:ln>
+            <a:noFill/>
+          </a:ln>
+        </p:spPr>
+        <p:style>
+          <a:lnRef idx="0"/>
+          <a:fillRef idx="0"/>
+          <a:effectRef idx="0"/>
+          <a:fontRef idx="minor"/>
+        </p:style>
+        <p:txBody>
+          <a:bodyPr lIns="90000" rIns="90000" tIns="45000" bIns="45000"/>
+          <a:p>
+            <a:pPr>
+              <a:lnSpc>
+                <a:spcPct val="100000"/>
+              </a:lnSpc>
+            </a:pPr>
+            <a:r>
+              <a:rPr b="0" lang="de-DE" sz="3600" spc="-1" strike="noStrike">
+                <a:solidFill>
+                  <a:srgbClr val="000000"/>
+                </a:solidFill>
+                <a:latin typeface="Calibri"/>
+                <a:ea typeface="DejaVu Sans"/>
+              </a:rPr>
+              <a:t>Weiter geht’s im Code…</a:t>
+            </a:r>
+            <a:endParaRPr b="0" lang="de-DE" sz="3600" spc="-1" strike="noStrike">
+              <a:latin typeface="Arial"/>
+            </a:endParaRPr>
+          </a:p>
+        </p:txBody>
+      </p:sp>
+    </p:spTree>
+  </p:cSld>
+  <p:timing>
+    <p:tnLst>
+      <p:par>
+        <p:cTn id="23" dur="indefinite" restart="never" nodeType="tmRoot">
+          <p:childTnLst>
+            <p:seq>
+              <p:cTn id="24" dur="indefinite" nodeType="mainSeq"/>
+              <p:prevCondLst>
+                <p:cond delay="0" evt="onPrev">
+                  <p:tgtEl>
+                    <p:sldTgt/>
+                  </p:tgtEl>
+                </p:cond>
+              </p:prevCondLst>
+              <p:nextCondLst>
+                <p:cond delay="0" evt="onNext">
+                  <p:tgtEl>
+                    <p:sldTgt/>
+                  </p:tgtEl>
+                </p:cond>
+              </p:nextCondLst>
+            </p:seq>
+          </p:childTnLst>
+        </p:cTn>
+      </p:par>
+    </p:tnLst>
+  </p:timing>
+</p:sld>
+</file>
+
+<file path=ppt/slides/slide13.xml><?xml version="1.0" encoding="utf-8"?>
+<p:sld xmlns:a="http://schemas.openxmlformats.org/drawingml/2006/main" xmlns:p="http://schemas.openxmlformats.org/presentationml/2006/main" xmlns:r="http://schemas.openxmlformats.org/officeDocument/2006/relationships" xmlns:p14="http://schemas.microsoft.com/office/powerpoint/2010/main" xmlns:p15="http://schemas.microsoft.com/office/powerpoint/2012/main" xmlns:mc="http://schemas.openxmlformats.org/markup-compatibility/2006">
+  <p:cSld>
+    <p:spTree>
+      <p:nvGrpSpPr>
+        <p:cNvPr id="1" name=""/>
+        <p:cNvGrpSpPr/>
+        <p:nvPr/>
+      </p:nvGrpSpPr>
+      <p:grpSpPr>
+        <a:xfrm>
+          <a:off x="0" y="0"/>
+          <a:ext cx="0" cy="0"/>
+          <a:chOff x="0" y="0"/>
+          <a:chExt cx="0" cy="0"/>
+        </a:xfrm>
+      </p:grpSpPr>
+      <p:sp>
+        <p:nvSpPr>
+          <p:cNvPr id="171" name="CustomShape 1"/>
+          <p:cNvSpPr/>
+          <p:nvPr/>
+        </p:nvSpPr>
+        <p:spPr>
+          <a:xfrm>
+            <a:off x="1097280" y="286560"/>
+            <a:ext cx="10057320" cy="1449720"/>
+          </a:xfrm>
+          <a:prstGeom prst="rect">
+            <a:avLst/>
+          </a:prstGeom>
+          <a:noFill/>
+          <a:ln>
+            <a:noFill/>
+          </a:ln>
+        </p:spPr>
+        <p:style>
+          <a:lnRef idx="0"/>
+          <a:fillRef idx="0"/>
+          <a:effectRef idx="0"/>
+          <a:fontRef idx="minor"/>
+        </p:style>
+        <p:txBody>
+          <a:bodyPr lIns="90000" rIns="90000" tIns="45000" bIns="45000" anchor="b"/>
+          <a:p>
+            <a:pPr>
+              <a:lnSpc>
+                <a:spcPct val="85000"/>
+              </a:lnSpc>
+            </a:pPr>
+            <a:r>
+              <a:rPr b="0" lang="de-DE" sz="4800" spc="-43" strike="noStrike">
+                <a:solidFill>
+                  <a:srgbClr val="404040"/>
+                </a:solidFill>
+                <a:latin typeface="Calibri Light"/>
+                <a:ea typeface="DejaVu Sans"/>
+              </a:rPr>
+              <a:t>Quellen</a:t>
+            </a:r>
+            <a:endParaRPr b="0" lang="de-DE" sz="4800" spc="-1" strike="noStrike">
+              <a:latin typeface="Arial"/>
+            </a:endParaRPr>
+          </a:p>
+        </p:txBody>
+      </p:sp>
+      <p:sp>
+        <p:nvSpPr>
+          <p:cNvPr id="172" name="CustomShape 2"/>
+          <p:cNvSpPr/>
+          <p:nvPr/>
+        </p:nvSpPr>
+        <p:spPr>
+          <a:xfrm>
+            <a:off x="1097280" y="1845720"/>
+            <a:ext cx="10057320" cy="4022280"/>
+          </a:xfrm>
+          <a:prstGeom prst="rect">
+            <a:avLst/>
+          </a:prstGeom>
+          <a:noFill/>
+          <a:ln>
+            <a:noFill/>
+          </a:ln>
+        </p:spPr>
+        <p:style>
+          <a:lnRef idx="0"/>
+          <a:fillRef idx="0"/>
+          <a:effectRef idx="0"/>
+          <a:fontRef idx="minor"/>
+        </p:style>
+        <p:txBody>
+          <a:bodyPr lIns="0" rIns="0" tIns="45000" bIns="45000"/>
+          <a:p>
+            <a:pPr marL="91440" indent="-90360">
+              <a:lnSpc>
+                <a:spcPct val="90000"/>
+              </a:lnSpc>
+              <a:spcBef>
+                <a:spcPts val="1199"/>
+              </a:spcBef>
+              <a:spcAft>
+                <a:spcPts val="201"/>
+              </a:spcAft>
+              <a:buClr>
+                <a:srgbClr val="e48312"/>
+              </a:buClr>
+              <a:buFont typeface="Arial"/>
+              <a:buChar char="•"/>
+            </a:pPr>
+            <a:r>
+              <a:rPr b="0" lang="de-DE" sz="2000" spc="-1" strike="noStrike" u="sng">
+                <a:solidFill>
+                  <a:srgbClr val="2998e3"/>
+                </a:solidFill>
+                <a:uFillTx/>
+                <a:latin typeface="Calibri"/>
+                <a:ea typeface="DejaVu Sans"/>
+                <a:hlinkClick r:id="rId1"/>
+              </a:rPr>
+              <a:t>https://www.equal.vote/</a:t>
+            </a:r>
+            <a:endParaRPr b="0" lang="de-DE" sz="2000" spc="-1" strike="noStrike">
+              <a:latin typeface="Arial"/>
+            </a:endParaRPr>
+          </a:p>
+          <a:p>
+            <a:pPr>
+              <a:lnSpc>
+                <a:spcPct val="90000"/>
+              </a:lnSpc>
+              <a:spcBef>
+                <a:spcPts val="1199"/>
+              </a:spcBef>
+              <a:spcAft>
+                <a:spcPts val="201"/>
+              </a:spcAft>
+            </a:pPr>
+            <a:endParaRPr b="0" lang="de-DE" sz="2000" spc="-1" strike="noStrike">
+              <a:latin typeface="Arial"/>
+            </a:endParaRPr>
+          </a:p>
+          <a:p>
+            <a:pPr marL="91440" indent="-90360">
+              <a:lnSpc>
+                <a:spcPct val="90000"/>
+              </a:lnSpc>
+              <a:spcBef>
+                <a:spcPts val="1199"/>
+              </a:spcBef>
+              <a:spcAft>
+                <a:spcPts val="201"/>
+              </a:spcAft>
+              <a:buClr>
+                <a:srgbClr val="e48312"/>
+              </a:buClr>
+              <a:buFont typeface="Arial"/>
+              <a:buChar char="•"/>
+            </a:pPr>
+            <a:r>
+              <a:rPr b="0" lang="de-DE" sz="2000" spc="-1" strike="noStrike" u="sng">
+                <a:solidFill>
+                  <a:srgbClr val="2998e3"/>
+                </a:solidFill>
+                <a:uFillTx/>
+                <a:latin typeface="Calibri"/>
+                <a:ea typeface="DejaVu Sans"/>
+                <a:hlinkClick r:id="rId2"/>
+              </a:rPr>
+              <a:t>https://www.starvoting.us</a:t>
+            </a:r>
+            <a:endParaRPr b="0" lang="de-DE" sz="2000" spc="-1" strike="noStrike">
+              <a:latin typeface="Arial"/>
+            </a:endParaRPr>
+          </a:p>
+        </p:txBody>
+      </p:sp>
+    </p:spTree>
+  </p:cSld>
+  <p:timing>
+    <p:tnLst>
+      <p:par>
+        <p:cTn id="25" dur="indefinite" restart="never" nodeType="tmRoot">
+          <p:childTnLst>
+            <p:seq>
+              <p:cTn id="26" dur="indefinite" nodeType="mainSeq"/>
               <p:prevCondLst>
                 <p:cond delay="0" evt="onPrev">
                   <p:tgtEl>
@@ -6498,14 +6254,44 @@
       </p:grpSpPr>
       <p:sp>
         <p:nvSpPr>
-          <p:cNvPr id="139" name="TextShape 1"/>
-          <p:cNvSpPr txBox="1"/>
+          <p:cNvPr id="130" name="CustomShape 1"/>
+          <p:cNvSpPr/>
           <p:nvPr/>
         </p:nvSpPr>
         <p:spPr>
           <a:xfrm>
-            <a:off x="1097280" y="286560"/>
-            <a:ext cx="10058040" cy="1450440"/>
+            <a:off x="504000" y="2232000"/>
+            <a:ext cx="2375640" cy="3023640"/>
+          </a:xfrm>
+          <a:prstGeom prst="ellipse">
+            <a:avLst/>
+          </a:prstGeom>
+          <a:solidFill>
+            <a:srgbClr val="ffffff"/>
+          </a:solidFill>
+          <a:ln>
+            <a:solidFill>
+              <a:srgbClr val="3465a4"/>
+            </a:solidFill>
+          </a:ln>
+        </p:spPr>
+        <p:style>
+          <a:lnRef idx="0"/>
+          <a:fillRef idx="0"/>
+          <a:effectRef idx="0"/>
+          <a:fontRef idx="minor"/>
+        </p:style>
+      </p:sp>
+      <p:sp>
+        <p:nvSpPr>
+          <p:cNvPr id="131" name="CustomShape 2"/>
+          <p:cNvSpPr/>
+          <p:nvPr/>
+        </p:nvSpPr>
+        <p:spPr>
+          <a:xfrm>
+            <a:off x="1097280" y="1845720"/>
+            <a:ext cx="10057320" cy="4022280"/>
           </a:xfrm>
           <a:prstGeom prst="rect">
             <a:avLst/>
@@ -6515,42 +6301,343 @@
             <a:noFill/>
           </a:ln>
         </p:spPr>
-        <p:txBody>
-          <a:bodyPr anchor="b"/>
-          <a:p>
-            <a:pPr>
-              <a:lnSpc>
-                <a:spcPct val="85000"/>
-              </a:lnSpc>
-            </a:pPr>
-            <a:r>
-              <a:rPr b="0" lang="en-US" sz="4800" spc="-49" strike="noStrike">
-                <a:solidFill>
-                  <a:srgbClr val="404040"/>
-                </a:solidFill>
-                <a:latin typeface="Calibri Light"/>
-              </a:rPr>
-              <a:t>Historie/Entwicklung</a:t>
-            </a:r>
-            <a:endParaRPr b="0" lang="en-US" sz="4800" spc="-1" strike="noStrike">
-              <a:solidFill>
-                <a:srgbClr val="000000"/>
-              </a:solidFill>
-              <a:latin typeface="Calibri"/>
-            </a:endParaRPr>
-          </a:p>
-        </p:txBody>
-      </p:sp>
-      <p:sp>
-        <p:nvSpPr>
-          <p:cNvPr id="140" name="TextShape 2"/>
-          <p:cNvSpPr txBox="1"/>
+        <p:style>
+          <a:lnRef idx="0"/>
+          <a:fillRef idx="0"/>
+          <a:effectRef idx="0"/>
+          <a:fontRef idx="minor"/>
+        </p:style>
+      </p:sp>
+      <p:sp>
+        <p:nvSpPr>
+          <p:cNvPr id="132" name="CustomShape 3"/>
+          <p:cNvSpPr/>
           <p:nvPr/>
         </p:nvSpPr>
         <p:spPr>
           <a:xfrm>
-            <a:off x="1097280" y="1845720"/>
-            <a:ext cx="10058040" cy="4023000"/>
+            <a:off x="1296000" y="2520000"/>
+            <a:ext cx="503640" cy="431640"/>
+          </a:xfrm>
+          <a:prstGeom prst="smileyFace">
+            <a:avLst>
+              <a:gd name="adj" fmla="val 9282"/>
+            </a:avLst>
+          </a:prstGeom>
+          <a:solidFill>
+            <a:srgbClr val="729fcf"/>
+          </a:solidFill>
+          <a:ln>
+            <a:solidFill>
+              <a:srgbClr val="3465a4"/>
+            </a:solidFill>
+          </a:ln>
+        </p:spPr>
+        <p:style>
+          <a:lnRef idx="0"/>
+          <a:fillRef idx="0"/>
+          <a:effectRef idx="0"/>
+          <a:fontRef idx="minor"/>
+        </p:style>
+      </p:sp>
+      <p:sp>
+        <p:nvSpPr>
+          <p:cNvPr id="133" name="CustomShape 4"/>
+          <p:cNvSpPr/>
+          <p:nvPr/>
+        </p:nvSpPr>
+        <p:spPr>
+          <a:xfrm>
+            <a:off x="2160000" y="4176000"/>
+            <a:ext cx="503640" cy="431640"/>
+          </a:xfrm>
+          <a:prstGeom prst="smileyFace">
+            <a:avLst>
+              <a:gd name="adj" fmla="val 9282"/>
+            </a:avLst>
+          </a:prstGeom>
+          <a:solidFill>
+            <a:srgbClr val="729fcf"/>
+          </a:solidFill>
+          <a:ln>
+            <a:solidFill>
+              <a:srgbClr val="3465a4"/>
+            </a:solidFill>
+          </a:ln>
+        </p:spPr>
+        <p:style>
+          <a:lnRef idx="0"/>
+          <a:fillRef idx="0"/>
+          <a:effectRef idx="0"/>
+          <a:fontRef idx="minor"/>
+        </p:style>
+      </p:sp>
+      <p:sp>
+        <p:nvSpPr>
+          <p:cNvPr id="134" name="CustomShape 5"/>
+          <p:cNvSpPr/>
+          <p:nvPr/>
+        </p:nvSpPr>
+        <p:spPr>
+          <a:xfrm>
+            <a:off x="1512000" y="4248000"/>
+            <a:ext cx="503640" cy="431640"/>
+          </a:xfrm>
+          <a:prstGeom prst="smileyFace">
+            <a:avLst>
+              <a:gd name="adj" fmla="val 9282"/>
+            </a:avLst>
+          </a:prstGeom>
+          <a:solidFill>
+            <a:srgbClr val="729fcf"/>
+          </a:solidFill>
+          <a:ln>
+            <a:solidFill>
+              <a:srgbClr val="3465a4"/>
+            </a:solidFill>
+          </a:ln>
+        </p:spPr>
+        <p:style>
+          <a:lnRef idx="0"/>
+          <a:fillRef idx="0"/>
+          <a:effectRef idx="0"/>
+          <a:fontRef idx="minor"/>
+        </p:style>
+      </p:sp>
+      <p:sp>
+        <p:nvSpPr>
+          <p:cNvPr id="135" name="CustomShape 6"/>
+          <p:cNvSpPr/>
+          <p:nvPr/>
+        </p:nvSpPr>
+        <p:spPr>
+          <a:xfrm>
+            <a:off x="2088000" y="3600000"/>
+            <a:ext cx="503640" cy="431640"/>
+          </a:xfrm>
+          <a:prstGeom prst="smileyFace">
+            <a:avLst>
+              <a:gd name="adj" fmla="val 9282"/>
+            </a:avLst>
+          </a:prstGeom>
+          <a:solidFill>
+            <a:srgbClr val="729fcf"/>
+          </a:solidFill>
+          <a:ln>
+            <a:solidFill>
+              <a:srgbClr val="3465a4"/>
+            </a:solidFill>
+          </a:ln>
+        </p:spPr>
+        <p:style>
+          <a:lnRef idx="0"/>
+          <a:fillRef idx="0"/>
+          <a:effectRef idx="0"/>
+          <a:fontRef idx="minor"/>
+        </p:style>
+      </p:sp>
+      <p:sp>
+        <p:nvSpPr>
+          <p:cNvPr id="136" name="CustomShape 7"/>
+          <p:cNvSpPr/>
+          <p:nvPr/>
+        </p:nvSpPr>
+        <p:spPr>
+          <a:xfrm>
+            <a:off x="1872000" y="2520000"/>
+            <a:ext cx="503640" cy="431640"/>
+          </a:xfrm>
+          <a:prstGeom prst="smileyFace">
+            <a:avLst>
+              <a:gd name="adj" fmla="val 9282"/>
+            </a:avLst>
+          </a:prstGeom>
+          <a:solidFill>
+            <a:srgbClr val="729fcf"/>
+          </a:solidFill>
+          <a:ln>
+            <a:solidFill>
+              <a:srgbClr val="3465a4"/>
+            </a:solidFill>
+          </a:ln>
+        </p:spPr>
+        <p:style>
+          <a:lnRef idx="0"/>
+          <a:fillRef idx="0"/>
+          <a:effectRef idx="0"/>
+          <a:fontRef idx="minor"/>
+        </p:style>
+      </p:sp>
+      <p:sp>
+        <p:nvSpPr>
+          <p:cNvPr id="137" name="CustomShape 8"/>
+          <p:cNvSpPr/>
+          <p:nvPr/>
+        </p:nvSpPr>
+        <p:spPr>
+          <a:xfrm>
+            <a:off x="1800000" y="3024000"/>
+            <a:ext cx="503640" cy="431640"/>
+          </a:xfrm>
+          <a:prstGeom prst="smileyFace">
+            <a:avLst>
+              <a:gd name="adj" fmla="val 9282"/>
+            </a:avLst>
+          </a:prstGeom>
+          <a:solidFill>
+            <a:srgbClr val="729fcf"/>
+          </a:solidFill>
+          <a:ln>
+            <a:solidFill>
+              <a:srgbClr val="3465a4"/>
+            </a:solidFill>
+          </a:ln>
+        </p:spPr>
+        <p:style>
+          <a:lnRef idx="0"/>
+          <a:fillRef idx="0"/>
+          <a:effectRef idx="0"/>
+          <a:fontRef idx="minor"/>
+        </p:style>
+      </p:sp>
+      <p:sp>
+        <p:nvSpPr>
+          <p:cNvPr id="138" name="CustomShape 9"/>
+          <p:cNvSpPr/>
+          <p:nvPr/>
+        </p:nvSpPr>
+        <p:spPr>
+          <a:xfrm>
+            <a:off x="1080000" y="3024000"/>
+            <a:ext cx="503640" cy="431640"/>
+          </a:xfrm>
+          <a:prstGeom prst="smileyFace">
+            <a:avLst>
+              <a:gd name="adj" fmla="val 9282"/>
+            </a:avLst>
+          </a:prstGeom>
+          <a:solidFill>
+            <a:srgbClr val="729fcf"/>
+          </a:solidFill>
+          <a:ln>
+            <a:solidFill>
+              <a:srgbClr val="3465a4"/>
+            </a:solidFill>
+          </a:ln>
+        </p:spPr>
+        <p:style>
+          <a:lnRef idx="0"/>
+          <a:fillRef idx="0"/>
+          <a:effectRef idx="0"/>
+          <a:fontRef idx="minor"/>
+        </p:style>
+      </p:sp>
+      <p:sp>
+        <p:nvSpPr>
+          <p:cNvPr id="139" name="CustomShape 10"/>
+          <p:cNvSpPr/>
+          <p:nvPr/>
+        </p:nvSpPr>
+        <p:spPr>
+          <a:xfrm>
+            <a:off x="593280" y="3456000"/>
+            <a:ext cx="503640" cy="431640"/>
+          </a:xfrm>
+          <a:prstGeom prst="smileyFace">
+            <a:avLst>
+              <a:gd name="adj" fmla="val 9282"/>
+            </a:avLst>
+          </a:prstGeom>
+          <a:solidFill>
+            <a:srgbClr val="729fcf"/>
+          </a:solidFill>
+          <a:ln>
+            <a:solidFill>
+              <a:srgbClr val="3465a4"/>
+            </a:solidFill>
+          </a:ln>
+        </p:spPr>
+        <p:style>
+          <a:lnRef idx="0"/>
+          <a:fillRef idx="0"/>
+          <a:effectRef idx="0"/>
+          <a:fontRef idx="minor"/>
+        </p:style>
+      </p:sp>
+      <p:sp>
+        <p:nvSpPr>
+          <p:cNvPr id="140" name="CustomShape 11"/>
+          <p:cNvSpPr/>
+          <p:nvPr/>
+        </p:nvSpPr>
+        <p:spPr>
+          <a:xfrm>
+            <a:off x="1440000" y="3672000"/>
+            <a:ext cx="503640" cy="431640"/>
+          </a:xfrm>
+          <a:prstGeom prst="smileyFace">
+            <a:avLst>
+              <a:gd name="adj" fmla="val 9282"/>
+            </a:avLst>
+          </a:prstGeom>
+          <a:solidFill>
+            <a:srgbClr val="729fcf"/>
+          </a:solidFill>
+          <a:ln>
+            <a:solidFill>
+              <a:srgbClr val="3465a4"/>
+            </a:solidFill>
+          </a:ln>
+        </p:spPr>
+        <p:style>
+          <a:lnRef idx="0"/>
+          <a:fillRef idx="0"/>
+          <a:effectRef idx="0"/>
+          <a:fontRef idx="minor"/>
+        </p:style>
+      </p:sp>
+      <p:sp>
+        <p:nvSpPr>
+          <p:cNvPr id="141" name="CustomShape 12"/>
+          <p:cNvSpPr/>
+          <p:nvPr/>
+        </p:nvSpPr>
+        <p:spPr>
+          <a:xfrm>
+            <a:off x="864000" y="4248000"/>
+            <a:ext cx="503640" cy="431640"/>
+          </a:xfrm>
+          <a:prstGeom prst="smileyFace">
+            <a:avLst>
+              <a:gd name="adj" fmla="val 9282"/>
+            </a:avLst>
+          </a:prstGeom>
+          <a:solidFill>
+            <a:srgbClr val="729fcf"/>
+          </a:solidFill>
+          <a:ln>
+            <a:solidFill>
+              <a:srgbClr val="3465a4"/>
+            </a:solidFill>
+          </a:ln>
+        </p:spPr>
+        <p:style>
+          <a:lnRef idx="0"/>
+          <a:fillRef idx="0"/>
+          <a:effectRef idx="0"/>
+          <a:fontRef idx="minor"/>
+        </p:style>
+      </p:sp>
+      <p:sp>
+        <p:nvSpPr>
+          <p:cNvPr id="142" name="CustomShape 13"/>
+          <p:cNvSpPr/>
+          <p:nvPr/>
+        </p:nvSpPr>
+        <p:spPr>
+          <a:xfrm>
+            <a:off x="864000" y="1944000"/>
+            <a:ext cx="1799640" cy="345960"/>
           </a:xfrm>
           <a:prstGeom prst="rect">
             <a:avLst/>
@@ -6560,247 +6647,453 @@
             <a:noFill/>
           </a:ln>
         </p:spPr>
-        <p:txBody>
-          <a:bodyPr lIns="0" rIns="0"/>
-          <a:p>
-            <a:pPr marL="91440" indent="-91080">
+        <p:style>
+          <a:lnRef idx="0"/>
+          <a:fillRef idx="0"/>
+          <a:effectRef idx="0"/>
+          <a:fontRef idx="minor"/>
+        </p:style>
+        <p:txBody>
+          <a:bodyPr lIns="90000" rIns="90000" tIns="45000" bIns="45000"/>
+          <a:p>
+            <a:pPr>
               <a:lnSpc>
-                <a:spcPct val="90000"/>
+                <a:spcPct val="100000"/>
               </a:lnSpc>
-              <a:spcBef>
-                <a:spcPts val="1199"/>
-              </a:spcBef>
-              <a:spcAft>
-                <a:spcPts val="201"/>
-              </a:spcAft>
-              <a:buClr>
-                <a:srgbClr val="e48312"/>
-              </a:buClr>
-              <a:buFont typeface="Arial"/>
-              <a:buChar char="•"/>
             </a:pPr>
             <a:r>
-              <a:rPr b="0" lang="en-US" sz="2000" spc="-1" strike="noStrike">
+              <a:rPr b="0" lang="de-DE" sz="1800" spc="-1" strike="noStrike">
+                <a:latin typeface="Arial"/>
+              </a:rPr>
+              <a:t>Wähler</a:t>
+            </a:r>
+            <a:endParaRPr b="0" lang="de-DE" sz="1800" spc="-1" strike="noStrike">
+              <a:latin typeface="Arial"/>
+            </a:endParaRPr>
+          </a:p>
+        </p:txBody>
+      </p:sp>
+      <p:sp>
+        <p:nvSpPr>
+          <p:cNvPr id="143" name="CustomShape 14"/>
+          <p:cNvSpPr/>
+          <p:nvPr/>
+        </p:nvSpPr>
+        <p:spPr>
+          <a:xfrm>
+            <a:off x="4824000" y="1152000"/>
+            <a:ext cx="503640" cy="431640"/>
+          </a:xfrm>
+          <a:prstGeom prst="smileyFace">
+            <a:avLst>
+              <a:gd name="adj" fmla="val 9282"/>
+            </a:avLst>
+          </a:prstGeom>
+          <a:solidFill>
+            <a:srgbClr val="f58220"/>
+          </a:solidFill>
+          <a:ln>
+            <a:solidFill>
+              <a:srgbClr val="3465a4"/>
+            </a:solidFill>
+          </a:ln>
+        </p:spPr>
+        <p:style>
+          <a:lnRef idx="0"/>
+          <a:fillRef idx="0"/>
+          <a:effectRef idx="0"/>
+          <a:fontRef idx="minor"/>
+        </p:style>
+      </p:sp>
+      <p:sp>
+        <p:nvSpPr>
+          <p:cNvPr id="144" name="CustomShape 15"/>
+          <p:cNvSpPr/>
+          <p:nvPr/>
+        </p:nvSpPr>
+        <p:spPr>
+          <a:xfrm>
+            <a:off x="6768000" y="1152000"/>
+            <a:ext cx="503640" cy="431640"/>
+          </a:xfrm>
+          <a:prstGeom prst="smileyFace">
+            <a:avLst>
+              <a:gd name="adj" fmla="val 9282"/>
+            </a:avLst>
+          </a:prstGeom>
+          <a:solidFill>
+            <a:srgbClr val="fff200"/>
+          </a:solidFill>
+          <a:ln>
+            <a:solidFill>
+              <a:srgbClr val="3465a4"/>
+            </a:solidFill>
+          </a:ln>
+        </p:spPr>
+        <p:style>
+          <a:lnRef idx="0"/>
+          <a:fillRef idx="0"/>
+          <a:effectRef idx="0"/>
+          <a:fontRef idx="minor"/>
+        </p:style>
+      </p:sp>
+      <p:sp>
+        <p:nvSpPr>
+          <p:cNvPr id="145" name="CustomShape 16"/>
+          <p:cNvSpPr/>
+          <p:nvPr/>
+        </p:nvSpPr>
+        <p:spPr>
+          <a:xfrm>
+            <a:off x="6120000" y="1152000"/>
+            <a:ext cx="503640" cy="431640"/>
+          </a:xfrm>
+          <a:prstGeom prst="smileyFace">
+            <a:avLst>
+              <a:gd name="adj" fmla="val 9282"/>
+            </a:avLst>
+          </a:prstGeom>
+          <a:solidFill>
+            <a:srgbClr val="000000"/>
+          </a:solidFill>
+          <a:ln>
+            <a:solidFill>
+              <a:srgbClr val="3465a4"/>
+            </a:solidFill>
+          </a:ln>
+        </p:spPr>
+        <p:style>
+          <a:lnRef idx="0"/>
+          <a:fillRef idx="0"/>
+          <a:effectRef idx="0"/>
+          <a:fontRef idx="minor"/>
+        </p:style>
+      </p:sp>
+      <p:sp>
+        <p:nvSpPr>
+          <p:cNvPr id="146" name="CustomShape 17"/>
+          <p:cNvSpPr/>
+          <p:nvPr/>
+        </p:nvSpPr>
+        <p:spPr>
+          <a:xfrm>
+            <a:off x="5472000" y="1152000"/>
+            <a:ext cx="503640" cy="431640"/>
+          </a:xfrm>
+          <a:prstGeom prst="smileyFace">
+            <a:avLst>
+              <a:gd name="adj" fmla="val 9282"/>
+            </a:avLst>
+          </a:prstGeom>
+          <a:solidFill>
+            <a:srgbClr val="00a65d"/>
+          </a:solidFill>
+          <a:ln>
+            <a:solidFill>
+              <a:srgbClr val="3465a4"/>
+            </a:solidFill>
+          </a:ln>
+        </p:spPr>
+        <p:style>
+          <a:lnRef idx="0"/>
+          <a:fillRef idx="0"/>
+          <a:effectRef idx="0"/>
+          <a:fontRef idx="minor"/>
+        </p:style>
+      </p:sp>
+      <p:sp>
+        <p:nvSpPr>
+          <p:cNvPr id="147" name="CustomShape 18"/>
+          <p:cNvSpPr/>
+          <p:nvPr/>
+        </p:nvSpPr>
+        <p:spPr>
+          <a:xfrm>
+            <a:off x="4536000" y="2232000"/>
+            <a:ext cx="3455640" cy="3167640"/>
+          </a:xfrm>
+          <a:prstGeom prst="rect">
+            <a:avLst/>
+          </a:prstGeom>
+          <a:solidFill>
+            <a:srgbClr val="dddddd"/>
+          </a:solidFill>
+          <a:ln>
+            <a:solidFill>
+              <a:srgbClr val="3465a4"/>
+            </a:solidFill>
+          </a:ln>
+        </p:spPr>
+        <p:style>
+          <a:lnRef idx="0"/>
+          <a:fillRef idx="0"/>
+          <a:effectRef idx="0"/>
+          <a:fontRef idx="minor"/>
+        </p:style>
+        <p:txBody>
+          <a:bodyPr wrap="none" lIns="90000" rIns="90000" tIns="45000" bIns="45000" anchor="ctr"/>
+          <a:p>
+            <a:pPr algn="ctr">
+              <a:lnSpc>
+                <a:spcPct val="100000"/>
+              </a:lnSpc>
+            </a:pPr>
+            <a:r>
+              <a:rPr b="0" lang="de-DE" sz="1800" spc="-1" strike="noStrike">
                 <a:solidFill>
-                  <a:srgbClr val="404040"/>
+                  <a:srgbClr val="000000"/>
                 </a:solidFill>
-                <a:latin typeface="Calibri"/>
+                <a:latin typeface="Arial"/>
+                <a:ea typeface="DejaVu Sans"/>
               </a:rPr>
-              <a:t>Entwickelt im Jahr 2014 von Rob Richie, Clay Shentrup &amp; Mark Frohnmayer</a:t>
+              <a:t>Wahlmethode</a:t>
             </a:r>
-            <a:endParaRPr b="0" lang="en-US" sz="2000" spc="-1" strike="noStrike">
-              <a:solidFill>
-                <a:srgbClr val="404040"/>
-              </a:solidFill>
-              <a:latin typeface="Calibri"/>
-            </a:endParaRPr>
-          </a:p>
+            <a:endParaRPr b="0" lang="de-DE" sz="1800" spc="-1" strike="noStrike">
+              <a:latin typeface="Arial"/>
+            </a:endParaRPr>
+          </a:p>
+        </p:txBody>
+      </p:sp>
+      <p:sp>
+        <p:nvSpPr>
+          <p:cNvPr id="148" name="CustomShape 19"/>
+          <p:cNvSpPr/>
+          <p:nvPr/>
+        </p:nvSpPr>
+        <p:spPr>
+          <a:xfrm>
+            <a:off x="3024000" y="3456000"/>
+            <a:ext cx="1223640" cy="647640"/>
+          </a:xfrm>
+          <a:custGeom>
+            <a:avLst/>
+            <a:gdLst/>
+            <a:ahLst/>
+            <a:rect l="l" t="t" r="r" b="b"/>
+            <a:pathLst>
+              <a:path w="3402" h="1801">
+                <a:moveTo>
+                  <a:pt x="0" y="450"/>
+                </a:moveTo>
+                <a:lnTo>
+                  <a:pt x="2550" y="450"/>
+                </a:lnTo>
+                <a:lnTo>
+                  <a:pt x="2550" y="0"/>
+                </a:lnTo>
+                <a:lnTo>
+                  <a:pt x="3401" y="900"/>
+                </a:lnTo>
+                <a:lnTo>
+                  <a:pt x="2550" y="1800"/>
+                </a:lnTo>
+                <a:lnTo>
+                  <a:pt x="2550" y="1350"/>
+                </a:lnTo>
+                <a:lnTo>
+                  <a:pt x="0" y="1350"/>
+                </a:lnTo>
+                <a:lnTo>
+                  <a:pt x="0" y="450"/>
+                </a:lnTo>
+              </a:path>
+            </a:pathLst>
+          </a:custGeom>
+          <a:solidFill>
+            <a:srgbClr val="ed1c24"/>
+          </a:solidFill>
+          <a:ln>
+            <a:solidFill>
+              <a:srgbClr val="3465a4"/>
+            </a:solidFill>
+          </a:ln>
+        </p:spPr>
+        <p:style>
+          <a:lnRef idx="0"/>
+          <a:fillRef idx="0"/>
+          <a:effectRef idx="0"/>
+          <a:fontRef idx="minor"/>
+        </p:style>
+      </p:sp>
+      <p:sp>
+        <p:nvSpPr>
+          <p:cNvPr id="149" name="CustomShape 20"/>
+          <p:cNvSpPr/>
+          <p:nvPr/>
+        </p:nvSpPr>
+        <p:spPr>
+          <a:xfrm>
+            <a:off x="8280000" y="3456000"/>
+            <a:ext cx="1223640" cy="647640"/>
+          </a:xfrm>
+          <a:custGeom>
+            <a:avLst/>
+            <a:gdLst/>
+            <a:ahLst/>
+            <a:rect l="l" t="t" r="r" b="b"/>
+            <a:pathLst>
+              <a:path w="3402" h="1801">
+                <a:moveTo>
+                  <a:pt x="0" y="450"/>
+                </a:moveTo>
+                <a:lnTo>
+                  <a:pt x="2550" y="450"/>
+                </a:lnTo>
+                <a:lnTo>
+                  <a:pt x="2550" y="0"/>
+                </a:lnTo>
+                <a:lnTo>
+                  <a:pt x="3401" y="900"/>
+                </a:lnTo>
+                <a:lnTo>
+                  <a:pt x="2550" y="1800"/>
+                </a:lnTo>
+                <a:lnTo>
+                  <a:pt x="2550" y="1350"/>
+                </a:lnTo>
+                <a:lnTo>
+                  <a:pt x="0" y="1350"/>
+                </a:lnTo>
+                <a:lnTo>
+                  <a:pt x="0" y="450"/>
+                </a:lnTo>
+              </a:path>
+            </a:pathLst>
+          </a:custGeom>
+          <a:solidFill>
+            <a:srgbClr val="ed1c24"/>
+          </a:solidFill>
+          <a:ln>
+            <a:solidFill>
+              <a:srgbClr val="3465a4"/>
+            </a:solidFill>
+          </a:ln>
+        </p:spPr>
+        <p:style>
+          <a:lnRef idx="0"/>
+          <a:fillRef idx="0"/>
+          <a:effectRef idx="0"/>
+          <a:fontRef idx="minor"/>
+        </p:style>
+      </p:sp>
+      <p:sp>
+        <p:nvSpPr>
+          <p:cNvPr id="150" name="CustomShape 21"/>
+          <p:cNvSpPr/>
+          <p:nvPr/>
+        </p:nvSpPr>
+        <p:spPr>
+          <a:xfrm>
+            <a:off x="9792000" y="3528000"/>
+            <a:ext cx="503640" cy="431640"/>
+          </a:xfrm>
+          <a:prstGeom prst="smileyFace">
+            <a:avLst>
+              <a:gd name="adj" fmla="val 9282"/>
+            </a:avLst>
+          </a:prstGeom>
+          <a:solidFill>
+            <a:srgbClr val="fff200"/>
+          </a:solidFill>
+          <a:ln>
+            <a:solidFill>
+              <a:srgbClr val="3465a4"/>
+            </a:solidFill>
+          </a:ln>
+        </p:spPr>
+        <p:style>
+          <a:lnRef idx="0"/>
+          <a:fillRef idx="0"/>
+          <a:effectRef idx="0"/>
+          <a:fontRef idx="minor"/>
+        </p:style>
+      </p:sp>
+      <p:sp>
+        <p:nvSpPr>
+          <p:cNvPr id="151" name="CustomShape 22"/>
+          <p:cNvSpPr/>
+          <p:nvPr/>
+        </p:nvSpPr>
+        <p:spPr>
+          <a:xfrm>
+            <a:off x="5328000" y="720000"/>
+            <a:ext cx="2087640" cy="345960"/>
+          </a:xfrm>
+          <a:prstGeom prst="rect">
+            <a:avLst/>
+          </a:prstGeom>
+          <a:noFill/>
+          <a:ln>
+            <a:noFill/>
+          </a:ln>
+        </p:spPr>
+        <p:style>
+          <a:lnRef idx="0"/>
+          <a:fillRef idx="0"/>
+          <a:effectRef idx="0"/>
+          <a:fontRef idx="minor"/>
+        </p:style>
+        <p:txBody>
+          <a:bodyPr lIns="90000" rIns="90000" tIns="45000" bIns="45000"/>
           <a:p>
             <a:pPr>
               <a:lnSpc>
-                <a:spcPct val="90000"/>
+                <a:spcPct val="100000"/>
               </a:lnSpc>
-              <a:spcBef>
-                <a:spcPts val="1199"/>
-              </a:spcBef>
-              <a:spcAft>
-                <a:spcPts val="201"/>
-              </a:spcAft>
-            </a:pPr>
-            <a:endParaRPr b="0" lang="en-US" sz="2000" spc="-1" strike="noStrike">
-              <a:solidFill>
-                <a:srgbClr val="404040"/>
-              </a:solidFill>
-              <a:latin typeface="Calibri"/>
-            </a:endParaRPr>
-          </a:p>
-          <a:p>
-            <a:pPr marL="91440" indent="-91080">
-              <a:lnSpc>
-                <a:spcPct val="90000"/>
-              </a:lnSpc>
-              <a:spcBef>
-                <a:spcPts val="1199"/>
-              </a:spcBef>
-              <a:spcAft>
-                <a:spcPts val="201"/>
-              </a:spcAft>
-              <a:buClr>
-                <a:srgbClr val="e48312"/>
-              </a:buClr>
-              <a:buFont typeface="Arial"/>
-              <a:buChar char="•"/>
             </a:pPr>
             <a:r>
-              <a:rPr b="0" lang="en-US" sz="2000" spc="-1" strike="noStrike">
-                <a:solidFill>
-                  <a:srgbClr val="404040"/>
-                </a:solidFill>
-                <a:latin typeface="Calibri"/>
+              <a:rPr b="0" lang="de-DE" sz="1800" spc="-1" strike="noStrike">
+                <a:latin typeface="Arial"/>
               </a:rPr>
-              <a:t>Erstes Konzept hatte den Namen „score plus top two“ oder „score runoff voting (SRV)“ </a:t>
+              <a:t>Kandidaten</a:t>
             </a:r>
-            <a:endParaRPr b="0" lang="en-US" sz="2000" spc="-1" strike="noStrike">
-              <a:solidFill>
-                <a:srgbClr val="404040"/>
-              </a:solidFill>
-              <a:latin typeface="Calibri"/>
-            </a:endParaRPr>
-          </a:p>
+            <a:endParaRPr b="0" lang="de-DE" sz="1800" spc="-1" strike="noStrike">
+              <a:latin typeface="Arial"/>
+            </a:endParaRPr>
+          </a:p>
+        </p:txBody>
+      </p:sp>
+      <p:sp>
+        <p:nvSpPr>
+          <p:cNvPr id="152" name="CustomShape 23"/>
+          <p:cNvSpPr/>
+          <p:nvPr/>
+        </p:nvSpPr>
+        <p:spPr>
+          <a:xfrm>
+            <a:off x="9432000" y="2952000"/>
+            <a:ext cx="1583640" cy="345960"/>
+          </a:xfrm>
+          <a:prstGeom prst="rect">
+            <a:avLst/>
+          </a:prstGeom>
+          <a:noFill/>
+          <a:ln>
+            <a:noFill/>
+          </a:ln>
+        </p:spPr>
+        <p:style>
+          <a:lnRef idx="0"/>
+          <a:fillRef idx="0"/>
+          <a:effectRef idx="0"/>
+          <a:fontRef idx="minor"/>
+        </p:style>
+        <p:txBody>
+          <a:bodyPr lIns="90000" rIns="90000" tIns="45000" bIns="45000"/>
           <a:p>
             <a:pPr>
               <a:lnSpc>
-                <a:spcPct val="90000"/>
+                <a:spcPct val="100000"/>
               </a:lnSpc>
-              <a:spcBef>
-                <a:spcPts val="1199"/>
-              </a:spcBef>
-              <a:spcAft>
-                <a:spcPts val="201"/>
-              </a:spcAft>
-            </a:pPr>
-            <a:endParaRPr b="0" lang="en-US" sz="2000" spc="-1" strike="noStrike">
-              <a:solidFill>
-                <a:srgbClr val="404040"/>
-              </a:solidFill>
-              <a:latin typeface="Calibri"/>
-            </a:endParaRPr>
-          </a:p>
-          <a:p>
-            <a:pPr marL="91440" indent="-91080">
-              <a:lnSpc>
-                <a:spcPct val="90000"/>
-              </a:lnSpc>
-              <a:spcBef>
-                <a:spcPts val="1199"/>
-              </a:spcBef>
-              <a:spcAft>
-                <a:spcPts val="201"/>
-              </a:spcAft>
-              <a:buClr>
-                <a:srgbClr val="e48312"/>
-              </a:buClr>
-              <a:buFont typeface="Arial"/>
-              <a:buChar char="•"/>
             </a:pPr>
             <a:r>
-              <a:rPr b="0" lang="en-US" sz="2000" spc="-1" strike="noStrike">
-                <a:solidFill>
-                  <a:srgbClr val="404040"/>
-                </a:solidFill>
-                <a:latin typeface="Calibri"/>
+              <a:rPr b="0" lang="de-DE" sz="1800" spc="-1" strike="noStrike">
+                <a:latin typeface="Arial"/>
               </a:rPr>
-              <a:t>Name entstand durch zwei Wahlmethoden: Bewertungswahl und Instant-Runoff-Voting</a:t>
+              <a:t>Gewinner</a:t>
             </a:r>
-            <a:endParaRPr b="0" lang="en-US" sz="2000" spc="-1" strike="noStrike">
-              <a:solidFill>
-                <a:srgbClr val="404040"/>
-              </a:solidFill>
-              <a:latin typeface="Calibri"/>
-            </a:endParaRPr>
-          </a:p>
-          <a:p>
-            <a:pPr>
-              <a:lnSpc>
-                <a:spcPct val="90000"/>
-              </a:lnSpc>
-              <a:spcBef>
-                <a:spcPts val="1199"/>
-              </a:spcBef>
-              <a:spcAft>
-                <a:spcPts val="201"/>
-              </a:spcAft>
-            </a:pPr>
-            <a:endParaRPr b="0" lang="en-US" sz="2000" spc="-1" strike="noStrike">
-              <a:solidFill>
-                <a:srgbClr val="404040"/>
-              </a:solidFill>
-              <a:latin typeface="Calibri"/>
-            </a:endParaRPr>
-          </a:p>
-          <a:p>
-            <a:pPr marL="91440" indent="-91080">
-              <a:lnSpc>
-                <a:spcPct val="90000"/>
-              </a:lnSpc>
-              <a:spcBef>
-                <a:spcPts val="1199"/>
-              </a:spcBef>
-              <a:spcAft>
-                <a:spcPts val="201"/>
-              </a:spcAft>
-              <a:buClr>
-                <a:srgbClr val="e48312"/>
-              </a:buClr>
-              <a:buFont typeface="Arial"/>
-              <a:buChar char="•"/>
-            </a:pPr>
-            <a:r>
-              <a:rPr b="0" lang="en-US" sz="2000" spc="-1" strike="noStrike">
-                <a:solidFill>
-                  <a:srgbClr val="404040"/>
-                </a:solidFill>
-                <a:latin typeface="Calibri"/>
-              </a:rPr>
-              <a:t>Erste Erfolge im Jahr 2018, kleinere Wahlen in Oregon(USA)</a:t>
-            </a:r>
-            <a:endParaRPr b="0" lang="en-US" sz="2000" spc="-1" strike="noStrike">
-              <a:solidFill>
-                <a:srgbClr val="404040"/>
-              </a:solidFill>
-              <a:latin typeface="Calibri"/>
-            </a:endParaRPr>
-          </a:p>
-          <a:p>
-            <a:pPr>
-              <a:lnSpc>
-                <a:spcPct val="90000"/>
-              </a:lnSpc>
-              <a:spcBef>
-                <a:spcPts val="1199"/>
-              </a:spcBef>
-              <a:spcAft>
-                <a:spcPts val="201"/>
-              </a:spcAft>
-            </a:pPr>
-            <a:endParaRPr b="0" lang="en-US" sz="2000" spc="-1" strike="noStrike">
-              <a:solidFill>
-                <a:srgbClr val="404040"/>
-              </a:solidFill>
-              <a:latin typeface="Calibri"/>
-            </a:endParaRPr>
-          </a:p>
-          <a:p>
-            <a:pPr marL="91440" indent="-91080">
-              <a:lnSpc>
-                <a:spcPct val="90000"/>
-              </a:lnSpc>
-              <a:spcBef>
-                <a:spcPts val="1199"/>
-              </a:spcBef>
-              <a:spcAft>
-                <a:spcPts val="201"/>
-              </a:spcAft>
-              <a:buClr>
-                <a:srgbClr val="e48312"/>
-              </a:buClr>
-              <a:buFont typeface="Arial"/>
-              <a:buChar char="•"/>
-            </a:pPr>
-            <a:r>
-              <a:rPr b="0" lang="en-US" sz="2000" spc="-1" strike="noStrike">
-                <a:solidFill>
-                  <a:srgbClr val="404040"/>
-                </a:solidFill>
-                <a:latin typeface="Calibri"/>
-              </a:rPr>
-              <a:t>https://www.equal.vote/</a:t>
-            </a:r>
-            <a:endParaRPr b="0" lang="en-US" sz="2000" spc="-1" strike="noStrike">
-              <a:solidFill>
-                <a:srgbClr val="404040"/>
-              </a:solidFill>
-              <a:latin typeface="Calibri"/>
+            <a:endParaRPr b="0" lang="de-DE" sz="1800" spc="-1" strike="noStrike">
+              <a:latin typeface="Arial"/>
             </a:endParaRPr>
           </a:p>
         </p:txBody>
@@ -6854,9 +7147,35 @@
           <a:chExt cx="0" cy="0"/>
         </a:xfrm>
       </p:grpSpPr>
+      <p:sp>
+        <p:nvSpPr>
+          <p:cNvPr id="153" name="CustomShape 1"/>
+          <p:cNvSpPr/>
+          <p:nvPr/>
+        </p:nvSpPr>
+        <p:spPr>
+          <a:xfrm>
+            <a:off x="1097280" y="1845720"/>
+            <a:ext cx="10057320" cy="4022280"/>
+          </a:xfrm>
+          <a:prstGeom prst="rect">
+            <a:avLst/>
+          </a:prstGeom>
+          <a:noFill/>
+          <a:ln>
+            <a:noFill/>
+          </a:ln>
+        </p:spPr>
+        <p:style>
+          <a:lnRef idx="0"/>
+          <a:fillRef idx="0"/>
+          <a:effectRef idx="0"/>
+          <a:fontRef idx="minor"/>
+        </p:style>
+      </p:sp>
       <p:pic>
         <p:nvPicPr>
-          <p:cNvPr id="141" name="Picture 2" descr=""/>
+          <p:cNvPr id="154" name="" descr=""/>
           <p:cNvPicPr/>
           <p:nvPr/>
         </p:nvPicPr>
@@ -6866,8 +7185,8 @@
         </p:blipFill>
         <p:spPr>
           <a:xfrm>
-            <a:off x="2507040" y="737280"/>
-            <a:ext cx="7177680" cy="5383440"/>
+            <a:off x="1584360" y="648000"/>
+            <a:ext cx="9143280" cy="5142960"/>
           </a:xfrm>
           <a:prstGeom prst="rect">
             <a:avLst/>
@@ -6928,14 +7247,14 @@
       </p:grpSpPr>
       <p:sp>
         <p:nvSpPr>
-          <p:cNvPr id="142" name="TextShape 1"/>
-          <p:cNvSpPr txBox="1"/>
+          <p:cNvPr id="155" name="CustomShape 1"/>
+          <p:cNvSpPr/>
           <p:nvPr/>
         </p:nvSpPr>
         <p:spPr>
           <a:xfrm>
             <a:off x="1097280" y="286560"/>
-            <a:ext cx="10058040" cy="1450440"/>
+            <a:ext cx="10057320" cy="1449720"/>
           </a:xfrm>
           <a:prstGeom prst="rect">
             <a:avLst/>
@@ -6945,8 +7264,14 @@
             <a:noFill/>
           </a:ln>
         </p:spPr>
-        <p:txBody>
-          <a:bodyPr anchor="b"/>
+        <p:style>
+          <a:lnRef idx="0"/>
+          <a:fillRef idx="0"/>
+          <a:effectRef idx="0"/>
+          <a:fontRef idx="minor"/>
+        </p:style>
+        <p:txBody>
+          <a:bodyPr lIns="90000" rIns="90000" tIns="45000" bIns="45000" anchor="b"/>
           <a:p>
             <a:pPr>
               <a:lnSpc>
@@ -6954,46 +7279,269 @@
               </a:lnSpc>
             </a:pPr>
             <a:r>
-              <a:rPr b="0" lang="en-US" sz="4800" spc="-49" strike="noStrike">
+              <a:rPr b="0" lang="de-DE" sz="4800" spc="-43" strike="noStrike">
                 <a:solidFill>
                   <a:srgbClr val="404040"/>
                 </a:solidFill>
                 <a:latin typeface="Calibri Light"/>
+                <a:ea typeface="DejaVu Sans"/>
               </a:rPr>
-              <a:t>Star-Voting Ablauf – Bewertungsbogen</a:t>
+              <a:t>Historie/Entwicklung</a:t>
             </a:r>
-            <a:endParaRPr b="0" lang="en-US" sz="4800" spc="-1" strike="noStrike">
-              <a:solidFill>
-                <a:srgbClr val="000000"/>
-              </a:solidFill>
-              <a:latin typeface="Calibri"/>
-            </a:endParaRPr>
-          </a:p>
-        </p:txBody>
-      </p:sp>
-      <p:pic>
-        <p:nvPicPr>
-          <p:cNvPr id="143" name="Inhaltsplatzhalter 3" descr=""/>
-          <p:cNvPicPr/>
+            <a:endParaRPr b="0" lang="de-DE" sz="4800" spc="-1" strike="noStrike">
+              <a:latin typeface="Arial"/>
+            </a:endParaRPr>
+          </a:p>
+        </p:txBody>
+      </p:sp>
+      <p:sp>
+        <p:nvSpPr>
+          <p:cNvPr id="156" name="CustomShape 2"/>
+          <p:cNvSpPr/>
           <p:nvPr/>
-        </p:nvPicPr>
-        <p:blipFill>
-          <a:blip r:embed="rId1"/>
-          <a:stretch/>
-        </p:blipFill>
-        <p:spPr>
-          <a:xfrm>
-            <a:off x="4918320" y="1997280"/>
-            <a:ext cx="2354760" cy="4022280"/>
-          </a:xfrm>
-          <a:prstGeom prst="rect">
-            <a:avLst/>
-          </a:prstGeom>
+        </p:nvSpPr>
+        <p:spPr>
+          <a:xfrm>
+            <a:off x="1097280" y="1845720"/>
+            <a:ext cx="10057320" cy="4022280"/>
+          </a:xfrm>
+          <a:prstGeom prst="rect">
+            <a:avLst/>
+          </a:prstGeom>
+          <a:noFill/>
           <a:ln>
             <a:noFill/>
           </a:ln>
         </p:spPr>
-      </p:pic>
+        <p:style>
+          <a:lnRef idx="0"/>
+          <a:fillRef idx="0"/>
+          <a:effectRef idx="0"/>
+          <a:fontRef idx="minor"/>
+        </p:style>
+        <p:txBody>
+          <a:bodyPr lIns="0" rIns="0" tIns="45000" bIns="45000"/>
+          <a:p>
+            <a:pPr marL="91440" indent="-90360">
+              <a:lnSpc>
+                <a:spcPct val="90000"/>
+              </a:lnSpc>
+              <a:spcBef>
+                <a:spcPts val="1199"/>
+              </a:spcBef>
+              <a:spcAft>
+                <a:spcPts val="201"/>
+              </a:spcAft>
+              <a:buClr>
+                <a:srgbClr val="e48312"/>
+              </a:buClr>
+              <a:buFont typeface="Arial"/>
+              <a:buChar char="•"/>
+            </a:pPr>
+            <a:r>
+              <a:rPr b="0" lang="de-DE" sz="2000" spc="-1" strike="noStrike">
+                <a:solidFill>
+                  <a:srgbClr val="404040"/>
+                </a:solidFill>
+                <a:latin typeface="Calibri"/>
+                <a:ea typeface="DejaVu Sans"/>
+              </a:rPr>
+              <a:t>Entwickelt im Jahr 2014 von Rob Richie, Clay Shentrup &amp; Mark Frohnmayer</a:t>
+            </a:r>
+            <a:endParaRPr b="0" lang="de-DE" sz="2000" spc="-1" strike="noStrike">
+              <a:latin typeface="Arial"/>
+            </a:endParaRPr>
+          </a:p>
+          <a:p>
+            <a:pPr>
+              <a:lnSpc>
+                <a:spcPct val="90000"/>
+              </a:lnSpc>
+              <a:spcBef>
+                <a:spcPts val="1199"/>
+              </a:spcBef>
+              <a:spcAft>
+                <a:spcPts val="201"/>
+              </a:spcAft>
+            </a:pPr>
+            <a:endParaRPr b="0" lang="de-DE" sz="2000" spc="-1" strike="noStrike">
+              <a:latin typeface="Arial"/>
+            </a:endParaRPr>
+          </a:p>
+          <a:p>
+            <a:pPr marL="91440" indent="-90360">
+              <a:lnSpc>
+                <a:spcPct val="90000"/>
+              </a:lnSpc>
+              <a:spcBef>
+                <a:spcPts val="1199"/>
+              </a:spcBef>
+              <a:spcAft>
+                <a:spcPts val="201"/>
+              </a:spcAft>
+              <a:buClr>
+                <a:srgbClr val="e48312"/>
+              </a:buClr>
+              <a:buFont typeface="Arial"/>
+              <a:buChar char="•"/>
+            </a:pPr>
+            <a:r>
+              <a:rPr b="0" lang="de-DE" sz="2000" spc="-1" strike="noStrike">
+                <a:solidFill>
+                  <a:srgbClr val="404040"/>
+                </a:solidFill>
+                <a:latin typeface="Calibri"/>
+                <a:ea typeface="DejaVu Sans"/>
+              </a:rPr>
+              <a:t>Erstes Konzept hatte den Namen „score plus top two“ oder „score runoff voting (SRV)“ </a:t>
+            </a:r>
+            <a:endParaRPr b="0" lang="de-DE" sz="2000" spc="-1" strike="noStrike">
+              <a:latin typeface="Arial"/>
+            </a:endParaRPr>
+          </a:p>
+          <a:p>
+            <a:pPr>
+              <a:lnSpc>
+                <a:spcPct val="90000"/>
+              </a:lnSpc>
+              <a:spcBef>
+                <a:spcPts val="1199"/>
+              </a:spcBef>
+              <a:spcAft>
+                <a:spcPts val="201"/>
+              </a:spcAft>
+            </a:pPr>
+            <a:endParaRPr b="0" lang="de-DE" sz="2000" spc="-1" strike="noStrike">
+              <a:latin typeface="Arial"/>
+            </a:endParaRPr>
+          </a:p>
+          <a:p>
+            <a:pPr marL="91440" indent="-90360">
+              <a:lnSpc>
+                <a:spcPct val="90000"/>
+              </a:lnSpc>
+              <a:spcBef>
+                <a:spcPts val="1199"/>
+              </a:spcBef>
+              <a:spcAft>
+                <a:spcPts val="201"/>
+              </a:spcAft>
+              <a:buClr>
+                <a:srgbClr val="e48312"/>
+              </a:buClr>
+              <a:buFont typeface="Arial"/>
+              <a:buChar char="•"/>
+            </a:pPr>
+            <a:r>
+              <a:rPr b="0" lang="de-DE" sz="2000" spc="-1" strike="noStrike">
+                <a:solidFill>
+                  <a:srgbClr val="404040"/>
+                </a:solidFill>
+                <a:latin typeface="Calibri"/>
+                <a:ea typeface="DejaVu Sans"/>
+              </a:rPr>
+              <a:t>Name entstand durch zwei Wahlmethoden: Bewertungswahl und Instant-Runoff-Voting</a:t>
+            </a:r>
+            <a:endParaRPr b="0" lang="de-DE" sz="2000" spc="-1" strike="noStrike">
+              <a:latin typeface="Arial"/>
+            </a:endParaRPr>
+          </a:p>
+          <a:p>
+            <a:pPr>
+              <a:lnSpc>
+                <a:spcPct val="90000"/>
+              </a:lnSpc>
+              <a:spcBef>
+                <a:spcPts val="1199"/>
+              </a:spcBef>
+              <a:spcAft>
+                <a:spcPts val="201"/>
+              </a:spcAft>
+            </a:pPr>
+            <a:endParaRPr b="0" lang="de-DE" sz="2000" spc="-1" strike="noStrike">
+              <a:latin typeface="Arial"/>
+            </a:endParaRPr>
+          </a:p>
+          <a:p>
+            <a:pPr marL="91440" indent="-90360">
+              <a:lnSpc>
+                <a:spcPct val="90000"/>
+              </a:lnSpc>
+              <a:spcBef>
+                <a:spcPts val="1199"/>
+              </a:spcBef>
+              <a:spcAft>
+                <a:spcPts val="201"/>
+              </a:spcAft>
+              <a:buClr>
+                <a:srgbClr val="e48312"/>
+              </a:buClr>
+              <a:buFont typeface="Arial"/>
+              <a:buChar char="•"/>
+            </a:pPr>
+            <a:r>
+              <a:rPr b="0" lang="de-DE" sz="2000" spc="-1" strike="noStrike">
+                <a:solidFill>
+                  <a:srgbClr val="404040"/>
+                </a:solidFill>
+                <a:latin typeface="Calibri"/>
+                <a:ea typeface="DejaVu Sans"/>
+              </a:rPr>
+              <a:t>Erste Erfolge im Jahr 2018, kleinere Wahlen in Oregon(USA)</a:t>
+            </a:r>
+            <a:endParaRPr b="0" lang="de-DE" sz="2000" spc="-1" strike="noStrike">
+              <a:latin typeface="Arial"/>
+            </a:endParaRPr>
+          </a:p>
+          <a:p>
+            <a:pPr>
+              <a:lnSpc>
+                <a:spcPct val="90000"/>
+              </a:lnSpc>
+              <a:spcBef>
+                <a:spcPts val="1199"/>
+              </a:spcBef>
+              <a:spcAft>
+                <a:spcPts val="201"/>
+              </a:spcAft>
+            </a:pPr>
+            <a:endParaRPr b="0" lang="de-DE" sz="2000" spc="-1" strike="noStrike">
+              <a:latin typeface="Arial"/>
+            </a:endParaRPr>
+          </a:p>
+          <a:p>
+            <a:pPr marL="91440" indent="-90360">
+              <a:lnSpc>
+                <a:spcPct val="90000"/>
+              </a:lnSpc>
+              <a:spcBef>
+                <a:spcPts val="1199"/>
+              </a:spcBef>
+              <a:spcAft>
+                <a:spcPts val="201"/>
+              </a:spcAft>
+              <a:buClr>
+                <a:srgbClr val="e48312"/>
+              </a:buClr>
+              <a:buFont typeface="Arial"/>
+              <a:buChar char="•"/>
+            </a:pPr>
+            <a:r>
+              <a:rPr b="0" lang="de-DE" sz="2000" spc="-1" strike="noStrike">
+                <a:solidFill>
+                  <a:srgbClr val="404040"/>
+                </a:solidFill>
+                <a:latin typeface="Calibri"/>
+                <a:ea typeface="DejaVu Sans"/>
+              </a:rPr>
+              <a:t>https://www.equal.vote/</a:t>
+            </a:r>
+            <a:endParaRPr b="0" lang="de-DE" sz="2000" spc="-1" strike="noStrike">
+              <a:latin typeface="Arial"/>
+            </a:endParaRPr>
+          </a:p>
+        </p:txBody>
+      </p:sp>
     </p:spTree>
   </p:cSld>
   <p:timing>
@@ -7043,54 +7591,9 @@
           <a:chExt cx="0" cy="0"/>
         </a:xfrm>
       </p:grpSpPr>
-      <p:sp>
-        <p:nvSpPr>
-          <p:cNvPr id="144" name="TextShape 1"/>
-          <p:cNvSpPr txBox="1"/>
-          <p:nvPr/>
-        </p:nvSpPr>
-        <p:spPr>
-          <a:xfrm>
-            <a:off x="1097280" y="286560"/>
-            <a:ext cx="10058040" cy="1450440"/>
-          </a:xfrm>
-          <a:prstGeom prst="rect">
-            <a:avLst/>
-          </a:prstGeom>
-          <a:noFill/>
-          <a:ln>
-            <a:noFill/>
-          </a:ln>
-        </p:spPr>
-        <p:txBody>
-          <a:bodyPr anchor="b"/>
-          <a:p>
-            <a:pPr>
-              <a:lnSpc>
-                <a:spcPct val="85000"/>
-              </a:lnSpc>
-            </a:pPr>
-            <a:r>
-              <a:rPr b="0" lang="en-US" sz="4800" spc="-49" strike="noStrike">
-                <a:solidFill>
-                  <a:srgbClr val="404040"/>
-                </a:solidFill>
-                <a:latin typeface="Calibri Light"/>
-              </a:rPr>
-              <a:t>Star-Voting Ablauf – Bewertungswahl</a:t>
-            </a:r>
-            <a:endParaRPr b="0" lang="en-US" sz="4800" spc="-1" strike="noStrike">
-              <a:solidFill>
-                <a:srgbClr val="000000"/>
-              </a:solidFill>
-              <a:latin typeface="Calibri"/>
-            </a:endParaRPr>
-          </a:p>
-        </p:txBody>
-      </p:sp>
       <p:pic>
         <p:nvPicPr>
-          <p:cNvPr id="145" name="Inhaltsplatzhalter 3" descr=""/>
+          <p:cNvPr id="157" name="Picture 2" descr=""/>
           <p:cNvPicPr/>
           <p:nvPr/>
         </p:nvPicPr>
@@ -7100,8 +7603,8 @@
         </p:blipFill>
         <p:spPr>
           <a:xfrm>
-            <a:off x="4801680" y="1930320"/>
-            <a:ext cx="2649240" cy="4022280"/>
+            <a:off x="2507040" y="737280"/>
+            <a:ext cx="7176960" cy="5382720"/>
           </a:xfrm>
           <a:prstGeom prst="rect">
             <a:avLst/>
@@ -7162,14 +7665,14 @@
       </p:grpSpPr>
       <p:sp>
         <p:nvSpPr>
-          <p:cNvPr id="146" name="TextShape 1"/>
-          <p:cNvSpPr txBox="1"/>
+          <p:cNvPr id="158" name="CustomShape 1"/>
+          <p:cNvSpPr/>
           <p:nvPr/>
         </p:nvSpPr>
         <p:spPr>
           <a:xfrm>
             <a:off x="1097280" y="286560"/>
-            <a:ext cx="10058040" cy="1450440"/>
+            <a:ext cx="10057320" cy="1449720"/>
           </a:xfrm>
           <a:prstGeom prst="rect">
             <a:avLst/>
@@ -7179,8 +7682,14 @@
             <a:noFill/>
           </a:ln>
         </p:spPr>
-        <p:txBody>
-          <a:bodyPr anchor="b"/>
+        <p:style>
+          <a:lnRef idx="0"/>
+          <a:fillRef idx="0"/>
+          <a:effectRef idx="0"/>
+          <a:fontRef idx="minor"/>
+        </p:style>
+        <p:txBody>
+          <a:bodyPr lIns="90000" rIns="90000" tIns="45000" bIns="45000" anchor="b"/>
           <a:p>
             <a:pPr>
               <a:lnSpc>
@@ -7188,26 +7697,24 @@
               </a:lnSpc>
             </a:pPr>
             <a:r>
-              <a:rPr b="0" lang="en-US" sz="4800" spc="-49" strike="noStrike">
+              <a:rPr b="0" lang="de-DE" sz="4800" spc="-43" strike="noStrike">
                 <a:solidFill>
                   <a:srgbClr val="404040"/>
                 </a:solidFill>
                 <a:latin typeface="Calibri Light"/>
+                <a:ea typeface="DejaVu Sans"/>
               </a:rPr>
-              <a:t>Star-Voting Ablauf – Runoff</a:t>
+              <a:t>Star-Voting Ablauf – Bewertungsbogen</a:t>
             </a:r>
-            <a:endParaRPr b="0" lang="en-US" sz="4800" spc="-1" strike="noStrike">
-              <a:solidFill>
-                <a:srgbClr val="000000"/>
-              </a:solidFill>
-              <a:latin typeface="Calibri"/>
+            <a:endParaRPr b="0" lang="de-DE" sz="4800" spc="-1" strike="noStrike">
+              <a:latin typeface="Arial"/>
             </a:endParaRPr>
           </a:p>
         </p:txBody>
       </p:sp>
       <p:pic>
         <p:nvPicPr>
-          <p:cNvPr id="147" name="Inhaltsplatzhalter 3" descr=""/>
+          <p:cNvPr id="159" name="Inhaltsplatzhalter 3" descr=""/>
           <p:cNvPicPr/>
           <p:nvPr/>
         </p:nvPicPr>
@@ -7217,8 +7724,8 @@
         </p:blipFill>
         <p:spPr>
           <a:xfrm>
-            <a:off x="4790880" y="1846440"/>
-            <a:ext cx="2670120" cy="4022280"/>
+            <a:off x="4918320" y="1997280"/>
+            <a:ext cx="2354040" cy="4021560"/>
           </a:xfrm>
           <a:prstGeom prst="rect">
             <a:avLst/>
@@ -7279,14 +7786,14 @@
       </p:grpSpPr>
       <p:sp>
         <p:nvSpPr>
-          <p:cNvPr id="148" name="TextShape 1"/>
-          <p:cNvSpPr txBox="1"/>
+          <p:cNvPr id="160" name="CustomShape 1"/>
+          <p:cNvSpPr/>
           <p:nvPr/>
         </p:nvSpPr>
         <p:spPr>
           <a:xfrm>
             <a:off x="1097280" y="286560"/>
-            <a:ext cx="10058040" cy="1450440"/>
+            <a:ext cx="10057320" cy="1449720"/>
           </a:xfrm>
           <a:prstGeom prst="rect">
             <a:avLst/>
@@ -7296,8 +7803,14 @@
             <a:noFill/>
           </a:ln>
         </p:spPr>
-        <p:txBody>
-          <a:bodyPr anchor="b"/>
+        <p:style>
+          <a:lnRef idx="0"/>
+          <a:fillRef idx="0"/>
+          <a:effectRef idx="0"/>
+          <a:fontRef idx="minor"/>
+        </p:style>
+        <p:txBody>
+          <a:bodyPr lIns="90000" rIns="90000" tIns="45000" bIns="45000" anchor="b"/>
           <a:p>
             <a:pPr>
               <a:lnSpc>
@@ -7305,26 +7818,24 @@
               </a:lnSpc>
             </a:pPr>
             <a:r>
-              <a:rPr b="0" lang="en-US" sz="4800" spc="-49" strike="noStrike">
+              <a:rPr b="0" lang="de-DE" sz="4800" spc="-43" strike="noStrike">
                 <a:solidFill>
                   <a:srgbClr val="404040"/>
                 </a:solidFill>
                 <a:latin typeface="Calibri Light"/>
+                <a:ea typeface="DejaVu Sans"/>
               </a:rPr>
-              <a:t>Star-Voting Ablauf – Ergebnis</a:t>
+              <a:t>Star-Voting Ablauf – Bewertungswahl</a:t>
             </a:r>
-            <a:endParaRPr b="0" lang="en-US" sz="4800" spc="-1" strike="noStrike">
-              <a:solidFill>
-                <a:srgbClr val="000000"/>
-              </a:solidFill>
-              <a:latin typeface="Calibri"/>
+            <a:endParaRPr b="0" lang="de-DE" sz="4800" spc="-1" strike="noStrike">
+              <a:latin typeface="Arial"/>
             </a:endParaRPr>
           </a:p>
         </p:txBody>
       </p:sp>
       <p:pic>
         <p:nvPicPr>
-          <p:cNvPr id="149" name="Inhaltsplatzhalter 3" descr=""/>
+          <p:cNvPr id="161" name="Inhaltsplatzhalter 3" descr=""/>
           <p:cNvPicPr/>
           <p:nvPr/>
         </p:nvPicPr>
@@ -7334,8 +7845,8 @@
         </p:blipFill>
         <p:spPr>
           <a:xfrm>
-            <a:off x="4920120" y="1846440"/>
-            <a:ext cx="2412000" cy="4022280"/>
+            <a:off x="4801680" y="1930320"/>
+            <a:ext cx="2648520" cy="4021560"/>
           </a:xfrm>
           <a:prstGeom prst="rect">
             <a:avLst/>
@@ -7396,14 +7907,14 @@
       </p:grpSpPr>
       <p:sp>
         <p:nvSpPr>
-          <p:cNvPr id="150" name="TextShape 1"/>
-          <p:cNvSpPr txBox="1"/>
+          <p:cNvPr id="162" name="CustomShape 1"/>
+          <p:cNvSpPr/>
           <p:nvPr/>
         </p:nvSpPr>
         <p:spPr>
           <a:xfrm>
             <a:off x="1097280" y="286560"/>
-            <a:ext cx="10058040" cy="1450440"/>
+            <a:ext cx="10057320" cy="1449720"/>
           </a:xfrm>
           <a:prstGeom prst="rect">
             <a:avLst/>
@@ -7413,8 +7924,14 @@
             <a:noFill/>
           </a:ln>
         </p:spPr>
-        <p:txBody>
-          <a:bodyPr anchor="b"/>
+        <p:style>
+          <a:lnRef idx="0"/>
+          <a:fillRef idx="0"/>
+          <a:effectRef idx="0"/>
+          <a:fontRef idx="minor"/>
+        </p:style>
+        <p:txBody>
+          <a:bodyPr lIns="90000" rIns="90000" tIns="45000" bIns="45000" anchor="b"/>
           <a:p>
             <a:pPr>
               <a:lnSpc>
@@ -7422,38 +7939,35 @@
               </a:lnSpc>
             </a:pPr>
             <a:r>
-              <a:rPr b="0" lang="en-US" sz="4800" spc="-49" strike="noStrike">
+              <a:rPr b="0" lang="de-DE" sz="4800" spc="-43" strike="noStrike">
                 <a:solidFill>
                   <a:srgbClr val="404040"/>
                 </a:solidFill>
                 <a:latin typeface="Calibri Light"/>
+                <a:ea typeface="DejaVu Sans"/>
               </a:rPr>
-              <a:t>Übersicht</a:t>
+              <a:t>Star-Voting Ablauf – Runoff</a:t>
             </a:r>
-            <a:endParaRPr b="0" lang="en-US" sz="4800" spc="-1" strike="noStrike">
-              <a:solidFill>
-                <a:srgbClr val="000000"/>
-              </a:solidFill>
-              <a:latin typeface="Calibri"/>
+            <a:endParaRPr b="0" lang="de-DE" sz="4800" spc="-1" strike="noStrike">
+              <a:latin typeface="Arial"/>
             </a:endParaRPr>
           </a:p>
         </p:txBody>
       </p:sp>
       <p:pic>
         <p:nvPicPr>
-          <p:cNvPr id="151" name="Picture 2" descr=""/>
+          <p:cNvPr id="163" name="Inhaltsplatzhalter 3" descr=""/>
           <p:cNvPicPr/>
           <p:nvPr/>
         </p:nvPicPr>
         <p:blipFill>
           <a:blip r:embed="rId1"/>
-          <a:srcRect l="0" t="12913" r="0" b="12845"/>
           <a:stretch/>
         </p:blipFill>
         <p:spPr>
           <a:xfrm>
-            <a:off x="1938960" y="1846440"/>
-            <a:ext cx="8373960" cy="4022280"/>
+            <a:off x="4790880" y="1846440"/>
+            <a:ext cx="2669400" cy="4021560"/>
           </a:xfrm>
           <a:prstGeom prst="rect">
             <a:avLst/>
@@ -7514,14 +8028,14 @@
       </p:grpSpPr>
       <p:sp>
         <p:nvSpPr>
-          <p:cNvPr id="152" name="TextShape 1"/>
-          <p:cNvSpPr txBox="1"/>
+          <p:cNvPr id="164" name="CustomShape 1"/>
+          <p:cNvSpPr/>
           <p:nvPr/>
         </p:nvSpPr>
         <p:spPr>
           <a:xfrm>
             <a:off x="1097280" y="286560"/>
-            <a:ext cx="10058040" cy="1450440"/>
+            <a:ext cx="10057320" cy="1449720"/>
           </a:xfrm>
           <a:prstGeom prst="rect">
             <a:avLst/>
@@ -7531,10 +8045,14 @@
             <a:noFill/>
           </a:ln>
         </p:spPr>
-        <p:txBody>
-          <a:bodyPr anchor="b">
-            <a:normAutofit/>
-          </a:bodyPr>
+        <p:style>
+          <a:lnRef idx="0"/>
+          <a:fillRef idx="0"/>
+          <a:effectRef idx="0"/>
+          <a:fontRef idx="minor"/>
+        </p:style>
+        <p:txBody>
+          <a:bodyPr lIns="90000" rIns="90000" tIns="45000" bIns="45000" anchor="b"/>
           <a:p>
             <a:pPr>
               <a:lnSpc>
@@ -7542,289 +8060,44 @@
               </a:lnSpc>
             </a:pPr>
             <a:r>
-              <a:rPr b="0" lang="en-US" sz="4000" spc="-49" strike="noStrike">
+              <a:rPr b="0" lang="de-DE" sz="4800" spc="-43" strike="noStrike">
                 <a:solidFill>
                   <a:srgbClr val="404040"/>
                 </a:solidFill>
                 <a:latin typeface="Calibri Light"/>
+                <a:ea typeface="DejaVu Sans"/>
               </a:rPr>
-              <a:t>Gedanken/Probleme/Ideen Implementierung</a:t>
+              <a:t>Star-Voting Ablauf – Ergebnis</a:t>
             </a:r>
-            <a:endParaRPr b="0" lang="en-US" sz="4000" spc="-1" strike="noStrike">
-              <a:solidFill>
-                <a:srgbClr val="000000"/>
-              </a:solidFill>
-              <a:latin typeface="Calibri"/>
-            </a:endParaRPr>
-          </a:p>
-        </p:txBody>
-      </p:sp>
-      <p:sp>
-        <p:nvSpPr>
-          <p:cNvPr id="153" name="TextShape 2"/>
-          <p:cNvSpPr txBox="1"/>
+            <a:endParaRPr b="0" lang="de-DE" sz="4800" spc="-1" strike="noStrike">
+              <a:latin typeface="Arial"/>
+            </a:endParaRPr>
+          </a:p>
+        </p:txBody>
+      </p:sp>
+      <p:pic>
+        <p:nvPicPr>
+          <p:cNvPr id="165" name="Inhaltsplatzhalter 3" descr=""/>
+          <p:cNvPicPr/>
           <p:nvPr/>
-        </p:nvSpPr>
-        <p:spPr>
-          <a:xfrm>
-            <a:off x="1097280" y="1845720"/>
-            <a:ext cx="10058040" cy="4023000"/>
-          </a:xfrm>
-          <a:prstGeom prst="rect">
-            <a:avLst/>
-          </a:prstGeom>
-          <a:noFill/>
+        </p:nvPicPr>
+        <p:blipFill>
+          <a:blip r:embed="rId1"/>
+          <a:stretch/>
+        </p:blipFill>
+        <p:spPr>
+          <a:xfrm>
+            <a:off x="4920120" y="1846440"/>
+            <a:ext cx="2411280" cy="4021560"/>
+          </a:xfrm>
+          <a:prstGeom prst="rect">
+            <a:avLst/>
+          </a:prstGeom>
           <a:ln>
             <a:noFill/>
           </a:ln>
         </p:spPr>
-        <p:txBody>
-          <a:bodyPr lIns="0" rIns="0">
-            <a:normAutofit/>
-          </a:bodyPr>
-          <a:p>
-            <a:pPr marL="91440" indent="-91080">
-              <a:lnSpc>
-                <a:spcPct val="90000"/>
-              </a:lnSpc>
-              <a:spcBef>
-                <a:spcPts val="1199"/>
-              </a:spcBef>
-              <a:spcAft>
-                <a:spcPts val="201"/>
-              </a:spcAft>
-              <a:buClr>
-                <a:srgbClr val="e48312"/>
-              </a:buClr>
-              <a:buFont typeface="Arial"/>
-              <a:buChar char="•"/>
-            </a:pPr>
-            <a:r>
-              <a:rPr b="0" lang="en-US" sz="2000" spc="-1" strike="noStrike">
-                <a:solidFill>
-                  <a:srgbClr val="404040"/>
-                </a:solidFill>
-                <a:latin typeface="Calibri"/>
-              </a:rPr>
-              <a:t>Einlesen von Daten</a:t>
-            </a:r>
-            <a:endParaRPr b="0" lang="en-US" sz="2000" spc="-1" strike="noStrike">
-              <a:solidFill>
-                <a:srgbClr val="404040"/>
-              </a:solidFill>
-              <a:latin typeface="Calibri"/>
-            </a:endParaRPr>
-          </a:p>
-          <a:p>
-            <a:pPr>
-              <a:lnSpc>
-                <a:spcPct val="90000"/>
-              </a:lnSpc>
-              <a:spcBef>
-                <a:spcPts val="1199"/>
-              </a:spcBef>
-              <a:spcAft>
-                <a:spcPts val="201"/>
-              </a:spcAft>
-            </a:pPr>
-            <a:endParaRPr b="0" lang="en-US" sz="2000" spc="-1" strike="noStrike">
-              <a:solidFill>
-                <a:srgbClr val="404040"/>
-              </a:solidFill>
-              <a:latin typeface="Calibri"/>
-            </a:endParaRPr>
-          </a:p>
-          <a:p>
-            <a:pPr marL="91440" indent="-91080">
-              <a:lnSpc>
-                <a:spcPct val="90000"/>
-              </a:lnSpc>
-              <a:spcBef>
-                <a:spcPts val="1199"/>
-              </a:spcBef>
-              <a:spcAft>
-                <a:spcPts val="201"/>
-              </a:spcAft>
-              <a:buClr>
-                <a:srgbClr val="e48312"/>
-              </a:buClr>
-              <a:buFont typeface="Arial"/>
-              <a:buChar char="•"/>
-            </a:pPr>
-            <a:r>
-              <a:rPr b="0" lang="en-US" sz="2000" spc="-1" strike="noStrike">
-                <a:solidFill>
-                  <a:srgbClr val="404040"/>
-                </a:solidFill>
-                <a:latin typeface="Calibri"/>
-              </a:rPr>
-              <a:t>Mehr als zwei Kandidaten nach der Bewertungswahl</a:t>
-            </a:r>
-            <a:endParaRPr b="0" lang="en-US" sz="2000" spc="-1" strike="noStrike">
-              <a:solidFill>
-                <a:srgbClr val="404040"/>
-              </a:solidFill>
-              <a:latin typeface="Calibri"/>
-            </a:endParaRPr>
-          </a:p>
-          <a:p>
-            <a:pPr>
-              <a:lnSpc>
-                <a:spcPct val="90000"/>
-              </a:lnSpc>
-              <a:spcBef>
-                <a:spcPts val="1199"/>
-              </a:spcBef>
-              <a:spcAft>
-                <a:spcPts val="201"/>
-              </a:spcAft>
-            </a:pPr>
-            <a:endParaRPr b="0" lang="en-US" sz="2000" spc="-1" strike="noStrike">
-              <a:solidFill>
-                <a:srgbClr val="404040"/>
-              </a:solidFill>
-              <a:latin typeface="Calibri"/>
-            </a:endParaRPr>
-          </a:p>
-          <a:p>
-            <a:pPr marL="91440" indent="-91080">
-              <a:lnSpc>
-                <a:spcPct val="90000"/>
-              </a:lnSpc>
-              <a:spcBef>
-                <a:spcPts val="1199"/>
-              </a:spcBef>
-              <a:spcAft>
-                <a:spcPts val="201"/>
-              </a:spcAft>
-              <a:buClr>
-                <a:srgbClr val="e48312"/>
-              </a:buClr>
-              <a:buFont typeface="Arial"/>
-              <a:buChar char="•"/>
-            </a:pPr>
-            <a:r>
-              <a:rPr b="0" lang="en-US" sz="2000" spc="-1" strike="noStrike">
-                <a:solidFill>
-                  <a:srgbClr val="404040"/>
-                </a:solidFill>
-                <a:latin typeface="Calibri"/>
-              </a:rPr>
-              <a:t>Was passiert bei nur zwei eingelesenen Kandidaten?</a:t>
-            </a:r>
-            <a:endParaRPr b="0" lang="en-US" sz="2000" spc="-1" strike="noStrike">
-              <a:solidFill>
-                <a:srgbClr val="404040"/>
-              </a:solidFill>
-              <a:latin typeface="Calibri"/>
-            </a:endParaRPr>
-          </a:p>
-          <a:p>
-            <a:pPr>
-              <a:lnSpc>
-                <a:spcPct val="90000"/>
-              </a:lnSpc>
-              <a:spcBef>
-                <a:spcPts val="1199"/>
-              </a:spcBef>
-              <a:spcAft>
-                <a:spcPts val="201"/>
-              </a:spcAft>
-            </a:pPr>
-            <a:endParaRPr b="0" lang="en-US" sz="2000" spc="-1" strike="noStrike">
-              <a:solidFill>
-                <a:srgbClr val="404040"/>
-              </a:solidFill>
-              <a:latin typeface="Calibri"/>
-            </a:endParaRPr>
-          </a:p>
-          <a:p>
-            <a:pPr marL="91440" indent="-91080">
-              <a:lnSpc>
-                <a:spcPct val="90000"/>
-              </a:lnSpc>
-              <a:spcBef>
-                <a:spcPts val="1199"/>
-              </a:spcBef>
-              <a:spcAft>
-                <a:spcPts val="201"/>
-              </a:spcAft>
-              <a:buClr>
-                <a:srgbClr val="e48312"/>
-              </a:buClr>
-              <a:buFont typeface="Arial"/>
-              <a:buChar char="•"/>
-            </a:pPr>
-            <a:r>
-              <a:rPr b="0" lang="en-US" sz="2000" spc="-1" strike="noStrike">
-                <a:solidFill>
-                  <a:srgbClr val="404040"/>
-                </a:solidFill>
-                <a:latin typeface="Calibri"/>
-              </a:rPr>
-              <a:t>Geeignete Objektstruktur finden</a:t>
-            </a:r>
-            <a:endParaRPr b="0" lang="en-US" sz="2000" spc="-1" strike="noStrike">
-              <a:solidFill>
-                <a:srgbClr val="404040"/>
-              </a:solidFill>
-              <a:latin typeface="Calibri"/>
-            </a:endParaRPr>
-          </a:p>
-          <a:p>
-            <a:pPr>
-              <a:lnSpc>
-                <a:spcPct val="90000"/>
-              </a:lnSpc>
-              <a:spcBef>
-                <a:spcPts val="1199"/>
-              </a:spcBef>
-              <a:spcAft>
-                <a:spcPts val="201"/>
-              </a:spcAft>
-            </a:pPr>
-            <a:endParaRPr b="0" lang="en-US" sz="2000" spc="-1" strike="noStrike">
-              <a:solidFill>
-                <a:srgbClr val="404040"/>
-              </a:solidFill>
-              <a:latin typeface="Calibri"/>
-            </a:endParaRPr>
-          </a:p>
-          <a:p>
-            <a:pPr marL="91440" indent="-91080">
-              <a:lnSpc>
-                <a:spcPct val="90000"/>
-              </a:lnSpc>
-              <a:spcBef>
-                <a:spcPts val="1199"/>
-              </a:spcBef>
-              <a:spcAft>
-                <a:spcPts val="201"/>
-              </a:spcAft>
-              <a:buClr>
-                <a:srgbClr val="e48312"/>
-              </a:buClr>
-              <a:buFont typeface="Arial"/>
-              <a:buChar char="•"/>
-            </a:pPr>
-            <a:r>
-              <a:rPr b="0" lang="en-US" sz="2000" spc="-1" strike="noStrike">
-                <a:solidFill>
-                  <a:srgbClr val="404040"/>
-                </a:solidFill>
-                <a:latin typeface="Calibri"/>
-              </a:rPr>
-              <a:t>Logischerweise genügend technische Probleme…</a:t>
-            </a:r>
-            <a:endParaRPr b="0" lang="en-US" sz="2000" spc="-1" strike="noStrike">
-              <a:solidFill>
-                <a:srgbClr val="404040"/>
-              </a:solidFill>
-              <a:latin typeface="Calibri"/>
-            </a:endParaRPr>
-          </a:p>
-        </p:txBody>
-      </p:sp>
+      </p:pic>
     </p:spTree>
   </p:cSld>
   <p:timing>
